--- a/unit_00/html_review/03 CSS.pptx
+++ b/unit_00/html_review/03 CSS.pptx
@@ -5,41 +5,48 @@
     <p:sldMasterId id="2147483673" r:id="rId4"/>
   </p:sldMasterIdLst>
   <p:notesMasterIdLst>
-    <p:notesMasterId r:id="rId37"/>
+    <p:notesMasterId r:id="rId44"/>
   </p:notesMasterIdLst>
   <p:sldIdLst>
     <p:sldId id="257" r:id="rId5"/>
     <p:sldId id="263" r:id="rId6"/>
-    <p:sldId id="286" r:id="rId7"/>
+    <p:sldId id="308" r:id="rId7"/>
     <p:sldId id="265" r:id="rId8"/>
     <p:sldId id="287" r:id="rId9"/>
     <p:sldId id="288" r:id="rId10"/>
-    <p:sldId id="266" r:id="rId11"/>
-    <p:sldId id="268" r:id="rId12"/>
-    <p:sldId id="289" r:id="rId13"/>
-    <p:sldId id="291" r:id="rId14"/>
-    <p:sldId id="290" r:id="rId15"/>
-    <p:sldId id="269" r:id="rId16"/>
-    <p:sldId id="292" r:id="rId17"/>
-    <p:sldId id="267" r:id="rId18"/>
-    <p:sldId id="270" r:id="rId19"/>
-    <p:sldId id="293" r:id="rId20"/>
-    <p:sldId id="271" r:id="rId21"/>
-    <p:sldId id="294" r:id="rId22"/>
-    <p:sldId id="295" r:id="rId23"/>
-    <p:sldId id="296" r:id="rId24"/>
-    <p:sldId id="297" r:id="rId25"/>
-    <p:sldId id="298" r:id="rId26"/>
-    <p:sldId id="299" r:id="rId27"/>
-    <p:sldId id="300" r:id="rId28"/>
-    <p:sldId id="301" r:id="rId29"/>
-    <p:sldId id="303" r:id="rId30"/>
-    <p:sldId id="304" r:id="rId31"/>
-    <p:sldId id="305" r:id="rId32"/>
-    <p:sldId id="306" r:id="rId33"/>
-    <p:sldId id="280" r:id="rId34"/>
-    <p:sldId id="307" r:id="rId35"/>
-    <p:sldId id="277" r:id="rId36"/>
+    <p:sldId id="309" r:id="rId11"/>
+    <p:sldId id="266" r:id="rId12"/>
+    <p:sldId id="268" r:id="rId13"/>
+    <p:sldId id="290" r:id="rId14"/>
+    <p:sldId id="289" r:id="rId15"/>
+    <p:sldId id="291" r:id="rId16"/>
+    <p:sldId id="313" r:id="rId17"/>
+    <p:sldId id="315" r:id="rId18"/>
+    <p:sldId id="314" r:id="rId19"/>
+    <p:sldId id="310" r:id="rId20"/>
+    <p:sldId id="269" r:id="rId21"/>
+    <p:sldId id="316" r:id="rId22"/>
+    <p:sldId id="312" r:id="rId23"/>
+    <p:sldId id="311" r:id="rId24"/>
+    <p:sldId id="267" r:id="rId25"/>
+    <p:sldId id="270" r:id="rId26"/>
+    <p:sldId id="293" r:id="rId27"/>
+    <p:sldId id="271" r:id="rId28"/>
+    <p:sldId id="294" r:id="rId29"/>
+    <p:sldId id="295" r:id="rId30"/>
+    <p:sldId id="296" r:id="rId31"/>
+    <p:sldId id="297" r:id="rId32"/>
+    <p:sldId id="298" r:id="rId33"/>
+    <p:sldId id="299" r:id="rId34"/>
+    <p:sldId id="300" r:id="rId35"/>
+    <p:sldId id="301" r:id="rId36"/>
+    <p:sldId id="303" r:id="rId37"/>
+    <p:sldId id="304" r:id="rId38"/>
+    <p:sldId id="305" r:id="rId39"/>
+    <p:sldId id="306" r:id="rId40"/>
+    <p:sldId id="280" r:id="rId41"/>
+    <p:sldId id="307" r:id="rId42"/>
+    <p:sldId id="277" r:id="rId43"/>
   </p:sldIdLst>
   <p:sldSz cx="12192000" cy="6858000"/>
   <p:notesSz cx="6858000" cy="9144000"/>
@@ -228,7 +235,7 @@
           <a:p>
             <a:fld id="{3F839238-B565-4611-A910-43B731DECEC1}" type="datetimeFigureOut">
               <a:rPr lang="en-US" smtClean="0"/>
-              <a:t>7/3/2020</a:t>
+              <a:t>7/29/2020</a:t>
             </a:fld>
             <a:endParaRPr lang="en-US" dirty="0"/>
           </a:p>
@@ -292,38 +299,37 @@
           <a:p>
             <a:pPr lvl="0"/>
             <a:r>
-              <a:rPr lang="en-US" smtClean="0"/>
+              <a:rPr lang="en-US"/>
               <a:t>Click to edit Master text styles</a:t>
             </a:r>
           </a:p>
           <a:p>
             <a:pPr lvl="1"/>
             <a:r>
-              <a:rPr lang="en-US" smtClean="0"/>
+              <a:rPr lang="en-US"/>
               <a:t>Second level</a:t>
             </a:r>
           </a:p>
           <a:p>
             <a:pPr lvl="2"/>
             <a:r>
-              <a:rPr lang="en-US" smtClean="0"/>
+              <a:rPr lang="en-US"/>
               <a:t>Third level</a:t>
             </a:r>
           </a:p>
           <a:p>
             <a:pPr lvl="3"/>
             <a:r>
-              <a:rPr lang="en-US" smtClean="0"/>
+              <a:rPr lang="en-US"/>
               <a:t>Fourth level</a:t>
             </a:r>
           </a:p>
           <a:p>
             <a:pPr lvl="4"/>
             <a:r>
-              <a:rPr lang="en-US" smtClean="0"/>
+              <a:rPr lang="en-US"/>
               <a:t>Fifth level</a:t>
             </a:r>
-            <a:endParaRPr lang="en-US"/>
           </a:p>
         </p:txBody>
       </p:sp>
@@ -540,6 +546,12 @@
           <a:bodyPr/>
           <a:lstStyle/>
           <a:p>
+            <a:r>
+              <a:rPr lang="en-US" dirty="0">
+                <a:hlinkClick r:id="rId3"/>
+              </a:rPr>
+              <a:t>https://developer.mozilla.org/en-US/docs/Web/CSS/box-sizing</a:t>
+            </a:r>
             <a:endParaRPr lang="en-US" dirty="0"/>
           </a:p>
         </p:txBody>
@@ -551,7 +563,7 @@
             <a:spLocks noGrp="1"/>
           </p:cNvSpPr>
           <p:nvPr>
-            <p:ph type="sldNum" sz="quarter" idx="10"/>
+            <p:ph type="sldNum" sz="quarter" idx="5"/>
           </p:nvPr>
         </p:nvSpPr>
         <p:spPr/>
@@ -561,7 +573,289 @@
           <a:p>
             <a:fld id="{913AAEB1-1BB9-43BA-8E44-621D6A53A2EE}" type="slidenum">
               <a:rPr lang="en-US" smtClean="0"/>
-              <a:t>32</a:t>
+              <a:t>9</a:t>
+            </a:fld>
+            <a:endParaRPr lang="en-US" dirty="0"/>
+          </a:p>
+        </p:txBody>
+      </p:sp>
+    </p:spTree>
+    <p:extLst>
+      <p:ext uri="{BB962C8B-B14F-4D97-AF65-F5344CB8AC3E}">
+        <p14:creationId xmlns:p14="http://schemas.microsoft.com/office/powerpoint/2010/main" val="1643672716"/>
+      </p:ext>
+    </p:extLst>
+  </p:cSld>
+  <p:clrMapOvr>
+    <a:masterClrMapping/>
+  </p:clrMapOvr>
+</p:notes>
+</file>
+
+<file path=ppt/notesSlides/notesSlide2.xml><?xml version="1.0" encoding="utf-8"?>
+<p:notes xmlns:a="http://schemas.openxmlformats.org/drawingml/2006/main" xmlns:r="http://schemas.openxmlformats.org/officeDocument/2006/relationships" xmlns:p="http://schemas.openxmlformats.org/presentationml/2006/main">
+  <p:cSld>
+    <p:spTree>
+      <p:nvGrpSpPr>
+        <p:cNvPr id="1" name=""/>
+        <p:cNvGrpSpPr/>
+        <p:nvPr/>
+      </p:nvGrpSpPr>
+      <p:grpSpPr>
+        <a:xfrm>
+          <a:off x="0" y="0"/>
+          <a:ext cx="0" cy="0"/>
+          <a:chOff x="0" y="0"/>
+          <a:chExt cx="0" cy="0"/>
+        </a:xfrm>
+      </p:grpSpPr>
+      <p:sp>
+        <p:nvSpPr>
+          <p:cNvPr id="2" name="Slide Image Placeholder 1"/>
+          <p:cNvSpPr>
+            <a:spLocks noGrp="1" noRot="1" noChangeAspect="1"/>
+          </p:cNvSpPr>
+          <p:nvPr>
+            <p:ph type="sldImg"/>
+          </p:nvPr>
+        </p:nvSpPr>
+        <p:spPr/>
+      </p:sp>
+      <p:sp>
+        <p:nvSpPr>
+          <p:cNvPr id="3" name="Notes Placeholder 2"/>
+          <p:cNvSpPr>
+            <a:spLocks noGrp="1"/>
+          </p:cNvSpPr>
+          <p:nvPr>
+            <p:ph type="body" idx="1"/>
+          </p:nvPr>
+        </p:nvSpPr>
+        <p:spPr/>
+        <p:txBody>
+          <a:bodyPr/>
+          <a:lstStyle/>
+          <a:p>
+            <a:pPr marL="0" marR="0" lvl="0" indent="0" algn="l" defTabSz="914400" rtl="0" eaLnBrk="1" fontAlgn="auto" latinLnBrk="0" hangingPunct="1">
+              <a:lnSpc>
+                <a:spcPct val="100000"/>
+              </a:lnSpc>
+              <a:spcBef>
+                <a:spcPts val="0"/>
+              </a:spcBef>
+              <a:spcAft>
+                <a:spcPts val="0"/>
+              </a:spcAft>
+              <a:buClrTx/>
+              <a:buSzTx/>
+              <a:buFontTx/>
+              <a:buNone/>
+              <a:tabLst/>
+              <a:defRPr/>
+            </a:pPr>
+            <a:r>
+              <a:rPr lang="en-US">
+                <a:solidFill>
+                  <a:srgbClr val="00B0F0"/>
+                </a:solidFill>
+              </a:rPr>
+              <a:t>https://developer.mozilla.org/en-US/docs/Web/CSS/margin</a:t>
+            </a:r>
+          </a:p>
+        </p:txBody>
+      </p:sp>
+      <p:sp>
+        <p:nvSpPr>
+          <p:cNvPr id="4" name="Slide Number Placeholder 3"/>
+          <p:cNvSpPr>
+            <a:spLocks noGrp="1"/>
+          </p:cNvSpPr>
+          <p:nvPr>
+            <p:ph type="sldNum" sz="quarter" idx="5"/>
+          </p:nvPr>
+        </p:nvSpPr>
+        <p:spPr/>
+        <p:txBody>
+          <a:bodyPr/>
+          <a:lstStyle/>
+          <a:p>
+            <a:fld id="{913AAEB1-1BB9-43BA-8E44-621D6A53A2EE}" type="slidenum">
+              <a:rPr lang="en-US" smtClean="0"/>
+              <a:t>10</a:t>
+            </a:fld>
+            <a:endParaRPr lang="en-US" dirty="0"/>
+          </a:p>
+        </p:txBody>
+      </p:sp>
+    </p:spTree>
+    <p:extLst>
+      <p:ext uri="{BB962C8B-B14F-4D97-AF65-F5344CB8AC3E}">
+        <p14:creationId xmlns:p14="http://schemas.microsoft.com/office/powerpoint/2010/main" val="3854798800"/>
+      </p:ext>
+    </p:extLst>
+  </p:cSld>
+  <p:clrMapOvr>
+    <a:masterClrMapping/>
+  </p:clrMapOvr>
+</p:notes>
+</file>
+
+<file path=ppt/notesSlides/notesSlide3.xml><?xml version="1.0" encoding="utf-8"?>
+<p:notes xmlns:a="http://schemas.openxmlformats.org/drawingml/2006/main" xmlns:r="http://schemas.openxmlformats.org/officeDocument/2006/relationships" xmlns:p="http://schemas.openxmlformats.org/presentationml/2006/main">
+  <p:cSld>
+    <p:spTree>
+      <p:nvGrpSpPr>
+        <p:cNvPr id="1" name=""/>
+        <p:cNvGrpSpPr/>
+        <p:nvPr/>
+      </p:nvGrpSpPr>
+      <p:grpSpPr>
+        <a:xfrm>
+          <a:off x="0" y="0"/>
+          <a:ext cx="0" cy="0"/>
+          <a:chOff x="0" y="0"/>
+          <a:chExt cx="0" cy="0"/>
+        </a:xfrm>
+      </p:grpSpPr>
+      <p:sp>
+        <p:nvSpPr>
+          <p:cNvPr id="2" name="Slide Image Placeholder 1"/>
+          <p:cNvSpPr>
+            <a:spLocks noGrp="1" noRot="1" noChangeAspect="1"/>
+          </p:cNvSpPr>
+          <p:nvPr>
+            <p:ph type="sldImg"/>
+          </p:nvPr>
+        </p:nvSpPr>
+        <p:spPr/>
+      </p:sp>
+      <p:sp>
+        <p:nvSpPr>
+          <p:cNvPr id="3" name="Notes Placeholder 2"/>
+          <p:cNvSpPr>
+            <a:spLocks noGrp="1"/>
+          </p:cNvSpPr>
+          <p:nvPr>
+            <p:ph type="body" idx="1"/>
+          </p:nvPr>
+        </p:nvSpPr>
+        <p:spPr/>
+        <p:txBody>
+          <a:bodyPr/>
+          <a:lstStyle/>
+          <a:p>
+            <a:r>
+              <a:rPr lang="en-US">
+                <a:hlinkClick r:id="rId3"/>
+              </a:rPr>
+              <a:t>https://developer.mozilla.org/en-US/docs/Web/CSS/box-sizing</a:t>
+            </a:r>
+            <a:endParaRPr lang="en-US"/>
+          </a:p>
+        </p:txBody>
+      </p:sp>
+      <p:sp>
+        <p:nvSpPr>
+          <p:cNvPr id="4" name="Slide Number Placeholder 3"/>
+          <p:cNvSpPr>
+            <a:spLocks noGrp="1"/>
+          </p:cNvSpPr>
+          <p:nvPr>
+            <p:ph type="sldNum" sz="quarter" idx="5"/>
+          </p:nvPr>
+        </p:nvSpPr>
+        <p:spPr/>
+        <p:txBody>
+          <a:bodyPr/>
+          <a:lstStyle/>
+          <a:p>
+            <a:fld id="{913AAEB1-1BB9-43BA-8E44-621D6A53A2EE}" type="slidenum">
+              <a:rPr lang="en-US" smtClean="0"/>
+              <a:t>15</a:t>
+            </a:fld>
+            <a:endParaRPr lang="en-US" dirty="0"/>
+          </a:p>
+        </p:txBody>
+      </p:sp>
+    </p:spTree>
+    <p:extLst>
+      <p:ext uri="{BB962C8B-B14F-4D97-AF65-F5344CB8AC3E}">
+        <p14:creationId xmlns:p14="http://schemas.microsoft.com/office/powerpoint/2010/main" val="4114930476"/>
+      </p:ext>
+    </p:extLst>
+  </p:cSld>
+  <p:clrMapOvr>
+    <a:masterClrMapping/>
+  </p:clrMapOvr>
+</p:notes>
+</file>
+
+<file path=ppt/notesSlides/notesSlide4.xml><?xml version="1.0" encoding="utf-8"?>
+<p:notes xmlns:a="http://schemas.openxmlformats.org/drawingml/2006/main" xmlns:r="http://schemas.openxmlformats.org/officeDocument/2006/relationships" xmlns:p="http://schemas.openxmlformats.org/presentationml/2006/main">
+  <p:cSld>
+    <p:spTree>
+      <p:nvGrpSpPr>
+        <p:cNvPr id="1" name=""/>
+        <p:cNvGrpSpPr/>
+        <p:nvPr/>
+      </p:nvGrpSpPr>
+      <p:grpSpPr>
+        <a:xfrm>
+          <a:off x="0" y="0"/>
+          <a:ext cx="0" cy="0"/>
+          <a:chOff x="0" y="0"/>
+          <a:chExt cx="0" cy="0"/>
+        </a:xfrm>
+      </p:grpSpPr>
+      <p:sp>
+        <p:nvSpPr>
+          <p:cNvPr id="2" name="Slide Image Placeholder 1"/>
+          <p:cNvSpPr>
+            <a:spLocks noGrp="1" noRot="1" noChangeAspect="1"/>
+          </p:cNvSpPr>
+          <p:nvPr>
+            <p:ph type="sldImg"/>
+          </p:nvPr>
+        </p:nvSpPr>
+        <p:spPr/>
+      </p:sp>
+      <p:sp>
+        <p:nvSpPr>
+          <p:cNvPr id="3" name="Notes Placeholder 2"/>
+          <p:cNvSpPr>
+            <a:spLocks noGrp="1"/>
+          </p:cNvSpPr>
+          <p:nvPr>
+            <p:ph type="body" idx="1"/>
+          </p:nvPr>
+        </p:nvSpPr>
+        <p:spPr/>
+        <p:txBody>
+          <a:bodyPr/>
+          <a:lstStyle/>
+          <a:p>
+            <a:endParaRPr lang="en-US" dirty="0"/>
+          </a:p>
+        </p:txBody>
+      </p:sp>
+      <p:sp>
+        <p:nvSpPr>
+          <p:cNvPr id="4" name="Slide Number Placeholder 3"/>
+          <p:cNvSpPr>
+            <a:spLocks noGrp="1"/>
+          </p:cNvSpPr>
+          <p:nvPr>
+            <p:ph type="sldNum" sz="quarter" idx="10"/>
+          </p:nvPr>
+        </p:nvSpPr>
+        <p:spPr/>
+        <p:txBody>
+          <a:bodyPr/>
+          <a:lstStyle/>
+          <a:p>
+            <a:fld id="{913AAEB1-1BB9-43BA-8E44-621D6A53A2EE}" type="slidenum">
+              <a:rPr lang="en-US" smtClean="0"/>
+              <a:t>39</a:t>
             </a:fld>
             <a:endParaRPr lang="en-US" dirty="0"/>
           </a:p>
@@ -602,7 +896,7 @@
           <p:cNvPr id="5" name="Rectangle 4">
             <a:extLst>
               <a:ext uri="{FF2B5EF4-FFF2-40B4-BE49-F238E27FC236}">
-                <a16:creationId xmlns:a16="http://schemas.microsoft.com/office/drawing/2014/main" xmlns="" id="{904DB13E-F722-4ED6-BB00-556651E95281}"/>
+                <a16:creationId xmlns:a16="http://schemas.microsoft.com/office/drawing/2014/main" id="{904DB13E-F722-4ED6-BB00-556651E95281}"/>
               </a:ext>
             </a:extLst>
           </p:cNvPr>
@@ -751,7 +1045,7 @@
           <p:cNvPr id="7" name="Group 6">
             <a:extLst>
               <a:ext uri="{FF2B5EF4-FFF2-40B4-BE49-F238E27FC236}">
-                <a16:creationId xmlns:a16="http://schemas.microsoft.com/office/drawing/2014/main" xmlns="" id="{E26428D7-C6F3-473D-A360-A3F5C3E8728C}"/>
+                <a16:creationId xmlns:a16="http://schemas.microsoft.com/office/drawing/2014/main" id="{E26428D7-C6F3-473D-A360-A3F5C3E8728C}"/>
               </a:ext>
             </a:extLst>
           </p:cNvPr>
@@ -1049,7 +1343,7 @@
           <a:p>
             <a:fld id="{E9F25E47-8026-47FD-8FD6-2C7B55A6BE4F}" type="datetime1">
               <a:rPr lang="en-US" smtClean="0"/>
-              <a:t>7/3/2020</a:t>
+              <a:t>7/29/2020</a:t>
             </a:fld>
             <a:endParaRPr lang="en-US" dirty="0"/>
           </a:p>
@@ -1251,7 +1545,7 @@
           <a:p>
             <a:fld id="{49F0A7AA-AB30-4D36-B646-A02FA5DCCA55}" type="datetime1">
               <a:rPr lang="en-US" smtClean="0"/>
-              <a:t>7/3/2020</a:t>
+              <a:t>7/29/2020</a:t>
             </a:fld>
             <a:endParaRPr lang="en-US" dirty="0"/>
           </a:p>
@@ -1334,7 +1628,7 @@
           <p:cNvPr id="15" name="Rectangle 14">
             <a:extLst>
               <a:ext uri="{FF2B5EF4-FFF2-40B4-BE49-F238E27FC236}">
-                <a16:creationId xmlns:a16="http://schemas.microsoft.com/office/drawing/2014/main" xmlns="" id="{0A4A1889-E37C-4EC3-9E41-9DAD221CF389}"/>
+                <a16:creationId xmlns:a16="http://schemas.microsoft.com/office/drawing/2014/main" id="{0A4A1889-E37C-4EC3-9E41-9DAD221CF389}"/>
               </a:ext>
             </a:extLst>
           </p:cNvPr>
@@ -1531,7 +1825,7 @@
           <p:cNvPr id="16" name="Group 15">
             <a:extLst>
               <a:ext uri="{FF2B5EF4-FFF2-40B4-BE49-F238E27FC236}">
-                <a16:creationId xmlns:a16="http://schemas.microsoft.com/office/drawing/2014/main" xmlns="" id="{1683EB04-C23E-490C-A1A6-030CF79D23C8}"/>
+                <a16:creationId xmlns:a16="http://schemas.microsoft.com/office/drawing/2014/main" id="{1683EB04-C23E-490C-A1A6-030CF79D23C8}"/>
               </a:ext>
             </a:extLst>
           </p:cNvPr>
@@ -1551,7 +1845,7 @@
             <p:cNvPr id="17" name="Straight Connector 16">
               <a:extLst>
                 <a:ext uri="{FF2B5EF4-FFF2-40B4-BE49-F238E27FC236}">
-                  <a16:creationId xmlns:a16="http://schemas.microsoft.com/office/drawing/2014/main" xmlns="" id="{F8A84C03-E1CA-4A4E-81D6-9BB0C335B7A0}"/>
+                  <a16:creationId xmlns:a16="http://schemas.microsoft.com/office/drawing/2014/main" id="{F8A84C03-E1CA-4A4E-81D6-9BB0C335B7A0}"/>
                 </a:ext>
               </a:extLst>
             </p:cNvPr>
@@ -1599,7 +1893,7 @@
             <p:cNvPr id="18" name="Straight Connector 17">
               <a:extLst>
                 <a:ext uri="{FF2B5EF4-FFF2-40B4-BE49-F238E27FC236}">
-                  <a16:creationId xmlns:a16="http://schemas.microsoft.com/office/drawing/2014/main" xmlns="" id="{4A26FB5A-D5D1-4DAB-AC43-7F51A7F2D197}"/>
+                  <a16:creationId xmlns:a16="http://schemas.microsoft.com/office/drawing/2014/main" id="{4A26FB5A-D5D1-4DAB-AC43-7F51A7F2D197}"/>
                 </a:ext>
               </a:extLst>
             </p:cNvPr>
@@ -1647,7 +1941,7 @@
             <p:cNvPr id="19" name="Straight Connector 18">
               <a:extLst>
                 <a:ext uri="{FF2B5EF4-FFF2-40B4-BE49-F238E27FC236}">
-                  <a16:creationId xmlns:a16="http://schemas.microsoft.com/office/drawing/2014/main" xmlns="" id="{49303F14-E560-4C02-94F4-B4695FE26813}"/>
+                  <a16:creationId xmlns:a16="http://schemas.microsoft.com/office/drawing/2014/main" id="{49303F14-E560-4C02-94F4-B4695FE26813}"/>
                 </a:ext>
               </a:extLst>
             </p:cNvPr>
@@ -1850,7 +2144,7 @@
           <a:p>
             <a:fld id="{CFA4D178-B71E-4B10-AF0F-C5E0B7294A7C}" type="datetime1">
               <a:rPr lang="en-US" smtClean="0"/>
-              <a:t>7/3/2020</a:t>
+              <a:t>7/29/2020</a:t>
             </a:fld>
             <a:endParaRPr lang="en-US" dirty="0"/>
           </a:p>
@@ -2170,7 +2464,7 @@
           <a:p>
             <a:fld id="{27E6D853-85C2-4120-A6B2-2EAC4467BF8B}" type="datetime1">
               <a:rPr lang="en-US" smtClean="0"/>
-              <a:t>7/3/2020</a:t>
+              <a:t>7/29/2020</a:t>
             </a:fld>
             <a:endParaRPr lang="en-US" dirty="0"/>
           </a:p>
@@ -2607,7 +2901,7 @@
           <a:p>
             <a:fld id="{CA3AECF5-4644-4878-B4B4-3AC946C4B252}" type="datetime1">
               <a:rPr lang="en-US" smtClean="0"/>
-              <a:t>7/3/2020</a:t>
+              <a:t>7/29/2020</a:t>
             </a:fld>
             <a:endParaRPr lang="en-US" dirty="0"/>
           </a:p>
@@ -2725,7 +3019,7 @@
           <a:p>
             <a:fld id="{B8E389F8-4EAE-4B22-8731-40270585493B}" type="datetime1">
               <a:rPr lang="en-US" smtClean="0"/>
-              <a:t>7/3/2020</a:t>
+              <a:t>7/29/2020</a:t>
             </a:fld>
             <a:endParaRPr lang="en-US" dirty="0"/>
           </a:p>
@@ -2820,7 +3114,7 @@
           <a:p>
             <a:fld id="{772F4F3F-699B-4D10-AAB9-00C2579C25F8}" type="datetime1">
               <a:rPr lang="en-US" smtClean="0"/>
-              <a:t>7/3/2020</a:t>
+              <a:t>7/29/2020</a:t>
             </a:fld>
             <a:endParaRPr lang="en-US" dirty="0"/>
           </a:p>
@@ -2903,7 +3197,7 @@
           <p:cNvPr id="10" name="Rectangle 9">
             <a:extLst>
               <a:ext uri="{FF2B5EF4-FFF2-40B4-BE49-F238E27FC236}">
-                <a16:creationId xmlns:a16="http://schemas.microsoft.com/office/drawing/2014/main" xmlns="" id="{D5E1BBF9-8BEF-4353-BA68-30AAF9EBD8D8}"/>
+                <a16:creationId xmlns:a16="http://schemas.microsoft.com/office/drawing/2014/main" id="{D5E1BBF9-8BEF-4353-BA68-30AAF9EBD8D8}"/>
               </a:ext>
             </a:extLst>
           </p:cNvPr>
@@ -2950,7 +3244,7 @@
           <p:cNvPr id="13" name="Rectangle 12">
             <a:extLst>
               <a:ext uri="{FF2B5EF4-FFF2-40B4-BE49-F238E27FC236}">
-                <a16:creationId xmlns:a16="http://schemas.microsoft.com/office/drawing/2014/main" xmlns="" id="{5B941C21-2A5D-4912-AB06-1BB0C0EB6AE1}"/>
+                <a16:creationId xmlns:a16="http://schemas.microsoft.com/office/drawing/2014/main" id="{5B941C21-2A5D-4912-AB06-1BB0C0EB6AE1}"/>
               </a:ext>
             </a:extLst>
           </p:cNvPr>
@@ -3237,7 +3531,7 @@
           <a:p>
             <a:fld id="{E51BA90F-EE6C-42F5-8961-2F52EE18037D}" type="datetime1">
               <a:rPr lang="en-US" smtClean="0"/>
-              <a:t>7/3/2020</a:t>
+              <a:t>7/29/2020</a:t>
             </a:fld>
             <a:endParaRPr lang="en-US" dirty="0"/>
           </a:p>
@@ -3345,7 +3639,7 @@
           <p:cNvPr id="11" name="Rectangle 10">
             <a:extLst>
               <a:ext uri="{FF2B5EF4-FFF2-40B4-BE49-F238E27FC236}">
-                <a16:creationId xmlns:a16="http://schemas.microsoft.com/office/drawing/2014/main" xmlns="" id="{E687CA98-D9C7-497F-A1DA-7D22F8753BCE}"/>
+                <a16:creationId xmlns:a16="http://schemas.microsoft.com/office/drawing/2014/main" id="{E687CA98-D9C7-497F-A1DA-7D22F8753BCE}"/>
               </a:ext>
             </a:extLst>
           </p:cNvPr>
@@ -3497,7 +3791,7 @@
           <a:p>
             <a:fld id="{FB6292F5-AD2B-47F4-B460-BF55BF34C27D}" type="datetime1">
               <a:rPr lang="en-US" smtClean="0"/>
-              <a:t>7/3/2020</a:t>
+              <a:t>7/29/2020</a:t>
             </a:fld>
             <a:endParaRPr lang="en-US" dirty="0"/>
           </a:p>
@@ -3579,7 +3873,7 @@
           <p:cNvPr id="12" name="Rectangle 11">
             <a:extLst>
               <a:ext uri="{FF2B5EF4-FFF2-40B4-BE49-F238E27FC236}">
-                <a16:creationId xmlns:a16="http://schemas.microsoft.com/office/drawing/2014/main" xmlns="" id="{F8B3D8CC-BB13-41A5-8F34-B8E84A4F9534}"/>
+                <a16:creationId xmlns:a16="http://schemas.microsoft.com/office/drawing/2014/main" id="{F8B3D8CC-BB13-41A5-8F34-B8E84A4F9534}"/>
               </a:ext>
             </a:extLst>
           </p:cNvPr>
@@ -3781,7 +4075,7 @@
           <p:cNvPr id="9" name="Rectangle 8">
             <a:extLst>
               <a:ext uri="{FF2B5EF4-FFF2-40B4-BE49-F238E27FC236}">
-                <a16:creationId xmlns:a16="http://schemas.microsoft.com/office/drawing/2014/main" xmlns="" id="{1E94681D-2A4C-4A8D-B9B5-31D440D0328D}"/>
+                <a16:creationId xmlns:a16="http://schemas.microsoft.com/office/drawing/2014/main" id="{1E94681D-2A4C-4A8D-B9B5-31D440D0328D}"/>
               </a:ext>
             </a:extLst>
           </p:cNvPr>
@@ -4013,7 +4307,7 @@
           <a:p>
             <a:fld id="{8B88B800-945A-43B0-8EA5-8657D67FD7E1}" type="datetime1">
               <a:rPr lang="en-US" smtClean="0"/>
-              <a:t>7/3/2020</a:t>
+              <a:t>7/29/2020</a:t>
             </a:fld>
             <a:endParaRPr lang="en-US" dirty="0"/>
           </a:p>
@@ -4493,7 +4787,7 @@
           <p:cNvPr id="6" name="Picture 5" descr="abstract image">
             <a:extLst>
               <a:ext uri="{FF2B5EF4-FFF2-40B4-BE49-F238E27FC236}">
-                <a16:creationId xmlns:a16="http://schemas.microsoft.com/office/drawing/2014/main" xmlns="" id="{8045422F-7258-40AC-BD2E-2469AA448922}"/>
+                <a16:creationId xmlns:a16="http://schemas.microsoft.com/office/drawing/2014/main" id="{8045422F-7258-40AC-BD2E-2469AA448922}"/>
               </a:ext>
             </a:extLst>
           </p:cNvPr>
@@ -4528,10 +4822,10 @@
           <p:cNvPr id="82" name="Rectangle 81">
             <a:extLst>
               <a:ext uri="{FF2B5EF4-FFF2-40B4-BE49-F238E27FC236}">
-                <a16:creationId xmlns:a16="http://schemas.microsoft.com/office/drawing/2014/main" xmlns="" id="{2644B391-9BFE-445C-A9EC-F544BB85FBC7}"/>
+                <a16:creationId xmlns:a16="http://schemas.microsoft.com/office/drawing/2014/main" id="{2644B391-9BFE-445C-A9EC-F544BB85FBC7}"/>
               </a:ext>
               <a:ext uri="{C183D7F6-B498-43B3-948B-1728B52AA6E4}">
-                <adec:decorative xmlns:adec="http://schemas.microsoft.com/office/drawing/2017/decorative" xmlns="" val="1"/>
+                <adec:decorative xmlns:adec="http://schemas.microsoft.com/office/drawing/2017/decorative" val="1"/>
               </a:ext>
             </a:extLst>
           </p:cNvPr>
@@ -4541,7 +4835,7 @@
           <p:nvPr>
             <p:extLst>
               <p:ext uri="{386F3935-93C4-4BCD-93E2-E3B085C9AB24}">
-                <p16:designElem xmlns:p16="http://schemas.microsoft.com/office/powerpoint/2015/main" xmlns="" val="1"/>
+                <p16:designElem xmlns:p16="http://schemas.microsoft.com/office/powerpoint/2015/main" val="1"/>
               </p:ext>
             </p:extLst>
           </p:nvPr>
@@ -4573,10 +4867,10 @@
           <p:cNvPr id="84" name="Rectangle 83">
             <a:extLst>
               <a:ext uri="{FF2B5EF4-FFF2-40B4-BE49-F238E27FC236}">
-                <a16:creationId xmlns:a16="http://schemas.microsoft.com/office/drawing/2014/main" xmlns="" id="{80F26E69-87D9-4655-AE7B-280A87AA3CAD}"/>
+                <a16:creationId xmlns:a16="http://schemas.microsoft.com/office/drawing/2014/main" id="{80F26E69-87D9-4655-AE7B-280A87AA3CAD}"/>
               </a:ext>
               <a:ext uri="{C183D7F6-B498-43B3-948B-1728B52AA6E4}">
-                <adec:decorative xmlns:adec="http://schemas.microsoft.com/office/drawing/2017/decorative" xmlns="" val="1"/>
+                <adec:decorative xmlns:adec="http://schemas.microsoft.com/office/drawing/2017/decorative" val="1"/>
               </a:ext>
             </a:extLst>
           </p:cNvPr>
@@ -4586,7 +4880,7 @@
           <p:nvPr>
             <p:extLst>
               <p:ext uri="{386F3935-93C4-4BCD-93E2-E3B085C9AB24}">
-                <p16:designElem xmlns:p16="http://schemas.microsoft.com/office/powerpoint/2015/main" xmlns="" val="1"/>
+                <p16:designElem xmlns:p16="http://schemas.microsoft.com/office/powerpoint/2015/main" val="1"/>
               </p:ext>
             </p:extLst>
           </p:nvPr>
@@ -4617,7 +4911,7 @@
           <p:cNvPr id="2" name="Title 1">
             <a:extLst>
               <a:ext uri="{FF2B5EF4-FFF2-40B4-BE49-F238E27FC236}">
-                <a16:creationId xmlns:a16="http://schemas.microsoft.com/office/drawing/2014/main" xmlns="" id="{18C3B467-088C-4F3D-A9A7-105C4E1E20CD}"/>
+                <a16:creationId xmlns:a16="http://schemas.microsoft.com/office/drawing/2014/main" id="{18C3B467-088C-4F3D-A9A7-105C4E1E20CD}"/>
               </a:ext>
             </a:extLst>
           </p:cNvPr>
@@ -4645,28 +4939,7 @@
                 <a:latin typeface="Arial" pitchFamily="34" charset="0"/>
                 <a:cs typeface="Arial" pitchFamily="34" charset="0"/>
               </a:rPr>
-              <a:t>REVIEW PART </a:t>
-            </a:r>
-            <a:r>
-              <a:rPr lang="en-US" sz="4400" b="1" dirty="0" smtClean="0">
-                <a:latin typeface="Arial" pitchFamily="34" charset="0"/>
-                <a:cs typeface="Arial" pitchFamily="34" charset="0"/>
-              </a:rPr>
-              <a:t>II </a:t>
-            </a:r>
-            <a:r>
-              <a:rPr lang="en-US" sz="4400" b="1" dirty="0">
-                <a:latin typeface="Arial" pitchFamily="34" charset="0"/>
-                <a:cs typeface="Arial" pitchFamily="34" charset="0"/>
-              </a:rPr>
-              <a:t>- </a:t>
-            </a:r>
-            <a:r>
-              <a:rPr lang="en-US" sz="4400" b="1" dirty="0" smtClean="0">
-                <a:latin typeface="Arial" pitchFamily="34" charset="0"/>
-                <a:cs typeface="Arial" pitchFamily="34" charset="0"/>
-              </a:rPr>
-              <a:t>CSS</a:t>
+              <a:t>REVIEW PART II - CSS</a:t>
             </a:r>
             <a:endParaRPr lang="en-US" sz="4400" dirty="0">
               <a:solidFill>
@@ -4681,7 +4954,7 @@
           <p:cNvPr id="3" name="Subtitle 2">
             <a:extLst>
               <a:ext uri="{FF2B5EF4-FFF2-40B4-BE49-F238E27FC236}">
-                <a16:creationId xmlns:a16="http://schemas.microsoft.com/office/drawing/2014/main" xmlns="" id="{C8722DDC-8EEE-4A06-8DFE-B44871EAA2CF}"/>
+                <a16:creationId xmlns:a16="http://schemas.microsoft.com/office/drawing/2014/main" id="{C8722DDC-8EEE-4A06-8DFE-B44871EAA2CF}"/>
               </a:ext>
             </a:extLst>
           </p:cNvPr>
@@ -4730,13 +5003,6 @@
   <p:clrMapOvr>
     <a:overrideClrMapping bg1="dk1" tx1="lt1" bg2="dk2" tx2="lt2" accent1="accent1" accent2="accent2" accent3="accent3" accent4="accent4" accent5="accent5" accent6="accent6" hlink="hlink" folHlink="folHlink"/>
   </p:clrMapOvr>
-  <p:timing>
-    <p:tnLst>
-      <p:par>
-        <p:cTn id="1" dur="indefinite" restart="never" nodeType="tmRoot"/>
-      </p:par>
-    </p:tnLst>
-  </p:timing>
 </p:sld>
 </file>
 
@@ -4762,7 +5028,7 @@
           <p:cNvPr id="2" name="Title 1">
             <a:extLst>
               <a:ext uri="{FF2B5EF4-FFF2-40B4-BE49-F238E27FC236}">
-                <a16:creationId xmlns:a16="http://schemas.microsoft.com/office/drawing/2014/main" xmlns="" id="{BDFAC13C-59B1-436E-B58F-C304E1C705CF}"/>
+                <a16:creationId xmlns:a16="http://schemas.microsoft.com/office/drawing/2014/main" id="{BDFAC13C-59B1-436E-B58F-C304E1C705CF}"/>
               </a:ext>
             </a:extLst>
           </p:cNvPr>
@@ -4773,12 +5039,7 @@
             <p:ph type="title"/>
           </p:nvPr>
         </p:nvSpPr>
-        <p:spPr>
-          <a:xfrm>
-            <a:off x="664234" y="733579"/>
-            <a:ext cx="5077520" cy="1371600"/>
-          </a:xfrm>
-        </p:spPr>
+        <p:spPr/>
         <p:txBody>
           <a:bodyPr>
             <a:normAutofit/>
@@ -4786,10 +5047,14 @@
           <a:lstStyle/>
           <a:p>
             <a:r>
-              <a:rPr lang="en-US" u="sng" dirty="0" smtClean="0"/>
-              <a:t>CSS Box Model</a:t>
-            </a:r>
-            <a:endParaRPr lang="en-US" u="sng" dirty="0"/>
+              <a:rPr lang="en-US" u="sng">
+                <a:latin typeface="Consolas" panose="020B0609020204030204" pitchFamily="49" charset="0"/>
+              </a:rPr>
+              <a:t>margin</a:t>
+            </a:r>
+            <a:endParaRPr lang="en-US" u="sng" dirty="0">
+              <a:latin typeface="Consolas" panose="020B0609020204030204" pitchFamily="49" charset="0"/>
+            </a:endParaRPr>
           </a:p>
         </p:txBody>
       </p:sp>
@@ -4798,7 +5063,7 @@
           <p:cNvPr id="3" name="Content Placeholder 2">
             <a:extLst>
               <a:ext uri="{FF2B5EF4-FFF2-40B4-BE49-F238E27FC236}">
-                <a16:creationId xmlns:a16="http://schemas.microsoft.com/office/drawing/2014/main" xmlns="" id="{844A3DC5-46BF-4BFF-8008-98FD467C4904}"/>
+                <a16:creationId xmlns:a16="http://schemas.microsoft.com/office/drawing/2014/main" id="{844A3DC5-46BF-4BFF-8008-98FD467C4904}"/>
               </a:ext>
             </a:extLst>
           </p:cNvPr>
@@ -4809,12 +5074,7 @@
             <p:ph idx="1"/>
           </p:nvPr>
         </p:nvSpPr>
-        <p:spPr>
-          <a:xfrm>
-            <a:off x="1066800" y="2733472"/>
-            <a:ext cx="10058400" cy="2381736"/>
-          </a:xfrm>
-        </p:spPr>
+        <p:spPr/>
         <p:txBody>
           <a:bodyPr>
             <a:normAutofit/>
@@ -4825,16 +5085,110 @@
               <a:buNone/>
             </a:pPr>
             <a:r>
-              <a:rPr lang="en-US" sz="1800" b="1" dirty="0">
+              <a:rPr lang="en-US" sz="1800">
                 <a:cs typeface="Arial" panose="020B0604020202020204" pitchFamily="34" charset="0"/>
               </a:rPr>
-              <a:t>Border</a:t>
+              <a:t>The </a:t>
+            </a:r>
+            <a:r>
+              <a:rPr lang="en-US" sz="1800" b="1">
+                <a:latin typeface="Consolas" panose="020B0609020204030204" pitchFamily="49" charset="0"/>
+                <a:cs typeface="Arial" panose="020B0604020202020204" pitchFamily="34" charset="0"/>
+              </a:rPr>
+              <a:t>margin</a:t>
+            </a:r>
+            <a:r>
+              <a:rPr lang="en-US" sz="1800">
+                <a:cs typeface="Arial" panose="020B0604020202020204" pitchFamily="34" charset="0"/>
+              </a:rPr>
+              <a:t> property </a:t>
             </a:r>
             <a:r>
               <a:rPr lang="en-US" sz="1800" dirty="0">
                 <a:cs typeface="Arial" panose="020B0604020202020204" pitchFamily="34" charset="0"/>
               </a:rPr>
-              <a:t> - The border shorthand CSS property sets an element's border. It sets the values of border-width, border-style, and border-color</a:t>
+              <a:t>sets the margin area on all four sides of an element</a:t>
+            </a:r>
+            <a:r>
+              <a:rPr lang="en-US" sz="1800">
+                <a:cs typeface="Arial" panose="020B0604020202020204" pitchFamily="34" charset="0"/>
+              </a:rPr>
+              <a:t>. </a:t>
+            </a:r>
+          </a:p>
+          <a:p>
+            <a:pPr marL="0" indent="0">
+              <a:buNone/>
+            </a:pPr>
+            <a:r>
+              <a:rPr lang="en-US" sz="1800">
+                <a:cs typeface="Arial" panose="020B0604020202020204" pitchFamily="34" charset="0"/>
+              </a:rPr>
+              <a:t>It </a:t>
+            </a:r>
+            <a:r>
+              <a:rPr lang="en-US" sz="1800" dirty="0">
+                <a:cs typeface="Arial" panose="020B0604020202020204" pitchFamily="34" charset="0"/>
+              </a:rPr>
+              <a:t>is a shorthand for </a:t>
+            </a:r>
+            <a:r>
+              <a:rPr lang="en-US" sz="1800" b="1" dirty="0">
+                <a:latin typeface="Consolas" panose="020B0609020204030204" pitchFamily="49" charset="0"/>
+                <a:cs typeface="Arial" panose="020B0604020202020204" pitchFamily="34" charset="0"/>
+              </a:rPr>
+              <a:t>margin-top</a:t>
+            </a:r>
+            <a:r>
+              <a:rPr lang="en-US" sz="1800" dirty="0">
+                <a:cs typeface="Arial" panose="020B0604020202020204" pitchFamily="34" charset="0"/>
+              </a:rPr>
+              <a:t>, </a:t>
+            </a:r>
+            <a:r>
+              <a:rPr lang="en-US" sz="1800" b="1" dirty="0">
+                <a:latin typeface="Consolas" panose="020B0609020204030204" pitchFamily="49" charset="0"/>
+                <a:cs typeface="Arial" panose="020B0604020202020204" pitchFamily="34" charset="0"/>
+              </a:rPr>
+              <a:t>margin-right</a:t>
+            </a:r>
+            <a:r>
+              <a:rPr lang="en-US" sz="1800" dirty="0">
+                <a:cs typeface="Arial" panose="020B0604020202020204" pitchFamily="34" charset="0"/>
+              </a:rPr>
+              <a:t>, </a:t>
+            </a:r>
+            <a:r>
+              <a:rPr lang="en-US" sz="1800" b="1" dirty="0">
+                <a:latin typeface="Consolas" panose="020B0609020204030204" pitchFamily="49" charset="0"/>
+                <a:cs typeface="Arial" panose="020B0604020202020204" pitchFamily="34" charset="0"/>
+              </a:rPr>
+              <a:t>margin-bottom</a:t>
+            </a:r>
+            <a:r>
+              <a:rPr lang="en-US" sz="1800" dirty="0">
+                <a:cs typeface="Arial" panose="020B0604020202020204" pitchFamily="34" charset="0"/>
+              </a:rPr>
+              <a:t>, </a:t>
+            </a:r>
+            <a:r>
+              <a:rPr lang="en-US" sz="1800">
+                <a:cs typeface="Arial" panose="020B0604020202020204" pitchFamily="34" charset="0"/>
+              </a:rPr>
+              <a:t>and </a:t>
+            </a:r>
+            <a:r>
+              <a:rPr lang="en-US" sz="1800" b="1">
+                <a:latin typeface="Consolas" panose="020B0609020204030204" pitchFamily="49" charset="0"/>
+                <a:cs typeface="Arial" panose="020B0604020202020204" pitchFamily="34" charset="0"/>
+              </a:rPr>
+              <a:t>margin-left</a:t>
+            </a:r>
+            <a:r>
+              <a:rPr lang="en-US" sz="1800">
+                <a:cs typeface="Arial" panose="020B0604020202020204" pitchFamily="34" charset="0"/>
+              </a:rPr>
+              <a:t>.</a:t>
             </a:r>
             <a:endParaRPr lang="en-US" sz="1800" dirty="0">
               <a:cs typeface="Arial" panose="020B0604020202020204" pitchFamily="34" charset="0"/>
@@ -4873,8 +5227,8 @@
         </p:nvSpPr>
         <p:spPr>
           <a:xfrm>
-            <a:off x="983810" y="5420825"/>
-            <a:ext cx="7282004" cy="646331"/>
+            <a:off x="983810" y="5816025"/>
+            <a:ext cx="10141390" cy="584775"/>
           </a:xfrm>
           <a:prstGeom prst="rect">
             <a:avLst/>
@@ -4887,68 +5241,107 @@
           <a:lstStyle/>
           <a:p>
             <a:r>
-              <a:rPr lang="en-US" b="1" dirty="0"/>
+              <a:rPr lang="en-US" sz="1600" b="1" dirty="0"/>
               <a:t>Source</a:t>
             </a:r>
           </a:p>
           <a:p>
             <a:r>
-              <a:rPr lang="en-US" dirty="0">
+              <a:rPr lang="en-US" sz="1600" dirty="0">
                 <a:solidFill>
                   <a:srgbClr val="00B0F0"/>
                 </a:solidFill>
               </a:rPr>
-              <a:t>https://developer.mozilla.org/en-US/docs/Web/CSS/border</a:t>
-            </a:r>
-            <a:endParaRPr lang="en-US" dirty="0">
-              <a:solidFill>
-                <a:srgbClr val="00B0F0"/>
-              </a:solidFill>
-            </a:endParaRPr>
+              <a:t>https://developer.mozilla.org/en-US/docs/Web/CSS/margin</a:t>
+            </a:r>
           </a:p>
         </p:txBody>
       </p:sp>
       <p:pic>
         <p:nvPicPr>
-          <p:cNvPr id="8" name="Picture 7"/>
+          <p:cNvPr id="7" name="Picture 6"/>
           <p:cNvPicPr>
             <a:picLocks noChangeAspect="1"/>
           </p:cNvPicPr>
           <p:nvPr/>
         </p:nvPicPr>
         <p:blipFill>
-          <a:blip r:embed="rId2"/>
+          <a:blip r:embed="rId3"/>
           <a:stretch>
             <a:fillRect/>
           </a:stretch>
         </p:blipFill>
         <p:spPr>
           <a:xfrm>
-            <a:off x="2677515" y="3610667"/>
-            <a:ext cx="5762625" cy="1657350"/>
+            <a:off x="3776662" y="3106250"/>
+            <a:ext cx="4638675" cy="2314575"/>
           </a:xfrm>
           <a:prstGeom prst="rect">
             <a:avLst/>
           </a:prstGeom>
         </p:spPr>
       </p:pic>
+      <p:sp>
+        <p:nvSpPr>
+          <p:cNvPr id="8" name="TextBox 7">
+            <a:extLst>
+              <a:ext uri="{FF2B5EF4-FFF2-40B4-BE49-F238E27FC236}">
+                <a16:creationId xmlns:a16="http://schemas.microsoft.com/office/drawing/2014/main" id="{0025F440-81D0-45D3-8FB6-098F5F2A2598}"/>
+              </a:ext>
+            </a:extLst>
+          </p:cNvPr>
+          <p:cNvSpPr txBox="1"/>
+          <p:nvPr/>
+        </p:nvSpPr>
+        <p:spPr>
+          <a:xfrm>
+            <a:off x="6591299" y="4461990"/>
+            <a:ext cx="4238625" cy="646331"/>
+          </a:xfrm>
+          <a:prstGeom prst="rect">
+            <a:avLst/>
+          </a:prstGeom>
+          <a:solidFill>
+            <a:srgbClr val="FCF7F1"/>
+          </a:solidFill>
+        </p:spPr>
+        <p:txBody>
+          <a:bodyPr wrap="square" rtlCol="0">
+            <a:spAutoFit/>
+          </a:bodyPr>
+          <a:lstStyle/>
+          <a:p>
+            <a:r>
+              <a:rPr lang="en-US" b="1">
+                <a:solidFill>
+                  <a:srgbClr val="FF0000"/>
+                </a:solidFill>
+              </a:rPr>
+              <a:t>TODO:</a:t>
+            </a:r>
+          </a:p>
+          <a:p>
+            <a:r>
+              <a:rPr lang="en-US" b="1">
+                <a:solidFill>
+                  <a:srgbClr val="FF0000"/>
+                </a:solidFill>
+              </a:rPr>
+              <a:t>Add better example and image</a:t>
+            </a:r>
+          </a:p>
+        </p:txBody>
+      </p:sp>
     </p:spTree>
     <p:extLst>
       <p:ext uri="{BB962C8B-B14F-4D97-AF65-F5344CB8AC3E}">
-        <p14:creationId xmlns:p14="http://schemas.microsoft.com/office/powerpoint/2010/main" val="2118113284"/>
+        <p14:creationId xmlns:p14="http://schemas.microsoft.com/office/powerpoint/2010/main" val="3664965116"/>
       </p:ext>
     </p:extLst>
   </p:cSld>
   <p:clrMapOvr>
     <a:masterClrMapping/>
   </p:clrMapOvr>
-  <p:timing>
-    <p:tnLst>
-      <p:par>
-        <p:cTn id="1" dur="indefinite" restart="never" nodeType="tmRoot"/>
-      </p:par>
-    </p:tnLst>
-  </p:timing>
 </p:sld>
 </file>
 
@@ -4974,7 +5367,7 @@
           <p:cNvPr id="2" name="Title 1">
             <a:extLst>
               <a:ext uri="{FF2B5EF4-FFF2-40B4-BE49-F238E27FC236}">
-                <a16:creationId xmlns:a16="http://schemas.microsoft.com/office/drawing/2014/main" xmlns="" id="{BDFAC13C-59B1-436E-B58F-C304E1C705CF}"/>
+                <a16:creationId xmlns:a16="http://schemas.microsoft.com/office/drawing/2014/main" id="{BDFAC13C-59B1-436E-B58F-C304E1C705CF}"/>
               </a:ext>
             </a:extLst>
           </p:cNvPr>
@@ -4985,12 +5378,7 @@
             <p:ph type="title"/>
           </p:nvPr>
         </p:nvSpPr>
-        <p:spPr>
-          <a:xfrm>
-            <a:off x="664234" y="733579"/>
-            <a:ext cx="5077520" cy="1371600"/>
-          </a:xfrm>
-        </p:spPr>
+        <p:spPr/>
         <p:txBody>
           <a:bodyPr>
             <a:normAutofit/>
@@ -4998,10 +5386,14 @@
           <a:lstStyle/>
           <a:p>
             <a:r>
-              <a:rPr lang="en-US" u="sng" dirty="0" smtClean="0"/>
-              <a:t>CSS Box Model</a:t>
-            </a:r>
-            <a:endParaRPr lang="en-US" u="sng" dirty="0"/>
+              <a:rPr lang="en-US" u="sng">
+                <a:latin typeface="Consolas" panose="020B0609020204030204" pitchFamily="49" charset="0"/>
+              </a:rPr>
+              <a:t>padding</a:t>
+            </a:r>
+            <a:endParaRPr lang="en-US" u="sng" dirty="0">
+              <a:latin typeface="Consolas" panose="020B0609020204030204" pitchFamily="49" charset="0"/>
+            </a:endParaRPr>
           </a:p>
         </p:txBody>
       </p:sp>
@@ -5010,7 +5402,7 @@
           <p:cNvPr id="3" name="Content Placeholder 2">
             <a:extLst>
               <a:ext uri="{FF2B5EF4-FFF2-40B4-BE49-F238E27FC236}">
-                <a16:creationId xmlns:a16="http://schemas.microsoft.com/office/drawing/2014/main" xmlns="" id="{844A3DC5-46BF-4BFF-8008-98FD467C4904}"/>
+                <a16:creationId xmlns:a16="http://schemas.microsoft.com/office/drawing/2014/main" id="{844A3DC5-46BF-4BFF-8008-98FD467C4904}"/>
               </a:ext>
             </a:extLst>
           </p:cNvPr>
@@ -5021,12 +5413,7 @@
             <p:ph idx="1"/>
           </p:nvPr>
         </p:nvSpPr>
-        <p:spPr>
-          <a:xfrm>
-            <a:off x="1066800" y="2733472"/>
-            <a:ext cx="10058400" cy="2381736"/>
-          </a:xfrm>
-        </p:spPr>
+        <p:spPr/>
         <p:txBody>
           <a:bodyPr>
             <a:normAutofit/>
@@ -5037,20 +5424,112 @@
               <a:buNone/>
             </a:pPr>
             <a:r>
-              <a:rPr lang="en-US" sz="1800" b="1" dirty="0">
+              <a:rPr lang="en-US" sz="1800">
                 <a:cs typeface="Arial" panose="020B0604020202020204" pitchFamily="34" charset="0"/>
               </a:rPr>
-              <a:t>Margin</a:t>
+              <a:t>The </a:t>
+            </a:r>
+            <a:r>
+              <a:rPr lang="en-US" sz="1800" b="1">
+                <a:latin typeface="Consolas" panose="020B0609020204030204" pitchFamily="49" charset="0"/>
+                <a:cs typeface="Arial" panose="020B0604020202020204" pitchFamily="34" charset="0"/>
+              </a:rPr>
+              <a:t>padding</a:t>
+            </a:r>
+            <a:r>
+              <a:rPr lang="en-US" sz="1800">
+                <a:cs typeface="Arial" panose="020B0604020202020204" pitchFamily="34" charset="0"/>
+              </a:rPr>
+              <a:t> property </a:t>
             </a:r>
             <a:r>
               <a:rPr lang="en-US" sz="1800" dirty="0">
                 <a:cs typeface="Arial" panose="020B0604020202020204" pitchFamily="34" charset="0"/>
               </a:rPr>
-              <a:t> - The margin CSS property sets the margin area on all four sides of an element. It is a shorthand for margin-top, margin-right, margin-bottom, and margin-left</a:t>
-            </a:r>
-            <a:endParaRPr lang="en-US" sz="1800" dirty="0">
-              <a:cs typeface="Arial" panose="020B0604020202020204" pitchFamily="34" charset="0"/>
-            </a:endParaRPr>
+              <a:t>sets the padding area on all four sides of an element</a:t>
+            </a:r>
+            <a:r>
+              <a:rPr lang="en-US" sz="1800">
+                <a:cs typeface="Arial" panose="020B0604020202020204" pitchFamily="34" charset="0"/>
+              </a:rPr>
+              <a:t>. </a:t>
+            </a:r>
+          </a:p>
+          <a:p>
+            <a:pPr marL="0" indent="0">
+              <a:buNone/>
+            </a:pPr>
+            <a:r>
+              <a:rPr lang="en-US" sz="1800">
+                <a:cs typeface="Arial" panose="020B0604020202020204" pitchFamily="34" charset="0"/>
+              </a:rPr>
+              <a:t>It </a:t>
+            </a:r>
+            <a:r>
+              <a:rPr lang="en-US" sz="1800" dirty="0">
+                <a:cs typeface="Arial" panose="020B0604020202020204" pitchFamily="34" charset="0"/>
+              </a:rPr>
+              <a:t>is a shorthand for </a:t>
+            </a:r>
+            <a:r>
+              <a:rPr lang="en-US" sz="1800" b="1" dirty="0">
+                <a:latin typeface="Consolas" panose="020B0609020204030204" pitchFamily="49" charset="0"/>
+                <a:cs typeface="Arial" panose="020B0604020202020204" pitchFamily="34" charset="0"/>
+              </a:rPr>
+              <a:t>padding-top</a:t>
+            </a:r>
+            <a:r>
+              <a:rPr lang="en-US" sz="1800" dirty="0">
+                <a:cs typeface="Arial" panose="020B0604020202020204" pitchFamily="34" charset="0"/>
+              </a:rPr>
+              <a:t>, </a:t>
+            </a:r>
+            <a:r>
+              <a:rPr lang="en-US" sz="1800" b="1" dirty="0">
+                <a:latin typeface="Consolas" panose="020B0609020204030204" pitchFamily="49" charset="0"/>
+                <a:cs typeface="Arial" panose="020B0604020202020204" pitchFamily="34" charset="0"/>
+              </a:rPr>
+              <a:t>padding-right</a:t>
+            </a:r>
+            <a:r>
+              <a:rPr lang="en-US" sz="1800" dirty="0">
+                <a:cs typeface="Arial" panose="020B0604020202020204" pitchFamily="34" charset="0"/>
+              </a:rPr>
+              <a:t>, </a:t>
+            </a:r>
+            <a:r>
+              <a:rPr lang="en-US" sz="1800" b="1" dirty="0">
+                <a:latin typeface="Consolas" panose="020B0609020204030204" pitchFamily="49" charset="0"/>
+                <a:cs typeface="Arial" panose="020B0604020202020204" pitchFamily="34" charset="0"/>
+              </a:rPr>
+              <a:t>padding-bottom</a:t>
+            </a:r>
+            <a:r>
+              <a:rPr lang="en-US" sz="1800" dirty="0">
+                <a:cs typeface="Arial" panose="020B0604020202020204" pitchFamily="34" charset="0"/>
+              </a:rPr>
+              <a:t>, </a:t>
+            </a:r>
+            <a:r>
+              <a:rPr lang="en-US" sz="1800">
+                <a:cs typeface="Arial" panose="020B0604020202020204" pitchFamily="34" charset="0"/>
+              </a:rPr>
+              <a:t>and </a:t>
+            </a:r>
+            <a:r>
+              <a:rPr lang="en-US" sz="1800" b="1">
+                <a:latin typeface="Consolas" panose="020B0609020204030204" pitchFamily="49" charset="0"/>
+                <a:cs typeface="Arial" panose="020B0604020202020204" pitchFamily="34" charset="0"/>
+              </a:rPr>
+              <a:t>padding-left</a:t>
+            </a:r>
+            <a:r>
+              <a:rPr lang="en-US" sz="1800">
+                <a:cs typeface="Arial" panose="020B0604020202020204" pitchFamily="34" charset="0"/>
+              </a:rPr>
+              <a:t>.</a:t>
+            </a:r>
+            <a:endParaRPr lang="en-US" sz="1800" dirty="0"/>
           </a:p>
         </p:txBody>
       </p:sp>
@@ -5085,8 +5564,8 @@
         </p:nvSpPr>
         <p:spPr>
           <a:xfrm>
-            <a:off x="983810" y="5420825"/>
-            <a:ext cx="7282004" cy="646331"/>
+            <a:off x="1066799" y="5801165"/>
+            <a:ext cx="10058399" cy="584775"/>
           </a:xfrm>
           <a:prstGeom prst="rect">
             <a:avLst/>
@@ -5099,24 +5578,43 @@
           <a:lstStyle/>
           <a:p>
             <a:r>
-              <a:rPr lang="en-US" b="1" dirty="0"/>
+              <a:rPr lang="en-US" sz="1600" b="1" dirty="0"/>
               <a:t>Source</a:t>
             </a:r>
           </a:p>
           <a:p>
             <a:r>
-              <a:rPr lang="en-US" dirty="0">
+              <a:rPr lang="en-US" sz="1600">
                 <a:solidFill>
                   <a:srgbClr val="00B0F0"/>
                 </a:solidFill>
               </a:rPr>
-              <a:t>https://developer.mozilla.org/en-US/docs/Web/CSS/margin</a:t>
-            </a:r>
-            <a:endParaRPr lang="en-US" dirty="0">
-              <a:solidFill>
-                <a:srgbClr val="00B0F0"/>
-              </a:solidFill>
-            </a:endParaRPr>
+              <a:t>https://</a:t>
+            </a:r>
+            <a:r>
+              <a:rPr lang="en-US" sz="1600" dirty="0">
+                <a:solidFill>
+                  <a:srgbClr val="00B0F0"/>
+                </a:solidFill>
+              </a:rPr>
+              <a:t>developer.mozilla</a:t>
+            </a:r>
+            <a:r>
+              <a:rPr lang="en-US" sz="1600">
+                <a:solidFill>
+                  <a:srgbClr val="00B0F0"/>
+                </a:solidFill>
+              </a:rPr>
+              <a:t>.org</a:t>
+            </a:r>
+            <a:r>
+              <a:rPr lang="en-US" sz="1600" dirty="0">
+                <a:solidFill>
+                  <a:srgbClr val="00B0F0"/>
+                </a:solidFill>
+              </a:rPr>
+              <a:t>/en-US/docs/Web/CSS/padding</a:t>
+            </a:r>
           </a:p>
         </p:txBody>
       </p:sp>
@@ -5136,31 +5634,75 @@
         </p:blipFill>
         <p:spPr>
           <a:xfrm>
-            <a:off x="2768710" y="3428926"/>
-            <a:ext cx="4638675" cy="2314575"/>
+            <a:off x="4129087" y="3429000"/>
+            <a:ext cx="3933825" cy="1657350"/>
           </a:xfrm>
           <a:prstGeom prst="rect">
             <a:avLst/>
           </a:prstGeom>
         </p:spPr>
       </p:pic>
+      <p:sp>
+        <p:nvSpPr>
+          <p:cNvPr id="8" name="TextBox 7">
+            <a:extLst>
+              <a:ext uri="{FF2B5EF4-FFF2-40B4-BE49-F238E27FC236}">
+                <a16:creationId xmlns:a16="http://schemas.microsoft.com/office/drawing/2014/main" id="{A32A2C7B-B5DE-458C-83E3-FA7A7855A6BD}"/>
+              </a:ext>
+            </a:extLst>
+          </p:cNvPr>
+          <p:cNvSpPr txBox="1"/>
+          <p:nvPr/>
+        </p:nvSpPr>
+        <p:spPr>
+          <a:xfrm>
+            <a:off x="6591299" y="4461990"/>
+            <a:ext cx="4238625" cy="646331"/>
+          </a:xfrm>
+          <a:prstGeom prst="rect">
+            <a:avLst/>
+          </a:prstGeom>
+          <a:solidFill>
+            <a:srgbClr val="FCF7F1"/>
+          </a:solidFill>
+        </p:spPr>
+        <p:txBody>
+          <a:bodyPr wrap="square" rtlCol="0">
+            <a:spAutoFit/>
+          </a:bodyPr>
+          <a:lstStyle/>
+          <a:p>
+            <a:r>
+              <a:rPr lang="en-US" b="1">
+                <a:solidFill>
+                  <a:srgbClr val="FF0000"/>
+                </a:solidFill>
+              </a:rPr>
+              <a:t>TODO:</a:t>
+            </a:r>
+          </a:p>
+          <a:p>
+            <a:r>
+              <a:rPr lang="en-US" b="1">
+                <a:solidFill>
+                  <a:srgbClr val="FF0000"/>
+                </a:solidFill>
+              </a:rPr>
+              <a:t>Add better example and image</a:t>
+            </a:r>
+          </a:p>
+        </p:txBody>
+      </p:sp>
     </p:spTree>
     <p:extLst>
       <p:ext uri="{BB962C8B-B14F-4D97-AF65-F5344CB8AC3E}">
-        <p14:creationId xmlns:p14="http://schemas.microsoft.com/office/powerpoint/2010/main" val="3664965116"/>
+        <p14:creationId xmlns:p14="http://schemas.microsoft.com/office/powerpoint/2010/main" val="3895788004"/>
       </p:ext>
     </p:extLst>
   </p:cSld>
   <p:clrMapOvr>
     <a:masterClrMapping/>
   </p:clrMapOvr>
-  <p:timing>
-    <p:tnLst>
-      <p:par>
-        <p:cTn id="1" dur="indefinite" restart="never" nodeType="tmRoot"/>
-      </p:par>
-    </p:tnLst>
-  </p:timing>
 </p:sld>
 </file>
 
@@ -5186,7 +5728,7 @@
           <p:cNvPr id="2" name="Title 1">
             <a:extLst>
               <a:ext uri="{FF2B5EF4-FFF2-40B4-BE49-F238E27FC236}">
-                <a16:creationId xmlns:a16="http://schemas.microsoft.com/office/drawing/2014/main" xmlns="" id="{BDFAC13C-59B1-436E-B58F-C304E1C705CF}"/>
+                <a16:creationId xmlns:a16="http://schemas.microsoft.com/office/drawing/2014/main" id="{BDFAC13C-59B1-436E-B58F-C304E1C705CF}"/>
               </a:ext>
             </a:extLst>
           </p:cNvPr>
@@ -5197,12 +5739,7 @@
             <p:ph type="title"/>
           </p:nvPr>
         </p:nvSpPr>
-        <p:spPr>
-          <a:xfrm>
-            <a:off x="664234" y="733579"/>
-            <a:ext cx="5077520" cy="1371600"/>
-          </a:xfrm>
-        </p:spPr>
+        <p:spPr/>
         <p:txBody>
           <a:bodyPr>
             <a:normAutofit/>
@@ -5210,10 +5747,14 @@
           <a:lstStyle/>
           <a:p>
             <a:r>
-              <a:rPr lang="en-US" u="sng" dirty="0" smtClean="0"/>
-              <a:t>CSS Flexbox</a:t>
-            </a:r>
-            <a:endParaRPr lang="en-US" u="sng" dirty="0"/>
+              <a:rPr lang="en-US" u="sng">
+                <a:latin typeface="Consolas" panose="020B0609020204030204" pitchFamily="49" charset="0"/>
+              </a:rPr>
+              <a:t>border</a:t>
+            </a:r>
+            <a:endParaRPr lang="en-US" u="sng" dirty="0">
+              <a:latin typeface="Consolas" panose="020B0609020204030204" pitchFamily="49" charset="0"/>
+            </a:endParaRPr>
           </a:p>
         </p:txBody>
       </p:sp>
@@ -5222,7 +5763,7 @@
           <p:cNvPr id="3" name="Content Placeholder 2">
             <a:extLst>
               <a:ext uri="{FF2B5EF4-FFF2-40B4-BE49-F238E27FC236}">
-                <a16:creationId xmlns:a16="http://schemas.microsoft.com/office/drawing/2014/main" xmlns="" id="{844A3DC5-46BF-4BFF-8008-98FD467C4904}"/>
+                <a16:creationId xmlns:a16="http://schemas.microsoft.com/office/drawing/2014/main" id="{844A3DC5-46BF-4BFF-8008-98FD467C4904}"/>
               </a:ext>
             </a:extLst>
           </p:cNvPr>
@@ -5233,12 +5774,7 @@
             <p:ph idx="1"/>
           </p:nvPr>
         </p:nvSpPr>
-        <p:spPr>
-          <a:xfrm>
-            <a:off x="1066800" y="2733472"/>
-            <a:ext cx="10058400" cy="1919267"/>
-          </a:xfrm>
-        </p:spPr>
+        <p:spPr/>
         <p:txBody>
           <a:bodyPr>
             <a:normAutofit/>
@@ -5249,35 +5785,97 @@
               <a:buNone/>
             </a:pPr>
             <a:r>
+              <a:rPr lang="en-US" sz="1800">
+                <a:cs typeface="Arial" panose="020B0604020202020204" pitchFamily="34" charset="0"/>
+              </a:rPr>
+              <a:t>The </a:t>
+            </a:r>
+            <a:r>
+              <a:rPr lang="en-US" sz="1800" b="1">
+                <a:latin typeface="Consolas" panose="020B0609020204030204" pitchFamily="49" charset="0"/>
+                <a:cs typeface="Arial" panose="020B0604020202020204" pitchFamily="34" charset="0"/>
+              </a:rPr>
+              <a:t>border</a:t>
+            </a:r>
+            <a:r>
+              <a:rPr lang="en-US" sz="1800">
+                <a:cs typeface="Arial" panose="020B0604020202020204" pitchFamily="34" charset="0"/>
+              </a:rPr>
+              <a:t> shorthand property sets </a:t>
+            </a:r>
+            <a:r>
               <a:rPr lang="en-US" sz="1800" dirty="0">
                 <a:cs typeface="Arial" panose="020B0604020202020204" pitchFamily="34" charset="0"/>
               </a:rPr>
-              <a:t>The Flexible Box Module, a.k.a. flexbox, was designed as a one-dimensional layout model, and as a method that could offer space distribution between items in an interface and powerful alignment capabilities</a:t>
-            </a:r>
-            <a:endParaRPr lang="en-US" sz="1800" dirty="0"/>
-          </a:p>
-          <a:p>
-            <a:pPr indent="0">
+              <a:t>an element's border</a:t>
+            </a:r>
+            <a:r>
+              <a:rPr lang="en-US" sz="1800">
+                <a:cs typeface="Arial" panose="020B0604020202020204" pitchFamily="34" charset="0"/>
+              </a:rPr>
+              <a:t>. </a:t>
+            </a:r>
+          </a:p>
+          <a:p>
+            <a:pPr marL="0" indent="0">
               <a:buNone/>
             </a:pPr>
+            <a:r>
+              <a:rPr lang="en-US" sz="1800">
+                <a:cs typeface="Arial" panose="020B0604020202020204" pitchFamily="34" charset="0"/>
+              </a:rPr>
+              <a:t>It </a:t>
+            </a:r>
             <a:r>
               <a:rPr lang="en-US" sz="1800" dirty="0">
                 <a:cs typeface="Arial" panose="020B0604020202020204" pitchFamily="34" charset="0"/>
               </a:rPr>
-              <a:t>See </a:t>
+              <a:t>sets the values of </a:t>
+            </a:r>
+            <a:r>
+              <a:rPr lang="en-US" sz="1800" b="1" dirty="0">
+                <a:latin typeface="Consolas" panose="020B0609020204030204" pitchFamily="49" charset="0"/>
+                <a:cs typeface="Arial" panose="020B0604020202020204" pitchFamily="34" charset="0"/>
+              </a:rPr>
+              <a:t>border-width</a:t>
             </a:r>
             <a:r>
               <a:rPr lang="en-US" sz="1800" dirty="0">
                 <a:cs typeface="Arial" panose="020B0604020202020204" pitchFamily="34" charset="0"/>
-                <a:hlinkClick r:id="rId2"/>
-              </a:rPr>
-              <a:t>https://flexboxfroggy.com/</a:t>
+              </a:rPr>
+              <a:t>, </a:t>
+            </a:r>
+            <a:r>
+              <a:rPr lang="en-US" sz="1800" b="1" dirty="0">
+                <a:latin typeface="Consolas" panose="020B0609020204030204" pitchFamily="49" charset="0"/>
+                <a:cs typeface="Arial" panose="020B0604020202020204" pitchFamily="34" charset="0"/>
+              </a:rPr>
+              <a:t>border-style</a:t>
             </a:r>
             <a:r>
               <a:rPr lang="en-US" sz="1800" dirty="0">
                 <a:cs typeface="Arial" panose="020B0604020202020204" pitchFamily="34" charset="0"/>
               </a:rPr>
-              <a:t> to learn how to use flexbox</a:t>
+              <a:t>, </a:t>
+            </a:r>
+            <a:r>
+              <a:rPr lang="en-US" sz="1800">
+                <a:cs typeface="Arial" panose="020B0604020202020204" pitchFamily="34" charset="0"/>
+              </a:rPr>
+              <a:t>and </a:t>
+            </a:r>
+            <a:r>
+              <a:rPr lang="en-US" sz="1800" b="1">
+                <a:latin typeface="Consolas" panose="020B0609020204030204" pitchFamily="49" charset="0"/>
+                <a:cs typeface="Arial" panose="020B0604020202020204" pitchFamily="34" charset="0"/>
+              </a:rPr>
+              <a:t>border-color</a:t>
+            </a:r>
+            <a:r>
+              <a:rPr lang="en-US" sz="1800">
+                <a:cs typeface="Arial" panose="020B0604020202020204" pitchFamily="34" charset="0"/>
+              </a:rPr>
+              <a:t>.</a:t>
             </a:r>
             <a:endParaRPr lang="en-US" sz="1800" dirty="0">
               <a:cs typeface="Arial" panose="020B0604020202020204" pitchFamily="34" charset="0"/>
@@ -5287,14 +5885,37 @@
       </p:sp>
       <p:sp>
         <p:nvSpPr>
-          <p:cNvPr id="4" name="Rectangle 3"/>
+          <p:cNvPr id="5" name="Slide Number Placeholder 4"/>
+          <p:cNvSpPr>
+            <a:spLocks noGrp="1"/>
+          </p:cNvSpPr>
+          <p:nvPr>
+            <p:ph type="sldNum" sz="quarter" idx="12"/>
+          </p:nvPr>
+        </p:nvSpPr>
+        <p:spPr/>
+        <p:txBody>
+          <a:bodyPr/>
+          <a:lstStyle/>
+          <a:p>
+            <a:fld id="{34B7E4EF-A1BD-40F4-AB7B-04F084DD991D}" type="slidenum">
+              <a:rPr lang="en-US" smtClean="0"/>
+              <a:t>12</a:t>
+            </a:fld>
+            <a:endParaRPr lang="en-US" dirty="0"/>
+          </a:p>
+        </p:txBody>
+      </p:sp>
+      <p:sp>
+        <p:nvSpPr>
+          <p:cNvPr id="6" name="Rectangle 5"/>
           <p:cNvSpPr/>
           <p:nvPr/>
         </p:nvSpPr>
         <p:spPr>
           <a:xfrm>
-            <a:off x="983810" y="5420825"/>
-            <a:ext cx="8268832" cy="923330"/>
+            <a:off x="1066799" y="5816025"/>
+            <a:ext cx="10058399" cy="584775"/>
           </a:xfrm>
           <a:prstGeom prst="rect">
             <a:avLst/>
@@ -5307,67 +5928,107 @@
           <a:lstStyle/>
           <a:p>
             <a:r>
-              <a:rPr lang="en-US" b="1" dirty="0"/>
+              <a:rPr lang="en-US" sz="1600" b="1" dirty="0"/>
               <a:t>Source</a:t>
             </a:r>
           </a:p>
           <a:p>
             <a:r>
-              <a:rPr lang="en-US" dirty="0">
+              <a:rPr lang="en-US" sz="1600" dirty="0">
                 <a:solidFill>
                   <a:srgbClr val="00B0F0"/>
                 </a:solidFill>
               </a:rPr>
-              <a:t>https://developer.mozilla.org/en-US/docs/Web/CSS/CSS_Flexible_Box_Layout/Basic_Concepts_of_Flexbox</a:t>
-            </a:r>
-            <a:endParaRPr lang="en-US" dirty="0">
-              <a:solidFill>
-                <a:srgbClr val="00B0F0"/>
-              </a:solidFill>
-            </a:endParaRPr>
-          </a:p>
-        </p:txBody>
-      </p:sp>
-      <p:sp>
-        <p:nvSpPr>
-          <p:cNvPr id="5" name="Slide Number Placeholder 4"/>
-          <p:cNvSpPr>
-            <a:spLocks noGrp="1"/>
-          </p:cNvSpPr>
-          <p:nvPr>
-            <p:ph type="sldNum" sz="quarter" idx="12"/>
-          </p:nvPr>
-        </p:nvSpPr>
-        <p:spPr/>
-        <p:txBody>
-          <a:bodyPr/>
-          <a:lstStyle/>
-          <a:p>
-            <a:fld id="{34B7E4EF-A1BD-40F4-AB7B-04F084DD991D}" type="slidenum">
-              <a:rPr lang="en-US" smtClean="0"/>
-              <a:t>12</a:t>
-            </a:fld>
-            <a:endParaRPr lang="en-US" dirty="0"/>
+              <a:t>https://developer.mozilla.org/en-US/docs/Web/CSS/border</a:t>
+            </a:r>
+          </a:p>
+        </p:txBody>
+      </p:sp>
+      <p:pic>
+        <p:nvPicPr>
+          <p:cNvPr id="8" name="Picture 7"/>
+          <p:cNvPicPr>
+            <a:picLocks noChangeAspect="1"/>
+          </p:cNvPicPr>
+          <p:nvPr/>
+        </p:nvPicPr>
+        <p:blipFill>
+          <a:blip r:embed="rId2"/>
+          <a:stretch>
+            <a:fillRect/>
+          </a:stretch>
+        </p:blipFill>
+        <p:spPr>
+          <a:xfrm>
+            <a:off x="3214685" y="3285537"/>
+            <a:ext cx="5762625" cy="1657350"/>
+          </a:xfrm>
+          <a:prstGeom prst="rect">
+            <a:avLst/>
+          </a:prstGeom>
+        </p:spPr>
+      </p:pic>
+      <p:sp>
+        <p:nvSpPr>
+          <p:cNvPr id="4" name="TextBox 3">
+            <a:extLst>
+              <a:ext uri="{FF2B5EF4-FFF2-40B4-BE49-F238E27FC236}">
+                <a16:creationId xmlns:a16="http://schemas.microsoft.com/office/drawing/2014/main" id="{D3A78AED-C2F5-48E4-82AC-F720A7A58FF4}"/>
+              </a:ext>
+            </a:extLst>
+          </p:cNvPr>
+          <p:cNvSpPr txBox="1"/>
+          <p:nvPr/>
+        </p:nvSpPr>
+        <p:spPr>
+          <a:xfrm>
+            <a:off x="6591299" y="4461990"/>
+            <a:ext cx="4238625" cy="646331"/>
+          </a:xfrm>
+          <a:prstGeom prst="rect">
+            <a:avLst/>
+          </a:prstGeom>
+          <a:solidFill>
+            <a:srgbClr val="FCF7F1"/>
+          </a:solidFill>
+        </p:spPr>
+        <p:txBody>
+          <a:bodyPr wrap="square" rtlCol="0">
+            <a:spAutoFit/>
+          </a:bodyPr>
+          <a:lstStyle/>
+          <a:p>
+            <a:r>
+              <a:rPr lang="en-US" b="1">
+                <a:solidFill>
+                  <a:srgbClr val="FF0000"/>
+                </a:solidFill>
+              </a:rPr>
+              <a:t>TODO:</a:t>
+            </a:r>
+          </a:p>
+          <a:p>
+            <a:r>
+              <a:rPr lang="en-US" b="1">
+                <a:solidFill>
+                  <a:srgbClr val="FF0000"/>
+                </a:solidFill>
+              </a:rPr>
+              <a:t>Add better example and image</a:t>
+            </a:r>
           </a:p>
         </p:txBody>
       </p:sp>
     </p:spTree>
     <p:extLst>
       <p:ext uri="{BB962C8B-B14F-4D97-AF65-F5344CB8AC3E}">
-        <p14:creationId xmlns:p14="http://schemas.microsoft.com/office/powerpoint/2010/main" val="2820387909"/>
+        <p14:creationId xmlns:p14="http://schemas.microsoft.com/office/powerpoint/2010/main" val="2118113284"/>
       </p:ext>
     </p:extLst>
   </p:cSld>
   <p:clrMapOvr>
     <a:masterClrMapping/>
   </p:clrMapOvr>
-  <p:timing>
-    <p:tnLst>
-      <p:par>
-        <p:cTn id="1" dur="indefinite" restart="never" nodeType="tmRoot"/>
-      </p:par>
-    </p:tnLst>
-  </p:timing>
 </p:sld>
 </file>
 
@@ -5393,7 +6054,7 @@
           <p:cNvPr id="2" name="Title 1">
             <a:extLst>
               <a:ext uri="{FF2B5EF4-FFF2-40B4-BE49-F238E27FC236}">
-                <a16:creationId xmlns:a16="http://schemas.microsoft.com/office/drawing/2014/main" xmlns="" id="{BDFAC13C-59B1-436E-B58F-C304E1C705CF}"/>
+                <a16:creationId xmlns:a16="http://schemas.microsoft.com/office/drawing/2014/main" id="{29A96299-A933-40D7-A9C6-0337904DDD12}"/>
               </a:ext>
             </a:extLst>
           </p:cNvPr>
@@ -5404,23 +6065,17 @@
             <p:ph type="title"/>
           </p:nvPr>
         </p:nvSpPr>
-        <p:spPr>
-          <a:xfrm>
-            <a:off x="664234" y="733579"/>
-            <a:ext cx="5077520" cy="1371600"/>
-          </a:xfrm>
-        </p:spPr>
-        <p:txBody>
-          <a:bodyPr>
-            <a:normAutofit/>
-          </a:bodyPr>
-          <a:lstStyle/>
-          <a:p>
-            <a:r>
-              <a:rPr lang="en-US" u="sng" dirty="0" smtClean="0"/>
-              <a:t>CSS Grid Layout</a:t>
-            </a:r>
-            <a:endParaRPr lang="en-US" u="sng" dirty="0"/>
+        <p:spPr/>
+        <p:txBody>
+          <a:bodyPr/>
+          <a:lstStyle/>
+          <a:p>
+            <a:r>
+              <a:rPr lang="en-US" u="sng">
+                <a:latin typeface="Consolas" panose="020B0609020204030204" pitchFamily="49" charset="0"/>
+              </a:rPr>
+              <a:t>border-radius</a:t>
+            </a:r>
           </a:p>
         </p:txBody>
       </p:sp>
@@ -5429,7 +6084,7 @@
           <p:cNvPr id="3" name="Content Placeholder 2">
             <a:extLst>
               <a:ext uri="{FF2B5EF4-FFF2-40B4-BE49-F238E27FC236}">
-                <a16:creationId xmlns:a16="http://schemas.microsoft.com/office/drawing/2014/main" xmlns="" id="{844A3DC5-46BF-4BFF-8008-98FD467C4904}"/>
+                <a16:creationId xmlns:a16="http://schemas.microsoft.com/office/drawing/2014/main" id="{FD69854A-7292-4684-9496-100A1DF75620}"/>
               </a:ext>
             </a:extLst>
           </p:cNvPr>
@@ -5440,79 +6095,24 @@
             <p:ph idx="1"/>
           </p:nvPr>
         </p:nvSpPr>
-        <p:spPr>
-          <a:xfrm>
-            <a:off x="1066800" y="2733472"/>
-            <a:ext cx="10058400" cy="1919267"/>
-          </a:xfrm>
-        </p:spPr>
-        <p:txBody>
-          <a:bodyPr>
-            <a:normAutofit/>
-          </a:bodyPr>
-          <a:lstStyle/>
-          <a:p>
-            <a:pPr marL="0" indent="0">
-              <a:buNone/>
-            </a:pPr>
-            <a:r>
-              <a:rPr lang="en-US" sz="1800" dirty="0">
-                <a:cs typeface="Arial" panose="020B0604020202020204" pitchFamily="34" charset="0"/>
-              </a:rPr>
-              <a:t>CSS Grid Layout excels at dividing a page into major regions or defining the relationship in terms of size, position, and layer, between parts of a control built from HTML primitives</a:t>
-            </a:r>
-            <a:endParaRPr lang="en-US" sz="1800" dirty="0">
-              <a:cs typeface="Arial" panose="020B0604020202020204" pitchFamily="34" charset="0"/>
-            </a:endParaRPr>
-          </a:p>
-        </p:txBody>
-      </p:sp>
-      <p:sp>
-        <p:nvSpPr>
-          <p:cNvPr id="4" name="Rectangle 3"/>
-          <p:cNvSpPr/>
-          <p:nvPr/>
-        </p:nvSpPr>
-        <p:spPr>
-          <a:xfrm>
-            <a:off x="983810" y="5420825"/>
-            <a:ext cx="8268832" cy="646331"/>
-          </a:xfrm>
-          <a:prstGeom prst="rect">
-            <a:avLst/>
-          </a:prstGeom>
-        </p:spPr>
-        <p:txBody>
-          <a:bodyPr wrap="square">
-            <a:spAutoFit/>
-          </a:bodyPr>
-          <a:lstStyle/>
-          <a:p>
-            <a:r>
-              <a:rPr lang="en-US" b="1" dirty="0"/>
-              <a:t>Source</a:t>
-            </a:r>
-          </a:p>
-          <a:p>
-            <a:r>
-              <a:rPr lang="en-US" dirty="0">
-                <a:solidFill>
-                  <a:srgbClr val="00B0F0"/>
-                </a:solidFill>
-              </a:rPr>
-              <a:t>https://developer.mozilla.org/en-US/docs/Web/CSS/CSS_Grid_Layout</a:t>
-            </a:r>
-            <a:endParaRPr lang="en-US" dirty="0">
-              <a:solidFill>
-                <a:srgbClr val="00B0F0"/>
-              </a:solidFill>
-            </a:endParaRPr>
-          </a:p>
-        </p:txBody>
-      </p:sp>
-      <p:sp>
-        <p:nvSpPr>
-          <p:cNvPr id="5" name="Slide Number Placeholder 4"/>
+        <p:spPr/>
+        <p:txBody>
+          <a:bodyPr/>
+          <a:lstStyle/>
+          <a:p>
+            <a:endParaRPr lang="en-US"/>
+          </a:p>
+        </p:txBody>
+      </p:sp>
+      <p:sp>
+        <p:nvSpPr>
+          <p:cNvPr id="4" name="Slide Number Placeholder 3">
+            <a:extLst>
+              <a:ext uri="{FF2B5EF4-FFF2-40B4-BE49-F238E27FC236}">
+                <a16:creationId xmlns:a16="http://schemas.microsoft.com/office/drawing/2014/main" id="{F38865B0-C286-4528-BDAD-048B78204C2A}"/>
+              </a:ext>
+            </a:extLst>
+          </p:cNvPr>
           <p:cNvSpPr>
             <a:spLocks noGrp="1"/>
           </p:cNvSpPr>
@@ -5533,47 +6133,67 @@
           </a:p>
         </p:txBody>
       </p:sp>
-      <p:pic>
-        <p:nvPicPr>
-          <p:cNvPr id="6" name="Picture 5"/>
-          <p:cNvPicPr>
-            <a:picLocks noChangeAspect="1"/>
-          </p:cNvPicPr>
+      <p:sp>
+        <p:nvSpPr>
+          <p:cNvPr id="5" name="TextBox 4">
+            <a:extLst>
+              <a:ext uri="{FF2B5EF4-FFF2-40B4-BE49-F238E27FC236}">
+                <a16:creationId xmlns:a16="http://schemas.microsoft.com/office/drawing/2014/main" id="{E99707B8-F332-42CE-A44C-C76EFA17F067}"/>
+              </a:ext>
+            </a:extLst>
+          </p:cNvPr>
+          <p:cNvSpPr txBox="1"/>
           <p:nvPr/>
-        </p:nvPicPr>
-        <p:blipFill>
-          <a:blip r:embed="rId2"/>
-          <a:stretch>
-            <a:fillRect/>
-          </a:stretch>
-        </p:blipFill>
+        </p:nvSpPr>
         <p:spPr>
           <a:xfrm>
-            <a:off x="3289426" y="3499216"/>
-            <a:ext cx="3657600" cy="1844674"/>
+            <a:off x="6591299" y="4461990"/>
+            <a:ext cx="4238625" cy="646331"/>
           </a:xfrm>
           <a:prstGeom prst="rect">
             <a:avLst/>
           </a:prstGeom>
+          <a:solidFill>
+            <a:srgbClr val="FCF7F1"/>
+          </a:solidFill>
         </p:spPr>
-      </p:pic>
+        <p:txBody>
+          <a:bodyPr wrap="square" rtlCol="0">
+            <a:spAutoFit/>
+          </a:bodyPr>
+          <a:lstStyle/>
+          <a:p>
+            <a:r>
+              <a:rPr lang="en-US" b="1">
+                <a:solidFill>
+                  <a:srgbClr val="FF0000"/>
+                </a:solidFill>
+              </a:rPr>
+              <a:t>TODO:</a:t>
+            </a:r>
+          </a:p>
+          <a:p>
+            <a:r>
+              <a:rPr lang="en-US" b="1">
+                <a:solidFill>
+                  <a:srgbClr val="FF0000"/>
+                </a:solidFill>
+              </a:rPr>
+              <a:t>Add explanation of border-radius</a:t>
+            </a:r>
+          </a:p>
+        </p:txBody>
+      </p:sp>
     </p:spTree>
     <p:extLst>
       <p:ext uri="{BB962C8B-B14F-4D97-AF65-F5344CB8AC3E}">
-        <p14:creationId xmlns:p14="http://schemas.microsoft.com/office/powerpoint/2010/main" val="2766400670"/>
+        <p14:creationId xmlns:p14="http://schemas.microsoft.com/office/powerpoint/2010/main" val="3552642547"/>
       </p:ext>
     </p:extLst>
   </p:cSld>
   <p:clrMapOvr>
     <a:masterClrMapping/>
   </p:clrMapOvr>
-  <p:timing>
-    <p:tnLst>
-      <p:par>
-        <p:cTn id="1" dur="indefinite" restart="never" nodeType="tmRoot"/>
-      </p:par>
-    </p:tnLst>
-  </p:timing>
 </p:sld>
 </file>
 
@@ -5599,7 +6219,7 @@
           <p:cNvPr id="2" name="Title 1">
             <a:extLst>
               <a:ext uri="{FF2B5EF4-FFF2-40B4-BE49-F238E27FC236}">
-                <a16:creationId xmlns:a16="http://schemas.microsoft.com/office/drawing/2014/main" xmlns="" id="{BDFAC13C-59B1-436E-B58F-C304E1C705CF}"/>
+                <a16:creationId xmlns:a16="http://schemas.microsoft.com/office/drawing/2014/main" id="{29A96299-A933-40D7-A9C6-0337904DDD12}"/>
               </a:ext>
             </a:extLst>
           </p:cNvPr>
@@ -5610,23 +6230,17 @@
             <p:ph type="title"/>
           </p:nvPr>
         </p:nvSpPr>
-        <p:spPr>
-          <a:xfrm>
-            <a:off x="664234" y="733579"/>
-            <a:ext cx="5077520" cy="1371600"/>
-          </a:xfrm>
-        </p:spPr>
-        <p:txBody>
-          <a:bodyPr>
-            <a:normAutofit/>
-          </a:bodyPr>
-          <a:lstStyle/>
-          <a:p>
-            <a:r>
-              <a:rPr lang="en-US" u="sng" dirty="0" smtClean="0"/>
-              <a:t>CSS Selectors</a:t>
-            </a:r>
-            <a:endParaRPr lang="en-US" u="sng" dirty="0"/>
+        <p:spPr/>
+        <p:txBody>
+          <a:bodyPr/>
+          <a:lstStyle/>
+          <a:p>
+            <a:r>
+              <a:rPr lang="en-US" u="sng">
+                <a:latin typeface="Consolas" panose="020B0609020204030204" pitchFamily="49" charset="0"/>
+              </a:rPr>
+              <a:t>background</a:t>
+            </a:r>
           </a:p>
         </p:txBody>
       </p:sp>
@@ -5635,7 +6249,7 @@
           <p:cNvPr id="3" name="Content Placeholder 2">
             <a:extLst>
               <a:ext uri="{FF2B5EF4-FFF2-40B4-BE49-F238E27FC236}">
-                <a16:creationId xmlns:a16="http://schemas.microsoft.com/office/drawing/2014/main" xmlns="" id="{844A3DC5-46BF-4BFF-8008-98FD467C4904}"/>
+                <a16:creationId xmlns:a16="http://schemas.microsoft.com/office/drawing/2014/main" id="{FD69854A-7292-4684-9496-100A1DF75620}"/>
               </a:ext>
             </a:extLst>
           </p:cNvPr>
@@ -5646,51 +6260,24 @@
             <p:ph idx="1"/>
           </p:nvPr>
         </p:nvSpPr>
-        <p:spPr>
-          <a:xfrm>
-            <a:off x="1066800" y="2733472"/>
-            <a:ext cx="10058400" cy="1919267"/>
-          </a:xfrm>
-        </p:spPr>
-        <p:txBody>
-          <a:bodyPr>
-            <a:normAutofit/>
-          </a:bodyPr>
-          <a:lstStyle/>
-          <a:p>
-            <a:pPr marL="0" indent="0">
-              <a:buNone/>
-            </a:pPr>
-            <a:r>
-              <a:rPr lang="en-US" sz="1800" dirty="0">
-                <a:cs typeface="Arial" pitchFamily="34" charset="0"/>
-              </a:rPr>
-              <a:t>See the following URL for a complete list of all CSS Selectors:</a:t>
-            </a:r>
-          </a:p>
-          <a:p>
-            <a:pPr indent="0">
-              <a:buNone/>
-            </a:pPr>
-            <a:r>
-              <a:rPr lang="en-US" sz="1800" dirty="0">
-                <a:cs typeface="Arial" pitchFamily="34" charset="0"/>
-                <a:hlinkClick r:id="rId2"/>
-              </a:rPr>
-              <a:t>https://developer.mozilla.org/en-US/docs/CSS/CSS_Reference</a:t>
-            </a:r>
-            <a:r>
-              <a:rPr lang="en-US" sz="1800" dirty="0">
-                <a:cs typeface="Arial" pitchFamily="34" charset="0"/>
-              </a:rPr>
-              <a:t> </a:t>
-            </a:r>
-          </a:p>
-        </p:txBody>
-      </p:sp>
-      <p:sp>
-        <p:nvSpPr>
-          <p:cNvPr id="5" name="Slide Number Placeholder 4"/>
+        <p:spPr/>
+        <p:txBody>
+          <a:bodyPr/>
+          <a:lstStyle/>
+          <a:p>
+            <a:endParaRPr lang="en-US"/>
+          </a:p>
+        </p:txBody>
+      </p:sp>
+      <p:sp>
+        <p:nvSpPr>
+          <p:cNvPr id="4" name="Slide Number Placeholder 3">
+            <a:extLst>
+              <a:ext uri="{FF2B5EF4-FFF2-40B4-BE49-F238E27FC236}">
+                <a16:creationId xmlns:a16="http://schemas.microsoft.com/office/drawing/2014/main" id="{F38865B0-C286-4528-BDAD-048B78204C2A}"/>
+              </a:ext>
+            </a:extLst>
+          </p:cNvPr>
           <p:cNvSpPr>
             <a:spLocks noGrp="1"/>
           </p:cNvSpPr>
@@ -5711,23 +6298,67 @@
           </a:p>
         </p:txBody>
       </p:sp>
+      <p:sp>
+        <p:nvSpPr>
+          <p:cNvPr id="5" name="TextBox 4">
+            <a:extLst>
+              <a:ext uri="{FF2B5EF4-FFF2-40B4-BE49-F238E27FC236}">
+                <a16:creationId xmlns:a16="http://schemas.microsoft.com/office/drawing/2014/main" id="{E99707B8-F332-42CE-A44C-C76EFA17F067}"/>
+              </a:ext>
+            </a:extLst>
+          </p:cNvPr>
+          <p:cNvSpPr txBox="1"/>
+          <p:nvPr/>
+        </p:nvSpPr>
+        <p:spPr>
+          <a:xfrm>
+            <a:off x="6591299" y="4461990"/>
+            <a:ext cx="4238625" cy="646331"/>
+          </a:xfrm>
+          <a:prstGeom prst="rect">
+            <a:avLst/>
+          </a:prstGeom>
+          <a:solidFill>
+            <a:srgbClr val="FCF7F1"/>
+          </a:solidFill>
+        </p:spPr>
+        <p:txBody>
+          <a:bodyPr wrap="square" rtlCol="0">
+            <a:spAutoFit/>
+          </a:bodyPr>
+          <a:lstStyle/>
+          <a:p>
+            <a:r>
+              <a:rPr lang="en-US" b="1">
+                <a:solidFill>
+                  <a:srgbClr val="FF0000"/>
+                </a:solidFill>
+              </a:rPr>
+              <a:t>TODO:</a:t>
+            </a:r>
+          </a:p>
+          <a:p>
+            <a:r>
+              <a:rPr lang="en-US" b="1">
+                <a:solidFill>
+                  <a:srgbClr val="FF0000"/>
+                </a:solidFill>
+              </a:rPr>
+              <a:t>Add explanation of background</a:t>
+            </a:r>
+          </a:p>
+        </p:txBody>
+      </p:sp>
     </p:spTree>
     <p:extLst>
       <p:ext uri="{BB962C8B-B14F-4D97-AF65-F5344CB8AC3E}">
-        <p14:creationId xmlns:p14="http://schemas.microsoft.com/office/powerpoint/2010/main" val="984166339"/>
+        <p14:creationId xmlns:p14="http://schemas.microsoft.com/office/powerpoint/2010/main" val="366908206"/>
       </p:ext>
     </p:extLst>
   </p:cSld>
   <p:clrMapOvr>
     <a:masterClrMapping/>
   </p:clrMapOvr>
-  <p:timing>
-    <p:tnLst>
-      <p:par>
-        <p:cTn id="1" dur="indefinite" restart="never" nodeType="tmRoot"/>
-      </p:par>
-    </p:tnLst>
-  </p:timing>
 </p:sld>
 </file>
 
@@ -5753,7 +6384,7 @@
           <p:cNvPr id="2" name="Title 1">
             <a:extLst>
               <a:ext uri="{FF2B5EF4-FFF2-40B4-BE49-F238E27FC236}">
-                <a16:creationId xmlns:a16="http://schemas.microsoft.com/office/drawing/2014/main" xmlns="" id="{BDFAC13C-59B1-436E-B58F-C304E1C705CF}"/>
+                <a16:creationId xmlns:a16="http://schemas.microsoft.com/office/drawing/2014/main" id="{29A96299-A933-40D7-A9C6-0337904DDD12}"/>
               </a:ext>
             </a:extLst>
           </p:cNvPr>
@@ -5764,23 +6395,17 @@
             <p:ph type="title"/>
           </p:nvPr>
         </p:nvSpPr>
-        <p:spPr>
-          <a:xfrm>
-            <a:off x="664234" y="733579"/>
-            <a:ext cx="5077520" cy="1371600"/>
-          </a:xfrm>
-        </p:spPr>
-        <p:txBody>
-          <a:bodyPr>
-            <a:normAutofit/>
-          </a:bodyPr>
-          <a:lstStyle/>
-          <a:p>
-            <a:r>
-              <a:rPr lang="en-US" u="sng" dirty="0" smtClean="0"/>
-              <a:t>CSS Class Selector</a:t>
-            </a:r>
-            <a:endParaRPr lang="en-US" u="sng" dirty="0"/>
+        <p:spPr/>
+        <p:txBody>
+          <a:bodyPr/>
+          <a:lstStyle/>
+          <a:p>
+            <a:r>
+              <a:rPr lang="en-US" u="sng">
+                <a:latin typeface="Consolas" panose="020B0609020204030204" pitchFamily="49" charset="0"/>
+              </a:rPr>
+              <a:t>box-sizing</a:t>
+            </a:r>
           </a:p>
         </p:txBody>
       </p:sp>
@@ -5789,7 +6414,7 @@
           <p:cNvPr id="3" name="Content Placeholder 2">
             <a:extLst>
               <a:ext uri="{FF2B5EF4-FFF2-40B4-BE49-F238E27FC236}">
-                <a16:creationId xmlns:a16="http://schemas.microsoft.com/office/drawing/2014/main" xmlns="" id="{844A3DC5-46BF-4BFF-8008-98FD467C4904}"/>
+                <a16:creationId xmlns:a16="http://schemas.microsoft.com/office/drawing/2014/main" id="{FD69854A-7292-4684-9496-100A1DF75620}"/>
               </a:ext>
             </a:extLst>
           </p:cNvPr>
@@ -5800,95 +6425,280 @@
             <p:ph idx="1"/>
           </p:nvPr>
         </p:nvSpPr>
-        <p:spPr>
-          <a:xfrm>
-            <a:off x="1066800" y="2733472"/>
-            <a:ext cx="10058400" cy="1919267"/>
-          </a:xfrm>
-        </p:spPr>
+        <p:spPr/>
         <p:txBody>
           <a:bodyPr>
-            <a:normAutofit fontScale="92500" lnSpcReduction="20000"/>
+            <a:noAutofit/>
           </a:bodyPr>
           <a:lstStyle/>
           <a:p>
             <a:pPr marL="0" indent="0">
+              <a:lnSpc>
+                <a:spcPct val="100000"/>
+              </a:lnSpc>
+              <a:spcBef>
+                <a:spcPts val="0"/>
+              </a:spcBef>
               <a:buNone/>
             </a:pPr>
             <a:r>
-              <a:rPr lang="en-US" sz="1800" dirty="0">
-                <a:cs typeface="Arial" pitchFamily="34" charset="0"/>
-              </a:rPr>
-              <a:t>The class attribute is used to point to a class name in a stylesheet. It can also be used by a JavaScript to access and manipulate element</a:t>
-            </a:r>
-            <a:r>
-              <a:rPr lang="en-US" sz="1800" b="1" dirty="0">
-                <a:cs typeface="Arial" pitchFamily="34" charset="0"/>
-              </a:rPr>
-              <a:t>s</a:t>
-            </a:r>
-            <a:r>
-              <a:rPr lang="en-US" sz="1800" dirty="0">
-                <a:cs typeface="Arial" pitchFamily="34" charset="0"/>
-              </a:rPr>
-              <a:t> with that name</a:t>
-            </a:r>
-          </a:p>
-          <a:p>
-            <a:pPr indent="0">
+              <a:rPr lang="en-US" sz="1800"/>
+              <a:t>The </a:t>
+            </a:r>
+            <a:r>
+              <a:rPr lang="en-US" sz="1800" b="1">
+                <a:latin typeface="Consolas" panose="020B0609020204030204" pitchFamily="49" charset="0"/>
+              </a:rPr>
+              <a:t>box-sizing</a:t>
+            </a:r>
+            <a:r>
+              <a:rPr lang="en-US" sz="1800"/>
+              <a:t> property sets how the total width and height of an element is calculated.</a:t>
+            </a:r>
+          </a:p>
+          <a:p>
+            <a:pPr marL="0" indent="0">
+              <a:lnSpc>
+                <a:spcPct val="100000"/>
+              </a:lnSpc>
+              <a:spcBef>
+                <a:spcPts val="0"/>
+              </a:spcBef>
               <a:buNone/>
             </a:pPr>
-            <a:r>
-              <a:rPr lang="en-US" sz="1800" dirty="0">
-                <a:cs typeface="Arial" pitchFamily="34" charset="0"/>
-              </a:rPr>
-              <a:t>Example:</a:t>
-            </a:r>
-          </a:p>
-          <a:p>
-            <a:pPr indent="0">
+            <a:endParaRPr lang="en-US" sz="1800"/>
+          </a:p>
+          <a:p>
+            <a:pPr marL="0" indent="0">
+              <a:lnSpc>
+                <a:spcPct val="100000"/>
+              </a:lnSpc>
+              <a:spcBef>
+                <a:spcPts val="0"/>
+              </a:spcBef>
               <a:buNone/>
             </a:pPr>
             <a:r>
-              <a:rPr lang="en-US" sz="1400" dirty="0">
+              <a:rPr lang="en-US" sz="1800" b="1">
                 <a:latin typeface="Consolas" panose="020B0609020204030204" pitchFamily="49" charset="0"/>
-                <a:cs typeface="Arial" pitchFamily="34" charset="0"/>
-              </a:rPr>
-              <a:t>.red {color: red;} (in CSS):</a:t>
-            </a:r>
-          </a:p>
-          <a:p>
-            <a:pPr indent="0">
+              </a:rPr>
+              <a:t>content-box</a:t>
+            </a:r>
+          </a:p>
+          <a:p>
+            <a:pPr marL="274320" lvl="1" indent="0">
+              <a:spcBef>
+                <a:spcPts val="0"/>
+              </a:spcBef>
               <a:buNone/>
             </a:pPr>
             <a:r>
-              <a:rPr lang="en-US" sz="1400" dirty="0">
+              <a:rPr lang="en-US" sz="1800"/>
+              <a:t>The </a:t>
+            </a:r>
+            <a:r>
+              <a:rPr lang="en-US" sz="1800" b="1"/>
+              <a:t>width</a:t>
+            </a:r>
+            <a:r>
+              <a:rPr lang="en-US" sz="1800"/>
+              <a:t> and </a:t>
+            </a:r>
+            <a:r>
+              <a:rPr lang="en-US" sz="1800" b="1"/>
+              <a:t>height</a:t>
+            </a:r>
+            <a:r>
+              <a:rPr lang="en-US" sz="1800"/>
+              <a:t> properties include the </a:t>
+            </a:r>
+            <a:r>
+              <a:rPr lang="en-US" sz="1800" b="1"/>
+              <a:t>content,</a:t>
+            </a:r>
+            <a:r>
+              <a:rPr lang="en-US" sz="1800"/>
+              <a:t> but do not include the </a:t>
+            </a:r>
+            <a:r>
+              <a:rPr lang="en-US" sz="1800" b="1"/>
+              <a:t>padding, border, or margin.</a:t>
+            </a:r>
+          </a:p>
+          <a:p>
+            <a:pPr marL="274320" lvl="1" indent="0">
+              <a:spcBef>
+                <a:spcPts val="0"/>
+              </a:spcBef>
+              <a:buNone/>
+            </a:pPr>
+            <a:r>
+              <a:rPr lang="en-US" sz="1800"/>
+              <a:t>For example, </a:t>
+            </a:r>
+            <a:r>
+              <a:rPr lang="en-US" sz="1800" b="1">
+                <a:highlight>
+                  <a:srgbClr val="FCF7F1"/>
+                </a:highlight>
                 <a:latin typeface="Consolas" panose="020B0609020204030204" pitchFamily="49" charset="0"/>
-                <a:cs typeface="Arial" pitchFamily="34" charset="0"/>
-              </a:rPr>
-              <a:t>&lt;p class="red"&gt;Red paragraph1&lt;/p&gt;</a:t>
-            </a:r>
-          </a:p>
-          <a:p>
-            <a:pPr indent="0">
+              </a:rPr>
+              <a:t>.box {width: 350px; border: 10px solid black;}</a:t>
+            </a:r>
+            <a:r>
+              <a:rPr lang="en-US" sz="1800"/>
+              <a:t> renders a box that is </a:t>
+            </a:r>
+            <a:r>
+              <a:rPr lang="en-US" sz="1800" b="1">
+                <a:highlight>
+                  <a:srgbClr val="FCF7F1"/>
+                </a:highlight>
+              </a:rPr>
+              <a:t>370px</a:t>
+            </a:r>
+            <a:r>
+              <a:rPr lang="en-US" sz="1800"/>
+              <a:t> wide.</a:t>
+            </a:r>
+          </a:p>
+          <a:p>
+            <a:pPr marL="274320" lvl="1" indent="0">
+              <a:spcBef>
+                <a:spcPts val="0"/>
+              </a:spcBef>
               <a:buNone/>
             </a:pPr>
             <a:r>
-              <a:rPr lang="en-US" sz="1400" dirty="0">
+              <a:rPr lang="en-US" sz="1800" b="1">
+                <a:highlight>
+                  <a:srgbClr val="FCF7F1"/>
+                </a:highlight>
+              </a:rPr>
+              <a:t>This is the default mode.</a:t>
+            </a:r>
+          </a:p>
+          <a:p>
+            <a:pPr marL="0" indent="0">
+              <a:lnSpc>
+                <a:spcPct val="100000"/>
+              </a:lnSpc>
+              <a:spcBef>
+                <a:spcPts val="0"/>
+              </a:spcBef>
+              <a:buNone/>
+            </a:pPr>
+            <a:r>
+              <a:rPr lang="en-US" sz="1800" b="1">
                 <a:latin typeface="Consolas" panose="020B0609020204030204" pitchFamily="49" charset="0"/>
-                <a:cs typeface="Arial" pitchFamily="34" charset="0"/>
-              </a:rPr>
-              <a:t>&lt;p class="red"&gt;Red paragraph2&lt;/p&gt;</a:t>
-            </a:r>
-            <a:endParaRPr lang="en-US" sz="1800" dirty="0">
-              <a:latin typeface="Consolas" panose="020B0609020204030204" pitchFamily="49" charset="0"/>
-            </a:endParaRPr>
-          </a:p>
-        </p:txBody>
-      </p:sp>
-      <p:sp>
-        <p:nvSpPr>
-          <p:cNvPr id="5" name="Slide Number Placeholder 4"/>
+              </a:rPr>
+              <a:t>border-box</a:t>
+            </a:r>
+          </a:p>
+          <a:p>
+            <a:pPr marL="274320" lvl="1" indent="0">
+              <a:spcBef>
+                <a:spcPts val="0"/>
+              </a:spcBef>
+              <a:buNone/>
+            </a:pPr>
+            <a:r>
+              <a:rPr lang="en-US" sz="1800"/>
+              <a:t>The </a:t>
+            </a:r>
+            <a:r>
+              <a:rPr lang="en-US" sz="1800" b="1"/>
+              <a:t>width</a:t>
+            </a:r>
+            <a:r>
+              <a:rPr lang="en-US" sz="1800"/>
+              <a:t> and </a:t>
+            </a:r>
+            <a:r>
+              <a:rPr lang="en-US" sz="1800" b="1"/>
+              <a:t>height</a:t>
+            </a:r>
+            <a:r>
+              <a:rPr lang="en-US" sz="1800"/>
+              <a:t> properties include the </a:t>
+            </a:r>
+            <a:r>
+              <a:rPr lang="en-US" sz="1800" b="1"/>
+              <a:t>content, padding, and border,</a:t>
+            </a:r>
+            <a:r>
+              <a:rPr lang="en-US" sz="1800"/>
+              <a:t> but do not include the </a:t>
+            </a:r>
+            <a:r>
+              <a:rPr lang="en-US" sz="1800" b="1"/>
+              <a:t>margin.</a:t>
+            </a:r>
+          </a:p>
+          <a:p>
+            <a:pPr marL="274320" lvl="1" indent="0">
+              <a:spcBef>
+                <a:spcPts val="0"/>
+              </a:spcBef>
+              <a:buNone/>
+            </a:pPr>
+            <a:r>
+              <a:rPr lang="en-US" sz="1800"/>
+              <a:t>For example, </a:t>
+            </a:r>
+            <a:r>
+              <a:rPr lang="en-US" sz="1800" b="1">
+                <a:highlight>
+                  <a:srgbClr val="FCF7F1"/>
+                </a:highlight>
+                <a:latin typeface="Consolas" panose="020B0609020204030204" pitchFamily="49" charset="0"/>
+              </a:rPr>
+              <a:t>.box {width: 350px; border: 10px solid black;}</a:t>
+            </a:r>
+            <a:r>
+              <a:rPr lang="en-US" sz="1800"/>
+              <a:t> renders a box that is </a:t>
+            </a:r>
+            <a:r>
+              <a:rPr lang="en-US" sz="1800" b="1">
+                <a:highlight>
+                  <a:srgbClr val="FCF7F1"/>
+                </a:highlight>
+              </a:rPr>
+              <a:t>350px</a:t>
+            </a:r>
+            <a:r>
+              <a:rPr lang="en-US" sz="1800"/>
+              <a:t> wide.</a:t>
+            </a:r>
+          </a:p>
+          <a:p>
+            <a:pPr marL="274320" lvl="1" indent="0">
+              <a:spcBef>
+                <a:spcPts val="0"/>
+              </a:spcBef>
+              <a:buNone/>
+            </a:pPr>
+            <a:r>
+              <a:rPr lang="en-US" sz="1800" b="1">
+                <a:highlight>
+                  <a:srgbClr val="FCF7F1"/>
+                </a:highlight>
+              </a:rPr>
+              <a:t>Using this mode for page layout is higly recommended.</a:t>
+            </a:r>
+          </a:p>
+        </p:txBody>
+      </p:sp>
+      <p:sp>
+        <p:nvSpPr>
+          <p:cNvPr id="4" name="Slide Number Placeholder 3">
+            <a:extLst>
+              <a:ext uri="{FF2B5EF4-FFF2-40B4-BE49-F238E27FC236}">
+                <a16:creationId xmlns:a16="http://schemas.microsoft.com/office/drawing/2014/main" id="{F38865B0-C286-4528-BDAD-048B78204C2A}"/>
+              </a:ext>
+            </a:extLst>
+          </p:cNvPr>
           <p:cNvSpPr>
             <a:spLocks noGrp="1"/>
           </p:cNvSpPr>
@@ -5912,20 +6722,13 @@
     </p:spTree>
     <p:extLst>
       <p:ext uri="{BB962C8B-B14F-4D97-AF65-F5344CB8AC3E}">
-        <p14:creationId xmlns:p14="http://schemas.microsoft.com/office/powerpoint/2010/main" val="2164745984"/>
+        <p14:creationId xmlns:p14="http://schemas.microsoft.com/office/powerpoint/2010/main" val="778783633"/>
       </p:ext>
     </p:extLst>
   </p:cSld>
   <p:clrMapOvr>
     <a:masterClrMapping/>
   </p:clrMapOvr>
-  <p:timing>
-    <p:tnLst>
-      <p:par>
-        <p:cTn id="1" dur="indefinite" restart="never" nodeType="tmRoot"/>
-      </p:par>
-    </p:tnLst>
-  </p:timing>
 </p:sld>
 </file>
 
@@ -5948,10 +6751,10 @@
       </p:grpSpPr>
       <p:sp>
         <p:nvSpPr>
-          <p:cNvPr id="2" name="Title 1">
+          <p:cNvPr id="5" name="Title 4">
             <a:extLst>
               <a:ext uri="{FF2B5EF4-FFF2-40B4-BE49-F238E27FC236}">
-                <a16:creationId xmlns:a16="http://schemas.microsoft.com/office/drawing/2014/main" xmlns="" id="{BDFAC13C-59B1-436E-B58F-C304E1C705CF}"/>
+                <a16:creationId xmlns:a16="http://schemas.microsoft.com/office/drawing/2014/main" id="{89DA77E3-31EF-47E3-B595-7B74647FDE88}"/>
               </a:ext>
             </a:extLst>
           </p:cNvPr>
@@ -5962,32 +6765,24 @@
             <p:ph type="title"/>
           </p:nvPr>
         </p:nvSpPr>
-        <p:spPr>
-          <a:xfrm>
-            <a:off x="664234" y="733579"/>
-            <a:ext cx="5077520" cy="1371600"/>
-          </a:xfrm>
-        </p:spPr>
-        <p:txBody>
-          <a:bodyPr>
-            <a:normAutofit/>
-          </a:bodyPr>
-          <a:lstStyle/>
-          <a:p>
-            <a:r>
-              <a:rPr lang="en-US" u="sng" dirty="0" smtClean="0"/>
-              <a:t>CSS ID Selector</a:t>
-            </a:r>
-            <a:endParaRPr lang="en-US" u="sng" dirty="0"/>
-          </a:p>
-        </p:txBody>
-      </p:sp>
-      <p:sp>
-        <p:nvSpPr>
-          <p:cNvPr id="3" name="Content Placeholder 2">
+        <p:spPr/>
+        <p:txBody>
+          <a:bodyPr/>
+          <a:lstStyle/>
+          <a:p>
+            <a:r>
+              <a:rPr lang="en-US" cap="none" dirty="0"/>
+              <a:t>Flexbox</a:t>
+            </a:r>
+          </a:p>
+        </p:txBody>
+      </p:sp>
+      <p:sp>
+        <p:nvSpPr>
+          <p:cNvPr id="6" name="Text Placeholder 5">
             <a:extLst>
               <a:ext uri="{FF2B5EF4-FFF2-40B4-BE49-F238E27FC236}">
-                <a16:creationId xmlns:a16="http://schemas.microsoft.com/office/drawing/2014/main" xmlns="" id="{844A3DC5-46BF-4BFF-8008-98FD467C4904}"/>
+                <a16:creationId xmlns:a16="http://schemas.microsoft.com/office/drawing/2014/main" id="{460EE982-E208-4B5A-9658-D27D265F5B07}"/>
               </a:ext>
             </a:extLst>
           </p:cNvPr>
@@ -5995,74 +6790,30 @@
             <a:spLocks noGrp="1"/>
           </p:cNvSpPr>
           <p:nvPr>
-            <p:ph idx="1"/>
-          </p:nvPr>
-        </p:nvSpPr>
-        <p:spPr>
-          <a:xfrm>
-            <a:off x="1066800" y="2733472"/>
-            <a:ext cx="10058400" cy="1919267"/>
-          </a:xfrm>
-        </p:spPr>
-        <p:txBody>
-          <a:bodyPr>
-            <a:normAutofit lnSpcReduction="10000"/>
-          </a:bodyPr>
-          <a:lstStyle/>
-          <a:p>
-            <a:pPr marL="0" indent="0">
-              <a:buNone/>
-            </a:pPr>
-            <a:r>
-              <a:rPr lang="en-US" sz="1800" dirty="0">
-                <a:cs typeface="Arial" pitchFamily="34" charset="0"/>
-              </a:rPr>
-              <a:t>The id attribute is used to point to an element in a stylesheet. It can also be used by a JavaScript to access and manipulate an element with that name</a:t>
-            </a:r>
-          </a:p>
-          <a:p>
-            <a:pPr indent="0">
-              <a:buNone/>
-            </a:pPr>
-            <a:r>
-              <a:rPr lang="en-US" sz="1800" dirty="0">
-                <a:cs typeface="Arial" pitchFamily="34" charset="0"/>
-              </a:rPr>
-              <a:t>Example:</a:t>
-            </a:r>
-          </a:p>
-          <a:p>
-            <a:pPr indent="0">
-              <a:buNone/>
-            </a:pPr>
-            <a:r>
-              <a:rPr lang="en-US" sz="1800" dirty="0">
-                <a:latin typeface="Consolas" panose="020B0609020204030204" pitchFamily="49" charset="0"/>
-                <a:cs typeface="Arial" pitchFamily="34" charset="0"/>
-              </a:rPr>
-              <a:t>#red {color: red;} (in CSS):</a:t>
-            </a:r>
-          </a:p>
-          <a:p>
-            <a:pPr indent="0">
-              <a:buNone/>
-            </a:pPr>
-            <a:r>
-              <a:rPr lang="en-US" sz="1800" dirty="0">
-                <a:latin typeface="Consolas" panose="020B0609020204030204" pitchFamily="49" charset="0"/>
-                <a:cs typeface="Arial" pitchFamily="34" charset="0"/>
-              </a:rPr>
-              <a:t>&lt;p id="red"&gt;Red paragraph1&lt;/p&gt;</a:t>
-            </a:r>
-            <a:endParaRPr lang="en-US" sz="1800" dirty="0">
-              <a:latin typeface="Consolas" panose="020B0609020204030204" pitchFamily="49" charset="0"/>
-            </a:endParaRPr>
-          </a:p>
-        </p:txBody>
-      </p:sp>
-      <p:sp>
-        <p:nvSpPr>
-          <p:cNvPr id="5" name="Slide Number Placeholder 4"/>
+            <p:ph type="body" idx="1"/>
+          </p:nvPr>
+        </p:nvSpPr>
+        <p:spPr/>
+        <p:txBody>
+          <a:bodyPr/>
+          <a:lstStyle/>
+          <a:p>
+            <a:r>
+              <a:rPr lang="en-US" dirty="0"/>
+              <a:t>Using flexbox to implement page layouts.</a:t>
+            </a:r>
+          </a:p>
+        </p:txBody>
+      </p:sp>
+      <p:sp>
+        <p:nvSpPr>
+          <p:cNvPr id="4" name="Slide Number Placeholder 3">
+            <a:extLst>
+              <a:ext uri="{FF2B5EF4-FFF2-40B4-BE49-F238E27FC236}">
+                <a16:creationId xmlns:a16="http://schemas.microsoft.com/office/drawing/2014/main" id="{F78313E1-DACA-4522-B8E2-EEA3155037D8}"/>
+              </a:ext>
+            </a:extLst>
+          </p:cNvPr>
           <p:cNvSpPr>
             <a:spLocks noGrp="1"/>
           </p:cNvSpPr>
@@ -6086,20 +6837,13 @@
     </p:spTree>
     <p:extLst>
       <p:ext uri="{BB962C8B-B14F-4D97-AF65-F5344CB8AC3E}">
-        <p14:creationId xmlns:p14="http://schemas.microsoft.com/office/powerpoint/2010/main" val="992491101"/>
+        <p14:creationId xmlns:p14="http://schemas.microsoft.com/office/powerpoint/2010/main" val="3720373860"/>
       </p:ext>
     </p:extLst>
   </p:cSld>
   <p:clrMapOvr>
     <a:masterClrMapping/>
   </p:clrMapOvr>
-  <p:timing>
-    <p:tnLst>
-      <p:par>
-        <p:cTn id="1" dur="indefinite" restart="never" nodeType="tmRoot"/>
-      </p:par>
-    </p:tnLst>
-  </p:timing>
 </p:sld>
 </file>
 
@@ -6125,7 +6869,7 @@
           <p:cNvPr id="2" name="Title 1">
             <a:extLst>
               <a:ext uri="{FF2B5EF4-FFF2-40B4-BE49-F238E27FC236}">
-                <a16:creationId xmlns:a16="http://schemas.microsoft.com/office/drawing/2014/main" xmlns="" id="{BDFAC13C-59B1-436E-B58F-C304E1C705CF}"/>
+                <a16:creationId xmlns:a16="http://schemas.microsoft.com/office/drawing/2014/main" id="{BDFAC13C-59B1-436E-B58F-C304E1C705CF}"/>
               </a:ext>
             </a:extLst>
           </p:cNvPr>
@@ -6136,12 +6880,7 @@
             <p:ph type="title"/>
           </p:nvPr>
         </p:nvSpPr>
-        <p:spPr>
-          <a:xfrm>
-            <a:off x="664233" y="733579"/>
-            <a:ext cx="6189239" cy="1371600"/>
-          </a:xfrm>
-        </p:spPr>
+        <p:spPr/>
         <p:txBody>
           <a:bodyPr>
             <a:normAutofit/>
@@ -6149,8 +6888,8 @@
           <a:lstStyle/>
           <a:p>
             <a:r>
-              <a:rPr lang="en-US" u="sng" dirty="0" smtClean="0"/>
-              <a:t>CSS Selector Categories</a:t>
+              <a:rPr lang="en-US" u="sng"/>
+              <a:t>What is Flexbox?</a:t>
             </a:r>
             <a:endParaRPr lang="en-US" u="sng" dirty="0"/>
           </a:p>
@@ -6161,7 +6900,7 @@
           <p:cNvPr id="3" name="Content Placeholder 2">
             <a:extLst>
               <a:ext uri="{FF2B5EF4-FFF2-40B4-BE49-F238E27FC236}">
-                <a16:creationId xmlns:a16="http://schemas.microsoft.com/office/drawing/2014/main" xmlns="" id="{844A3DC5-46BF-4BFF-8008-98FD467C4904}"/>
+                <a16:creationId xmlns:a16="http://schemas.microsoft.com/office/drawing/2014/main" id="{844A3DC5-46BF-4BFF-8008-98FD467C4904}"/>
               </a:ext>
             </a:extLst>
           </p:cNvPr>
@@ -6172,15 +6911,10 @@
             <p:ph idx="1"/>
           </p:nvPr>
         </p:nvSpPr>
-        <p:spPr>
-          <a:xfrm>
-            <a:off x="1066800" y="2733472"/>
-            <a:ext cx="10058400" cy="2182560"/>
-          </a:xfrm>
-        </p:spPr>
+        <p:spPr/>
         <p:txBody>
           <a:bodyPr>
-            <a:normAutofit fontScale="92500" lnSpcReduction="20000"/>
+            <a:normAutofit/>
           </a:bodyPr>
           <a:lstStyle/>
           <a:p>
@@ -6188,70 +6922,74 @@
               <a:buNone/>
             </a:pPr>
             <a:r>
-              <a:rPr lang="en-US" sz="1900" dirty="0">
-                <a:cs typeface="Arial" pitchFamily="34" charset="0"/>
-              </a:rPr>
-              <a:t>Simple Selectors select based on element name, id, or class name</a:t>
-            </a:r>
-          </a:p>
-          <a:p>
-            <a:pPr indent="0">
+              <a:rPr lang="en-US" sz="2400">
+                <a:cs typeface="Arial" panose="020B0604020202020204" pitchFamily="34" charset="0"/>
+              </a:rPr>
+              <a:t>Flexbox is a </a:t>
+            </a:r>
+            <a:r>
+              <a:rPr lang="en-US" sz="2400" dirty="0">
+                <a:cs typeface="Arial" panose="020B0604020202020204" pitchFamily="34" charset="0"/>
+              </a:rPr>
+              <a:t>one-dimensional </a:t>
+            </a:r>
+            <a:r>
+              <a:rPr lang="en-US" sz="2400">
+                <a:cs typeface="Arial" panose="020B0604020202020204" pitchFamily="34" charset="0"/>
+              </a:rPr>
+              <a:t>layout model. It offers powerful space distribution and alignment capabilities not found in previous layout models.</a:t>
+            </a:r>
+          </a:p>
+          <a:p>
+            <a:pPr marL="0" indent="0">
               <a:buNone/>
             </a:pPr>
-            <a:r>
-              <a:rPr lang="en-US" sz="1900" dirty="0">
-                <a:cs typeface="Arial" pitchFamily="34" charset="0"/>
-              </a:rPr>
-              <a:t>Example:</a:t>
-            </a:r>
-          </a:p>
-          <a:p>
-            <a:pPr indent="0">
+            <a:endParaRPr lang="en-US" sz="2400">
+              <a:cs typeface="Arial" panose="020B0604020202020204" pitchFamily="34" charset="0"/>
+            </a:endParaRPr>
+          </a:p>
+          <a:p>
+            <a:pPr marL="0" indent="0">
               <a:buNone/>
             </a:pPr>
             <a:r>
-              <a:rPr lang="en-US" sz="1900" dirty="0">
-                <a:latin typeface="Consolas" panose="020B0609020204030204" pitchFamily="49" charset="0"/>
-                <a:cs typeface="Arial" pitchFamily="34" charset="0"/>
-              </a:rPr>
-              <a:t>p {</a:t>
-            </a:r>
-          </a:p>
-          <a:p>
-            <a:pPr indent="0">
-              <a:buNone/>
-            </a:pPr>
-            <a:r>
-              <a:rPr lang="en-US" sz="1900" dirty="0">
-                <a:latin typeface="Consolas" panose="020B0609020204030204" pitchFamily="49" charset="0"/>
-                <a:cs typeface="Arial" pitchFamily="34" charset="0"/>
-              </a:rPr>
-              <a:t>  text-align: center;</a:t>
-            </a:r>
-          </a:p>
-          <a:p>
-            <a:pPr indent="0">
-              <a:buNone/>
-            </a:pPr>
-            <a:r>
-              <a:rPr lang="en-US" sz="1900" dirty="0">
-                <a:latin typeface="Consolas" panose="020B0609020204030204" pitchFamily="49" charset="0"/>
-                <a:cs typeface="Arial" pitchFamily="34" charset="0"/>
-              </a:rPr>
-              <a:t>  color: red;</a:t>
-            </a:r>
-          </a:p>
-          <a:p>
-            <a:pPr indent="0">
-              <a:buNone/>
-            </a:pPr>
-            <a:r>
-              <a:rPr lang="en-US" sz="1900" dirty="0">
-                <a:latin typeface="Consolas" panose="020B0609020204030204" pitchFamily="49" charset="0"/>
-                <a:cs typeface="Arial" pitchFamily="34" charset="0"/>
-              </a:rPr>
-              <a:t>}</a:t>
-            </a:r>
+              <a:rPr lang="en-US" sz="2400">
+                <a:highlight>
+                  <a:srgbClr val="FCF7F1"/>
+                </a:highlight>
+                <a:cs typeface="Arial" panose="020B0604020202020204" pitchFamily="34" charset="0"/>
+              </a:rPr>
+              <a:t>Flexbox is the backbone of modern responsive web design.</a:t>
+            </a:r>
+            <a:endParaRPr lang="en-US" sz="2400" dirty="0">
+              <a:highlight>
+                <a:srgbClr val="FCF7F1"/>
+              </a:highlight>
+              <a:cs typeface="Arial" panose="020B0604020202020204" pitchFamily="34" charset="0"/>
+            </a:endParaRPr>
+          </a:p>
+        </p:txBody>
+      </p:sp>
+      <p:sp>
+        <p:nvSpPr>
+          <p:cNvPr id="5" name="Slide Number Placeholder 4"/>
+          <p:cNvSpPr>
+            <a:spLocks noGrp="1"/>
+          </p:cNvSpPr>
+          <p:nvPr>
+            <p:ph type="sldNum" sz="quarter" idx="12"/>
+          </p:nvPr>
+        </p:nvSpPr>
+        <p:spPr/>
+        <p:txBody>
+          <a:bodyPr/>
+          <a:lstStyle/>
+          <a:p>
+            <a:fld id="{34B7E4EF-A1BD-40F4-AB7B-04F084DD991D}" type="slidenum">
+              <a:rPr lang="en-US" smtClean="0"/>
+              <a:t>17</a:t>
+            </a:fld>
+            <a:endParaRPr lang="en-US" dirty="0"/>
           </a:p>
         </p:txBody>
       </p:sp>
@@ -6263,8 +7001,8 @@
         </p:nvSpPr>
         <p:spPr>
           <a:xfrm>
-            <a:off x="983810" y="5420825"/>
-            <a:ext cx="7589822" cy="646331"/>
+            <a:off x="983810" y="5877580"/>
+            <a:ext cx="10141390" cy="523220"/>
           </a:xfrm>
           <a:prstGeom prst="rect">
             <a:avLst/>
@@ -6277,20 +7015,42 @@
           <a:lstStyle/>
           <a:p>
             <a:r>
-              <a:rPr lang="en-US" b="1" dirty="0"/>
+              <a:rPr lang="en-US" sz="1400" b="1" dirty="0"/>
               <a:t>Source</a:t>
             </a:r>
           </a:p>
           <a:p>
             <a:r>
-              <a:rPr lang="en-US" dirty="0">
+              <a:rPr lang="en-US" sz="1400" dirty="0">
                 <a:solidFill>
                   <a:srgbClr val="00B0F0"/>
                 </a:solidFill>
-              </a:rPr>
-              <a:t>https://www.w3schools.com/CSS/css_selectors.asp</a:t>
-            </a:r>
-            <a:endParaRPr lang="en-US" dirty="0">
+                <a:hlinkClick r:id="rId2">
+                  <a:extLst>
+                    <a:ext uri="{A12FA001-AC4F-418D-AE19-62706E023703}">
+                      <ahyp:hlinkClr xmlns:ahyp="http://schemas.microsoft.com/office/drawing/2018/hyperlinkcolor" val="tx"/>
+                    </a:ext>
+                  </a:extLst>
+                </a:hlinkClick>
+              </a:rPr>
+              <a:t>https://developer.mozilla.org/en-US/docs/Web/CSS/CSS_Flexible_Box_Layout/Basic_Concepts_of</a:t>
+            </a:r>
+            <a:r>
+              <a:rPr lang="en-US" sz="1400">
+                <a:solidFill>
+                  <a:srgbClr val="00B0F0"/>
+                </a:solidFill>
+                <a:hlinkClick r:id="rId2">
+                  <a:extLst>
+                    <a:ext uri="{A12FA001-AC4F-418D-AE19-62706E023703}">
+                      <ahyp:hlinkClr xmlns:ahyp="http://schemas.microsoft.com/office/drawing/2018/hyperlinkcolor" val="tx"/>
+                    </a:ext>
+                  </a:extLst>
+                </a:hlinkClick>
+              </a:rPr>
+              <a:t>_Flexbox</a:t>
+            </a:r>
+            <a:endParaRPr lang="en-US" sz="1400">
               <a:solidFill>
                 <a:srgbClr val="00B0F0"/>
               </a:solidFill>
@@ -6298,46 +7058,16 @@
           </a:p>
         </p:txBody>
       </p:sp>
-      <p:sp>
-        <p:nvSpPr>
-          <p:cNvPr id="5" name="Slide Number Placeholder 4"/>
-          <p:cNvSpPr>
-            <a:spLocks noGrp="1"/>
-          </p:cNvSpPr>
-          <p:nvPr>
-            <p:ph type="sldNum" sz="quarter" idx="12"/>
-          </p:nvPr>
-        </p:nvSpPr>
-        <p:spPr/>
-        <p:txBody>
-          <a:bodyPr/>
-          <a:lstStyle/>
-          <a:p>
-            <a:fld id="{34B7E4EF-A1BD-40F4-AB7B-04F084DD991D}" type="slidenum">
-              <a:rPr lang="en-US" smtClean="0"/>
-              <a:t>17</a:t>
-            </a:fld>
-            <a:endParaRPr lang="en-US" dirty="0"/>
-          </a:p>
-        </p:txBody>
-      </p:sp>
     </p:spTree>
     <p:extLst>
       <p:ext uri="{BB962C8B-B14F-4D97-AF65-F5344CB8AC3E}">
-        <p14:creationId xmlns:p14="http://schemas.microsoft.com/office/powerpoint/2010/main" val="1306118553"/>
+        <p14:creationId xmlns:p14="http://schemas.microsoft.com/office/powerpoint/2010/main" val="2820387909"/>
       </p:ext>
     </p:extLst>
   </p:cSld>
   <p:clrMapOvr>
     <a:masterClrMapping/>
   </p:clrMapOvr>
-  <p:timing>
-    <p:tnLst>
-      <p:par>
-        <p:cTn id="1" dur="indefinite" restart="never" nodeType="tmRoot"/>
-      </p:par>
-    </p:tnLst>
-  </p:timing>
 </p:sld>
 </file>
 
@@ -6363,7 +7093,7 @@
           <p:cNvPr id="2" name="Title 1">
             <a:extLst>
               <a:ext uri="{FF2B5EF4-FFF2-40B4-BE49-F238E27FC236}">
-                <a16:creationId xmlns:a16="http://schemas.microsoft.com/office/drawing/2014/main" xmlns="" id="{BDFAC13C-59B1-436E-B58F-C304E1C705CF}"/>
+                <a16:creationId xmlns:a16="http://schemas.microsoft.com/office/drawing/2014/main" id="{2A314F94-4F43-48C5-8DBA-C49A7E19443A}"/>
               </a:ext>
             </a:extLst>
           </p:cNvPr>
@@ -6374,23 +7104,12 @@
             <p:ph type="title"/>
           </p:nvPr>
         </p:nvSpPr>
-        <p:spPr>
-          <a:xfrm>
-            <a:off x="664233" y="733579"/>
-            <a:ext cx="6189239" cy="1371600"/>
-          </a:xfrm>
-        </p:spPr>
-        <p:txBody>
-          <a:bodyPr>
-            <a:normAutofit/>
-          </a:bodyPr>
-          <a:lstStyle/>
-          <a:p>
-            <a:r>
-              <a:rPr lang="en-US" u="sng" dirty="0" smtClean="0"/>
-              <a:t>CSS Selector Categories</a:t>
-            </a:r>
-            <a:endParaRPr lang="en-US" u="sng" dirty="0"/>
+        <p:spPr/>
+        <p:txBody>
+          <a:bodyPr/>
+          <a:lstStyle/>
+          <a:p>
+            <a:endParaRPr lang="en-US"/>
           </a:p>
         </p:txBody>
       </p:sp>
@@ -6399,7 +7118,7 @@
           <p:cNvPr id="3" name="Content Placeholder 2">
             <a:extLst>
               <a:ext uri="{FF2B5EF4-FFF2-40B4-BE49-F238E27FC236}">
-                <a16:creationId xmlns:a16="http://schemas.microsoft.com/office/drawing/2014/main" xmlns="" id="{844A3DC5-46BF-4BFF-8008-98FD467C4904}"/>
+                <a16:creationId xmlns:a16="http://schemas.microsoft.com/office/drawing/2014/main" id="{2370CCEA-F74C-4F87-86A7-ECCBBA843F67}"/>
               </a:ext>
             </a:extLst>
           </p:cNvPr>
@@ -6410,131 +7129,24 @@
             <p:ph idx="1"/>
           </p:nvPr>
         </p:nvSpPr>
-        <p:spPr>
-          <a:xfrm>
-            <a:off x="1066800" y="2733472"/>
-            <a:ext cx="10058400" cy="2182560"/>
-          </a:xfrm>
-        </p:spPr>
-        <p:txBody>
-          <a:bodyPr>
-            <a:noAutofit/>
-          </a:bodyPr>
-          <a:lstStyle/>
-          <a:p>
-            <a:pPr marL="0" indent="0">
-              <a:buNone/>
-            </a:pPr>
-            <a:r>
-              <a:rPr lang="en-US" sz="1800" dirty="0">
-                <a:cs typeface="Arial" pitchFamily="34" charset="0"/>
-              </a:rPr>
-              <a:t>A combinator selects based upon the relationship between the selectors </a:t>
-            </a:r>
-          </a:p>
-          <a:p>
-            <a:pPr marL="91440" indent="0">
-              <a:buNone/>
-            </a:pPr>
-            <a:r>
-              <a:rPr lang="en-US" sz="1800" dirty="0">
-                <a:cs typeface="Arial" pitchFamily="34" charset="0"/>
-              </a:rPr>
-              <a:t>Types:</a:t>
-            </a:r>
-          </a:p>
-          <a:p>
-            <a:pPr marL="91440" indent="0">
-              <a:buNone/>
-            </a:pPr>
-            <a:r>
-              <a:rPr lang="en-US" sz="1800" dirty="0">
-                <a:cs typeface="Arial" pitchFamily="34" charset="0"/>
-              </a:rPr>
-              <a:t>descendant selector (space)</a:t>
-            </a:r>
-          </a:p>
-          <a:p>
-            <a:pPr marL="91440" indent="0">
-              <a:buNone/>
-            </a:pPr>
-            <a:r>
-              <a:rPr lang="en-US" sz="1800" dirty="0">
-                <a:cs typeface="Arial" pitchFamily="34" charset="0"/>
-              </a:rPr>
-              <a:t>child selector (&gt;)</a:t>
-            </a:r>
-          </a:p>
-          <a:p>
-            <a:pPr marL="91440" indent="0">
-              <a:buNone/>
-            </a:pPr>
-            <a:r>
-              <a:rPr lang="en-US" sz="1800" dirty="0">
-                <a:cs typeface="Arial" pitchFamily="34" charset="0"/>
-              </a:rPr>
-              <a:t>adjacent sibling selector (+)</a:t>
-            </a:r>
-          </a:p>
-          <a:p>
-            <a:pPr marL="91440" indent="0">
-              <a:buNone/>
-            </a:pPr>
-            <a:r>
-              <a:rPr lang="en-US" sz="1800" dirty="0">
-                <a:cs typeface="Arial" pitchFamily="34" charset="0"/>
-              </a:rPr>
-              <a:t>general sibling selector (~)</a:t>
-            </a:r>
-          </a:p>
-        </p:txBody>
-      </p:sp>
-      <p:sp>
-        <p:nvSpPr>
-          <p:cNvPr id="4" name="Rectangle 3"/>
-          <p:cNvSpPr/>
-          <p:nvPr/>
-        </p:nvSpPr>
-        <p:spPr>
-          <a:xfrm>
-            <a:off x="983810" y="5420825"/>
-            <a:ext cx="7589822" cy="646331"/>
-          </a:xfrm>
-          <a:prstGeom prst="rect">
-            <a:avLst/>
-          </a:prstGeom>
-        </p:spPr>
-        <p:txBody>
-          <a:bodyPr wrap="square">
-            <a:spAutoFit/>
-          </a:bodyPr>
-          <a:lstStyle/>
-          <a:p>
-            <a:r>
-              <a:rPr lang="en-US" b="1" dirty="0"/>
-              <a:t>Source</a:t>
-            </a:r>
-          </a:p>
-          <a:p>
-            <a:r>
-              <a:rPr lang="en-US" dirty="0">
-                <a:solidFill>
-                  <a:srgbClr val="00B0F0"/>
-                </a:solidFill>
-              </a:rPr>
-              <a:t>https://www.w3schools.com/CSS/css_combinators.asp</a:t>
-            </a:r>
-            <a:endParaRPr lang="en-US" dirty="0">
-              <a:solidFill>
-                <a:srgbClr val="00B0F0"/>
-              </a:solidFill>
-            </a:endParaRPr>
-          </a:p>
-        </p:txBody>
-      </p:sp>
-      <p:sp>
-        <p:nvSpPr>
-          <p:cNvPr id="5" name="Slide Number Placeholder 4"/>
+        <p:spPr/>
+        <p:txBody>
+          <a:bodyPr/>
+          <a:lstStyle/>
+          <a:p>
+            <a:endParaRPr lang="en-US"/>
+          </a:p>
+        </p:txBody>
+      </p:sp>
+      <p:sp>
+        <p:nvSpPr>
+          <p:cNvPr id="4" name="Slide Number Placeholder 3">
+            <a:extLst>
+              <a:ext uri="{FF2B5EF4-FFF2-40B4-BE49-F238E27FC236}">
+                <a16:creationId xmlns:a16="http://schemas.microsoft.com/office/drawing/2014/main" id="{0AD90B69-D426-496D-AF0A-A02A5A01CAFB}"/>
+              </a:ext>
+            </a:extLst>
+          </p:cNvPr>
           <p:cNvSpPr>
             <a:spLocks noGrp="1"/>
           </p:cNvSpPr>
@@ -6555,23 +7167,67 @@
           </a:p>
         </p:txBody>
       </p:sp>
+      <p:sp>
+        <p:nvSpPr>
+          <p:cNvPr id="5" name="TextBox 4">
+            <a:extLst>
+              <a:ext uri="{FF2B5EF4-FFF2-40B4-BE49-F238E27FC236}">
+                <a16:creationId xmlns:a16="http://schemas.microsoft.com/office/drawing/2014/main" id="{AA91005D-F7B1-4D43-9BDD-69BD05FD5DA6}"/>
+              </a:ext>
+            </a:extLst>
+          </p:cNvPr>
+          <p:cNvSpPr txBox="1"/>
+          <p:nvPr/>
+        </p:nvSpPr>
+        <p:spPr>
+          <a:xfrm>
+            <a:off x="6591299" y="4461990"/>
+            <a:ext cx="4238625" cy="646331"/>
+          </a:xfrm>
+          <a:prstGeom prst="rect">
+            <a:avLst/>
+          </a:prstGeom>
+          <a:solidFill>
+            <a:srgbClr val="FCF7F1"/>
+          </a:solidFill>
+        </p:spPr>
+        <p:txBody>
+          <a:bodyPr wrap="square" rtlCol="0">
+            <a:spAutoFit/>
+          </a:bodyPr>
+          <a:lstStyle/>
+          <a:p>
+            <a:r>
+              <a:rPr lang="en-US" b="1">
+                <a:solidFill>
+                  <a:srgbClr val="FF0000"/>
+                </a:solidFill>
+              </a:rPr>
+              <a:t>TODO:</a:t>
+            </a:r>
+          </a:p>
+          <a:p>
+            <a:r>
+              <a:rPr lang="en-US" b="1">
+                <a:solidFill>
+                  <a:srgbClr val="FF0000"/>
+                </a:solidFill>
+              </a:rPr>
+              <a:t>Add explanation of flexbox</a:t>
+            </a:r>
+          </a:p>
+        </p:txBody>
+      </p:sp>
     </p:spTree>
     <p:extLst>
       <p:ext uri="{BB962C8B-B14F-4D97-AF65-F5344CB8AC3E}">
-        <p14:creationId xmlns:p14="http://schemas.microsoft.com/office/powerpoint/2010/main" val="703494318"/>
+        <p14:creationId xmlns:p14="http://schemas.microsoft.com/office/powerpoint/2010/main" val="2990649290"/>
       </p:ext>
     </p:extLst>
   </p:cSld>
   <p:clrMapOvr>
     <a:masterClrMapping/>
   </p:clrMapOvr>
-  <p:timing>
-    <p:tnLst>
-      <p:par>
-        <p:cTn id="1" dur="indefinite" restart="never" nodeType="tmRoot"/>
-      </p:par>
-    </p:tnLst>
-  </p:timing>
 </p:sld>
 </file>
 
@@ -6597,7 +7253,7 @@
           <p:cNvPr id="2" name="Title 1">
             <a:extLst>
               <a:ext uri="{FF2B5EF4-FFF2-40B4-BE49-F238E27FC236}">
-                <a16:creationId xmlns:a16="http://schemas.microsoft.com/office/drawing/2014/main" xmlns="" id="{BDFAC13C-59B1-436E-B58F-C304E1C705CF}"/>
+                <a16:creationId xmlns:a16="http://schemas.microsoft.com/office/drawing/2014/main" id="{D8AC5BD4-63B5-4E42-A498-A592EC74F57A}"/>
               </a:ext>
             </a:extLst>
           </p:cNvPr>
@@ -6608,23 +7264,15 @@
             <p:ph type="title"/>
           </p:nvPr>
         </p:nvSpPr>
-        <p:spPr>
-          <a:xfrm>
-            <a:off x="664233" y="733579"/>
-            <a:ext cx="6189239" cy="1371600"/>
-          </a:xfrm>
-        </p:spPr>
-        <p:txBody>
-          <a:bodyPr>
-            <a:normAutofit/>
-          </a:bodyPr>
-          <a:lstStyle/>
-          <a:p>
-            <a:r>
-              <a:rPr lang="en-US" u="sng" dirty="0" smtClean="0"/>
-              <a:t>CSS Selector Categories</a:t>
-            </a:r>
-            <a:endParaRPr lang="en-US" u="sng" dirty="0"/>
+        <p:spPr/>
+        <p:txBody>
+          <a:bodyPr/>
+          <a:lstStyle/>
+          <a:p>
+            <a:r>
+              <a:rPr lang="en-US" u="sng" dirty="0"/>
+              <a:t>A Complete Guide to Flexbox</a:t>
+            </a:r>
           </a:p>
         </p:txBody>
       </p:sp>
@@ -6633,7 +7281,7 @@
           <p:cNvPr id="3" name="Content Placeholder 2">
             <a:extLst>
               <a:ext uri="{FF2B5EF4-FFF2-40B4-BE49-F238E27FC236}">
-                <a16:creationId xmlns:a16="http://schemas.microsoft.com/office/drawing/2014/main" xmlns="" id="{844A3DC5-46BF-4BFF-8008-98FD467C4904}"/>
+                <a16:creationId xmlns:a16="http://schemas.microsoft.com/office/drawing/2014/main" id="{DA6819DF-DD88-4E11-B08E-05BBF38FCF01}"/>
               </a:ext>
             </a:extLst>
           </p:cNvPr>
@@ -6646,190 +7294,109 @@
         </p:nvSpPr>
         <p:spPr>
           <a:xfrm>
-            <a:off x="1066800" y="2733472"/>
-            <a:ext cx="10058400" cy="2182560"/>
+            <a:off x="1066800" y="1902691"/>
+            <a:ext cx="10058400" cy="794327"/>
           </a:xfrm>
         </p:spPr>
         <p:txBody>
-          <a:bodyPr>
-            <a:noAutofit/>
-          </a:bodyPr>
+          <a:bodyPr/>
           <a:lstStyle/>
           <a:p>
             <a:pPr marL="0" indent="0">
               <a:buNone/>
             </a:pPr>
             <a:r>
-              <a:rPr lang="en-US" sz="2000" dirty="0">
-                <a:latin typeface="Arial" pitchFamily="34" charset="0"/>
-                <a:cs typeface="Arial" pitchFamily="34" charset="0"/>
-              </a:rPr>
-              <a:t>A pseudo-class selects based on a special state of an element </a:t>
-            </a:r>
-          </a:p>
-          <a:p>
-            <a:pPr indent="0">
+              <a:rPr lang="en-US" b="1" dirty="0"/>
+              <a:t>See </a:t>
+            </a:r>
+            <a:r>
+              <a:rPr lang="en-US" b="1" dirty="0">
+                <a:hlinkClick r:id="rId2"/>
+              </a:rPr>
+              <a:t>https://css-tricks.com/snippets/css/a-guide-to-flexbox/</a:t>
+            </a:r>
+            <a:endParaRPr lang="en-US" b="1" dirty="0"/>
+          </a:p>
+          <a:p>
+            <a:pPr marL="0" indent="0">
               <a:buNone/>
             </a:pPr>
             <a:r>
-              <a:rPr lang="en-US" sz="1800" dirty="0">
-                <a:latin typeface="Arial" panose="020B0604020202020204" pitchFamily="34" charset="0"/>
-                <a:cs typeface="Arial" pitchFamily="34" charset="0"/>
-              </a:rPr>
-              <a:t>Types (must be listed in this order to </a:t>
-            </a:r>
-            <a:r>
-              <a:rPr lang="en-US" sz="1800" i="1" dirty="0">
-                <a:latin typeface="Arial" panose="020B0604020202020204" pitchFamily="34" charset="0"/>
-                <a:cs typeface="Arial" pitchFamily="34" charset="0"/>
-              </a:rPr>
-              <a:t>work</a:t>
-            </a:r>
-            <a:r>
-              <a:rPr lang="en-US" sz="1800" dirty="0">
-                <a:latin typeface="Arial" panose="020B0604020202020204" pitchFamily="34" charset="0"/>
-                <a:cs typeface="Arial" pitchFamily="34" charset="0"/>
-              </a:rPr>
-              <a:t>):</a:t>
-            </a:r>
-          </a:p>
-          <a:p>
-            <a:pPr indent="0">
-              <a:buNone/>
-            </a:pPr>
-            <a:r>
-              <a:rPr lang="en-US" sz="1800" dirty="0">
-                <a:latin typeface="Arial" panose="020B0604020202020204" pitchFamily="34" charset="0"/>
-                <a:cs typeface="Arial" pitchFamily="34" charset="0"/>
-              </a:rPr>
-              <a:t>link</a:t>
-            </a:r>
-          </a:p>
-          <a:p>
-            <a:pPr indent="0">
-              <a:buNone/>
-            </a:pPr>
-            <a:r>
-              <a:rPr lang="en-US" sz="1800" dirty="0">
-                <a:latin typeface="Arial" panose="020B0604020202020204" pitchFamily="34" charset="0"/>
-                <a:cs typeface="Arial" pitchFamily="34" charset="0"/>
-              </a:rPr>
-              <a:t>visited</a:t>
-            </a:r>
-          </a:p>
-          <a:p>
-            <a:pPr indent="0">
-              <a:buNone/>
-            </a:pPr>
-            <a:r>
-              <a:rPr lang="en-US" sz="1800" dirty="0">
-                <a:latin typeface="Arial" panose="020B0604020202020204" pitchFamily="34" charset="0"/>
-                <a:cs typeface="Arial" pitchFamily="34" charset="0"/>
-              </a:rPr>
-              <a:t>hover</a:t>
-            </a:r>
-          </a:p>
-          <a:p>
-            <a:pPr indent="0">
-              <a:buNone/>
-            </a:pPr>
-            <a:r>
-              <a:rPr lang="en-US" sz="1800" dirty="0">
-                <a:latin typeface="Arial" panose="020B0604020202020204" pitchFamily="34" charset="0"/>
-                <a:cs typeface="Arial" pitchFamily="34" charset="0"/>
-              </a:rPr>
-              <a:t>active</a:t>
-            </a:r>
-            <a:endParaRPr lang="en-US" sz="1800" dirty="0">
-              <a:latin typeface="Arial" panose="020B0604020202020204" pitchFamily="34" charset="0"/>
-              <a:cs typeface="Arial" pitchFamily="34" charset="0"/>
-            </a:endParaRPr>
-          </a:p>
-        </p:txBody>
-      </p:sp>
-      <p:sp>
-        <p:nvSpPr>
-          <p:cNvPr id="4" name="Rectangle 3"/>
-          <p:cNvSpPr/>
+              <a:rPr lang="en-US" b="1" dirty="0"/>
+              <a:t>for a complete and thorough explanation of flexbox (with helpful pictures.)</a:t>
+            </a:r>
+          </a:p>
+        </p:txBody>
+      </p:sp>
+      <p:sp>
+        <p:nvSpPr>
+          <p:cNvPr id="4" name="Slide Number Placeholder 3">
+            <a:extLst>
+              <a:ext uri="{FF2B5EF4-FFF2-40B4-BE49-F238E27FC236}">
+                <a16:creationId xmlns:a16="http://schemas.microsoft.com/office/drawing/2014/main" id="{513AC98F-97F8-41AF-96AA-B9598A9BC78E}"/>
+              </a:ext>
+            </a:extLst>
+          </p:cNvPr>
+          <p:cNvSpPr>
+            <a:spLocks noGrp="1"/>
+          </p:cNvSpPr>
+          <p:nvPr>
+            <p:ph type="sldNum" sz="quarter" idx="12"/>
+          </p:nvPr>
+        </p:nvSpPr>
+        <p:spPr/>
+        <p:txBody>
+          <a:bodyPr/>
+          <a:lstStyle/>
+          <a:p>
+            <a:fld id="{34B7E4EF-A1BD-40F4-AB7B-04F084DD991D}" type="slidenum">
+              <a:rPr lang="en-US" smtClean="0"/>
+              <a:t>19</a:t>
+            </a:fld>
+            <a:endParaRPr lang="en-US" dirty="0"/>
+          </a:p>
+        </p:txBody>
+      </p:sp>
+      <p:pic>
+        <p:nvPicPr>
+          <p:cNvPr id="5" name="Picture 4">
+            <a:extLst>
+              <a:ext uri="{FF2B5EF4-FFF2-40B4-BE49-F238E27FC236}">
+                <a16:creationId xmlns:a16="http://schemas.microsoft.com/office/drawing/2014/main" id="{3F3518B0-23B6-416B-AF21-2830E29FA83B}"/>
+              </a:ext>
+            </a:extLst>
+          </p:cNvPr>
+          <p:cNvPicPr>
+            <a:picLocks noChangeAspect="1"/>
+          </p:cNvPicPr>
           <p:nvPr/>
-        </p:nvSpPr>
+        </p:nvPicPr>
+        <p:blipFill>
+          <a:blip r:embed="rId3"/>
+          <a:stretch>
+            <a:fillRect/>
+          </a:stretch>
+        </p:blipFill>
         <p:spPr>
           <a:xfrm>
-            <a:off x="983810" y="5420825"/>
-            <a:ext cx="7589822" cy="646331"/>
+            <a:off x="2857500" y="2784120"/>
+            <a:ext cx="6477000" cy="3257550"/>
           </a:xfrm>
           <a:prstGeom prst="rect">
             <a:avLst/>
           </a:prstGeom>
         </p:spPr>
-        <p:txBody>
-          <a:bodyPr wrap="square">
-            <a:spAutoFit/>
-          </a:bodyPr>
-          <a:lstStyle/>
-          <a:p>
-            <a:r>
-              <a:rPr lang="en-US" b="1" dirty="0"/>
-              <a:t>Source</a:t>
-            </a:r>
-          </a:p>
-          <a:p>
-            <a:r>
-              <a:rPr lang="en-US" dirty="0">
-                <a:solidFill>
-                  <a:srgbClr val="00B0F0"/>
-                </a:solidFill>
-              </a:rPr>
-              <a:t>https://www.w3schools.com/css/css_pseudo_classes.asp</a:t>
-            </a:r>
-            <a:endParaRPr lang="en-US" dirty="0">
-              <a:solidFill>
-                <a:srgbClr val="00B0F0"/>
-              </a:solidFill>
-            </a:endParaRPr>
-          </a:p>
-        </p:txBody>
-      </p:sp>
-      <p:sp>
-        <p:nvSpPr>
-          <p:cNvPr id="5" name="Slide Number Placeholder 4"/>
-          <p:cNvSpPr>
-            <a:spLocks noGrp="1"/>
-          </p:cNvSpPr>
-          <p:nvPr>
-            <p:ph type="sldNum" sz="quarter" idx="12"/>
-          </p:nvPr>
-        </p:nvSpPr>
-        <p:spPr/>
-        <p:txBody>
-          <a:bodyPr/>
-          <a:lstStyle/>
-          <a:p>
-            <a:fld id="{34B7E4EF-A1BD-40F4-AB7B-04F084DD991D}" type="slidenum">
-              <a:rPr lang="en-US" smtClean="0"/>
-              <a:t>19</a:t>
-            </a:fld>
-            <a:endParaRPr lang="en-US" dirty="0"/>
-          </a:p>
-        </p:txBody>
-      </p:sp>
+      </p:pic>
     </p:spTree>
     <p:extLst>
       <p:ext uri="{BB962C8B-B14F-4D97-AF65-F5344CB8AC3E}">
-        <p14:creationId xmlns:p14="http://schemas.microsoft.com/office/powerpoint/2010/main" val="1335222174"/>
+        <p14:creationId xmlns:p14="http://schemas.microsoft.com/office/powerpoint/2010/main" val="734748242"/>
       </p:ext>
     </p:extLst>
   </p:cSld>
   <p:clrMapOvr>
     <a:masterClrMapping/>
   </p:clrMapOvr>
-  <p:timing>
-    <p:tnLst>
-      <p:par>
-        <p:cTn id="1" dur="indefinite" restart="never" nodeType="tmRoot"/>
-      </p:par>
-    </p:tnLst>
-  </p:timing>
 </p:sld>
 </file>
 
@@ -6855,7 +7422,7 @@
           <p:cNvPr id="2" name="Title 1">
             <a:extLst>
               <a:ext uri="{FF2B5EF4-FFF2-40B4-BE49-F238E27FC236}">
-                <a16:creationId xmlns:a16="http://schemas.microsoft.com/office/drawing/2014/main" xmlns="" id="{BDFAC13C-59B1-436E-B58F-C304E1C705CF}"/>
+                <a16:creationId xmlns:a16="http://schemas.microsoft.com/office/drawing/2014/main" id="{BDFAC13C-59B1-436E-B58F-C304E1C705CF}"/>
               </a:ext>
             </a:extLst>
           </p:cNvPr>
@@ -6866,12 +7433,7 @@
             <p:ph type="title"/>
           </p:nvPr>
         </p:nvSpPr>
-        <p:spPr>
-          <a:xfrm>
-            <a:off x="664234" y="733579"/>
-            <a:ext cx="5077520" cy="1371600"/>
-          </a:xfrm>
-        </p:spPr>
+        <p:spPr/>
         <p:txBody>
           <a:bodyPr>
             <a:normAutofit/>
@@ -6879,10 +7441,9 @@
           <a:lstStyle/>
           <a:p>
             <a:r>
-              <a:rPr lang="en-US" u="sng" dirty="0" smtClean="0"/>
+              <a:rPr lang="en-US" u="sng" dirty="0"/>
               <a:t>Objectives</a:t>
             </a:r>
-            <a:endParaRPr lang="en-US" u="sng" dirty="0"/>
           </a:p>
         </p:txBody>
       </p:sp>
@@ -6891,7 +7452,7 @@
           <p:cNvPr id="3" name="Content Placeholder 2">
             <a:extLst>
               <a:ext uri="{FF2B5EF4-FFF2-40B4-BE49-F238E27FC236}">
-                <a16:creationId xmlns:a16="http://schemas.microsoft.com/office/drawing/2014/main" xmlns="" id="{844A3DC5-46BF-4BFF-8008-98FD467C4904}"/>
+                <a16:creationId xmlns:a16="http://schemas.microsoft.com/office/drawing/2014/main" id="{844A3DC5-46BF-4BFF-8008-98FD467C4904}"/>
               </a:ext>
             </a:extLst>
           </p:cNvPr>
@@ -6902,12 +7463,7 @@
             <p:ph idx="1"/>
           </p:nvPr>
         </p:nvSpPr>
-        <p:spPr>
-          <a:xfrm>
-            <a:off x="1066800" y="2733472"/>
-            <a:ext cx="10058400" cy="1919267"/>
-          </a:xfrm>
-        </p:spPr>
+        <p:spPr/>
         <p:txBody>
           <a:bodyPr>
             <a:noAutofit/>
@@ -6918,7 +7474,7 @@
               <a:rPr lang="en-US" sz="1800" dirty="0">
                 <a:cs typeface="Arial" panose="020B0604020202020204" pitchFamily="34" charset="0"/>
               </a:rPr>
-              <a:t>Review The 3 CSS Types</a:t>
+              <a:t>Apply styles with Inline Styles, Embedded Stylesheets, and External Stylesheets</a:t>
             </a:r>
           </a:p>
           <a:p>
@@ -6926,7 +7482,7 @@
               <a:rPr lang="en-US" sz="1800" dirty="0">
                 <a:cs typeface="Arial" panose="020B0604020202020204" pitchFamily="34" charset="0"/>
               </a:rPr>
-              <a:t>Review The CSS Box Model</a:t>
+              <a:t>Understand the CSS Box Model</a:t>
             </a:r>
           </a:p>
           <a:p>
@@ -6934,7 +7490,7 @@
               <a:rPr lang="en-US" sz="1800" dirty="0">
                 <a:cs typeface="Arial" panose="020B0604020202020204" pitchFamily="34" charset="0"/>
               </a:rPr>
-              <a:t>Explain What CSS Flexbox Is</a:t>
+              <a:t>Use CSS Flexbox to implement page layouts</a:t>
             </a:r>
           </a:p>
           <a:p>
@@ -6942,7 +7498,7 @@
               <a:rPr lang="en-US" sz="1800" dirty="0">
                 <a:cs typeface="Arial" panose="020B0604020202020204" pitchFamily="34" charset="0"/>
               </a:rPr>
-              <a:t>Explain What CSS Grid Layout Is</a:t>
+              <a:t>Use the main CSS selectors: type, class, id</a:t>
             </a:r>
           </a:p>
           <a:p>
@@ -6950,7 +7506,7 @@
               <a:rPr lang="en-US" sz="1800" dirty="0">
                 <a:cs typeface="Arial" panose="020B0604020202020204" pitchFamily="34" charset="0"/>
               </a:rPr>
-              <a:t>Review The Main CSS Selectors</a:t>
+              <a:t>Use CSS relational selectors: descendent and direct descendent</a:t>
             </a:r>
           </a:p>
           <a:p>
@@ -6958,11 +7514,16 @@
               <a:rPr lang="en-US" sz="1800" dirty="0">
                 <a:cs typeface="Arial" panose="020B0604020202020204" pitchFamily="34" charset="0"/>
               </a:rPr>
-              <a:t>Review The CSS Relational Selectors</a:t>
-            </a:r>
-            <a:endParaRPr lang="en-US" sz="1800" dirty="0">
-              <a:cs typeface="Arial" panose="020B0604020202020204" pitchFamily="34" charset="0"/>
-            </a:endParaRPr>
+              <a:t>Use CSS properties to style text</a:t>
+            </a:r>
+          </a:p>
+          <a:p>
+            <a:r>
+              <a:rPr lang="en-US" sz="1800" dirty="0">
+                <a:cs typeface="Arial" panose="020B0604020202020204" pitchFamily="34" charset="0"/>
+              </a:rPr>
+              <a:t>Use CSS properties to change background and foreground colors</a:t>
+            </a:r>
           </a:p>
         </p:txBody>
       </p:sp>
@@ -6999,13 +7560,6 @@
   <p:clrMapOvr>
     <a:masterClrMapping/>
   </p:clrMapOvr>
-  <p:timing>
-    <p:tnLst>
-      <p:par>
-        <p:cTn id="1" dur="indefinite" restart="never" nodeType="tmRoot"/>
-      </p:par>
-    </p:tnLst>
-  </p:timing>
 </p:sld>
 </file>
 
@@ -7028,10 +7582,10 @@
       </p:grpSpPr>
       <p:sp>
         <p:nvSpPr>
-          <p:cNvPr id="2" name="Title 1">
+          <p:cNvPr id="5" name="Title 4">
             <a:extLst>
               <a:ext uri="{FF2B5EF4-FFF2-40B4-BE49-F238E27FC236}">
-                <a16:creationId xmlns:a16="http://schemas.microsoft.com/office/drawing/2014/main" xmlns="" id="{BDFAC13C-59B1-436E-B58F-C304E1C705CF}"/>
+                <a16:creationId xmlns:a16="http://schemas.microsoft.com/office/drawing/2014/main" id="{89DA77E3-31EF-47E3-B595-7B74647FDE88}"/>
               </a:ext>
             </a:extLst>
           </p:cNvPr>
@@ -7042,32 +7596,24 @@
             <p:ph type="title"/>
           </p:nvPr>
         </p:nvSpPr>
-        <p:spPr>
-          <a:xfrm>
-            <a:off x="664233" y="733579"/>
-            <a:ext cx="6189239" cy="1371600"/>
-          </a:xfrm>
-        </p:spPr>
-        <p:txBody>
-          <a:bodyPr>
-            <a:normAutofit/>
-          </a:bodyPr>
-          <a:lstStyle/>
-          <a:p>
-            <a:r>
-              <a:rPr lang="en-US" u="sng" dirty="0" smtClean="0"/>
-              <a:t>CSS Selector Categories</a:t>
-            </a:r>
-            <a:endParaRPr lang="en-US" u="sng" dirty="0"/>
-          </a:p>
-        </p:txBody>
-      </p:sp>
-      <p:sp>
-        <p:nvSpPr>
-          <p:cNvPr id="3" name="Content Placeholder 2">
+        <p:spPr/>
+        <p:txBody>
+          <a:bodyPr/>
+          <a:lstStyle/>
+          <a:p>
+            <a:r>
+              <a:rPr lang="en-US" cap="none" dirty="0"/>
+              <a:t>CSS Selectors</a:t>
+            </a:r>
+          </a:p>
+        </p:txBody>
+      </p:sp>
+      <p:sp>
+        <p:nvSpPr>
+          <p:cNvPr id="6" name="Text Placeholder 5">
             <a:extLst>
               <a:ext uri="{FF2B5EF4-FFF2-40B4-BE49-F238E27FC236}">
-                <a16:creationId xmlns:a16="http://schemas.microsoft.com/office/drawing/2014/main" xmlns="" id="{844A3DC5-46BF-4BFF-8008-98FD467C4904}"/>
+                <a16:creationId xmlns:a16="http://schemas.microsoft.com/office/drawing/2014/main" id="{460EE982-E208-4B5A-9658-D27D265F5B07}"/>
               </a:ext>
             </a:extLst>
           </p:cNvPr>
@@ -7075,148 +7621,30 @@
             <a:spLocks noGrp="1"/>
           </p:cNvSpPr>
           <p:nvPr>
-            <p:ph idx="1"/>
-          </p:nvPr>
-        </p:nvSpPr>
-        <p:spPr>
-          <a:xfrm>
-            <a:off x="1066800" y="2317687"/>
-            <a:ext cx="10058400" cy="2598345"/>
-          </a:xfrm>
-        </p:spPr>
-        <p:txBody>
-          <a:bodyPr>
-            <a:noAutofit/>
-          </a:bodyPr>
-          <a:lstStyle/>
-          <a:p>
-            <a:pPr marL="0" indent="0">
-              <a:buNone/>
-            </a:pPr>
-            <a:r>
-              <a:rPr lang="en-US" sz="1800" dirty="0">
-                <a:cs typeface="Arial" pitchFamily="34" charset="0"/>
-              </a:rPr>
-              <a:t>A CSS pseudo-element is used to style specified parts of an element</a:t>
-            </a:r>
-          </a:p>
-          <a:p>
-            <a:pPr indent="0">
-              <a:buNone/>
-            </a:pPr>
-            <a:r>
-              <a:rPr lang="en-US" sz="1800" dirty="0">
-                <a:cs typeface="Arial" pitchFamily="34" charset="0"/>
-              </a:rPr>
-              <a:t>Types:</a:t>
-            </a:r>
-          </a:p>
-          <a:p>
-            <a:pPr indent="0">
-              <a:buNone/>
-            </a:pPr>
-            <a:r>
-              <a:rPr lang="en-US" sz="1800" dirty="0">
-                <a:cs typeface="Arial" pitchFamily="34" charset="0"/>
-              </a:rPr>
-              <a:t>::after		Inserts after element</a:t>
-            </a:r>
-          </a:p>
-          <a:p>
-            <a:pPr indent="0">
-              <a:buNone/>
-            </a:pPr>
-            <a:r>
-              <a:rPr lang="en-US" sz="1800" dirty="0">
-                <a:cs typeface="Arial" pitchFamily="34" charset="0"/>
-              </a:rPr>
-              <a:t>::before   	Inserts before element</a:t>
-            </a:r>
-          </a:p>
-          <a:p>
-            <a:pPr indent="0">
-              <a:buNone/>
-            </a:pPr>
-            <a:r>
-              <a:rPr lang="en-US" sz="1800" dirty="0">
-                <a:cs typeface="Arial" pitchFamily="34" charset="0"/>
-              </a:rPr>
-              <a:t>::first-letter	Selects first letter</a:t>
-            </a:r>
-          </a:p>
-          <a:p>
-            <a:pPr indent="0">
-              <a:buNone/>
-            </a:pPr>
-            <a:r>
-              <a:rPr lang="en-US" sz="1800" dirty="0">
-                <a:cs typeface="Arial" pitchFamily="34" charset="0"/>
-              </a:rPr>
-              <a:t>::first-line 	Selects first line</a:t>
-            </a:r>
-          </a:p>
-          <a:p>
-            <a:pPr indent="0">
-              <a:buNone/>
-            </a:pPr>
-            <a:r>
-              <a:rPr lang="en-US" sz="1800" dirty="0">
-                <a:cs typeface="Arial" pitchFamily="34" charset="0"/>
-              </a:rPr>
-              <a:t>::selection	Selects portion of an element</a:t>
-            </a:r>
-            <a:endParaRPr lang="en-US" sz="1800" dirty="0">
-              <a:cs typeface="Arial" pitchFamily="34" charset="0"/>
-            </a:endParaRPr>
-          </a:p>
-        </p:txBody>
-      </p:sp>
-      <p:sp>
-        <p:nvSpPr>
-          <p:cNvPr id="4" name="Rectangle 3"/>
-          <p:cNvSpPr/>
-          <p:nvPr/>
-        </p:nvSpPr>
-        <p:spPr>
-          <a:xfrm>
-            <a:off x="983810" y="5420825"/>
-            <a:ext cx="7589822" cy="646331"/>
-          </a:xfrm>
-          <a:prstGeom prst="rect">
-            <a:avLst/>
-          </a:prstGeom>
-        </p:spPr>
-        <p:txBody>
-          <a:bodyPr wrap="square">
-            <a:spAutoFit/>
-          </a:bodyPr>
-          <a:lstStyle/>
-          <a:p>
-            <a:r>
-              <a:rPr lang="en-US" b="1" dirty="0"/>
-              <a:t>Source</a:t>
-            </a:r>
-          </a:p>
-          <a:p>
-            <a:r>
-              <a:rPr lang="en-US" dirty="0">
-                <a:solidFill>
-                  <a:srgbClr val="00B0F0"/>
-                </a:solidFill>
-              </a:rPr>
-              <a:t>https://www.w3schools.com/CSS/css_pseudo_elements.asp</a:t>
-            </a:r>
-            <a:endParaRPr lang="en-US" dirty="0">
-              <a:solidFill>
-                <a:srgbClr val="00B0F0"/>
-              </a:solidFill>
-            </a:endParaRPr>
-          </a:p>
-        </p:txBody>
-      </p:sp>
-      <p:sp>
-        <p:nvSpPr>
-          <p:cNvPr id="5" name="Slide Number Placeholder 4"/>
+            <p:ph type="body" idx="1"/>
+          </p:nvPr>
+        </p:nvSpPr>
+        <p:spPr/>
+        <p:txBody>
+          <a:bodyPr/>
+          <a:lstStyle/>
+          <a:p>
+            <a:r>
+              <a:rPr lang="en-US" dirty="0"/>
+              <a:t>Using selectors to pick what elements to style.</a:t>
+            </a:r>
+          </a:p>
+        </p:txBody>
+      </p:sp>
+      <p:sp>
+        <p:nvSpPr>
+          <p:cNvPr id="4" name="Slide Number Placeholder 3">
+            <a:extLst>
+              <a:ext uri="{FF2B5EF4-FFF2-40B4-BE49-F238E27FC236}">
+                <a16:creationId xmlns:a16="http://schemas.microsoft.com/office/drawing/2014/main" id="{F78313E1-DACA-4522-B8E2-EEA3155037D8}"/>
+              </a:ext>
+            </a:extLst>
+          </p:cNvPr>
           <p:cNvSpPr>
             <a:spLocks noGrp="1"/>
           </p:cNvSpPr>
@@ -7240,20 +7668,13 @@
     </p:spTree>
     <p:extLst>
       <p:ext uri="{BB962C8B-B14F-4D97-AF65-F5344CB8AC3E}">
-        <p14:creationId xmlns:p14="http://schemas.microsoft.com/office/powerpoint/2010/main" val="3683527146"/>
+        <p14:creationId xmlns:p14="http://schemas.microsoft.com/office/powerpoint/2010/main" val="285071518"/>
       </p:ext>
     </p:extLst>
   </p:cSld>
   <p:clrMapOvr>
     <a:masterClrMapping/>
   </p:clrMapOvr>
-  <p:timing>
-    <p:tnLst>
-      <p:par>
-        <p:cTn id="1" dur="indefinite" restart="never" nodeType="tmRoot"/>
-      </p:par>
-    </p:tnLst>
-  </p:timing>
 </p:sld>
 </file>
 
@@ -7279,7 +7700,7 @@
           <p:cNvPr id="2" name="Title 1">
             <a:extLst>
               <a:ext uri="{FF2B5EF4-FFF2-40B4-BE49-F238E27FC236}">
-                <a16:creationId xmlns:a16="http://schemas.microsoft.com/office/drawing/2014/main" xmlns="" id="{BDFAC13C-59B1-436E-B58F-C304E1C705CF}"/>
+                <a16:creationId xmlns:a16="http://schemas.microsoft.com/office/drawing/2014/main" id="{BDFAC13C-59B1-436E-B58F-C304E1C705CF}"/>
               </a:ext>
             </a:extLst>
           </p:cNvPr>
@@ -7290,12 +7711,7 @@
             <p:ph type="title"/>
           </p:nvPr>
         </p:nvSpPr>
-        <p:spPr>
-          <a:xfrm>
-            <a:off x="664233" y="733579"/>
-            <a:ext cx="6189239" cy="1371600"/>
-          </a:xfrm>
-        </p:spPr>
+        <p:spPr/>
         <p:txBody>
           <a:bodyPr>
             <a:normAutofit/>
@@ -7303,10 +7719,9 @@
           <a:lstStyle/>
           <a:p>
             <a:r>
-              <a:rPr lang="en-US" u="sng" dirty="0" smtClean="0"/>
-              <a:t>CSS Selector Categories</a:t>
-            </a:r>
-            <a:endParaRPr lang="en-US" u="sng" dirty="0"/>
+              <a:rPr lang="en-US" u="sng" dirty="0"/>
+              <a:t>CSS Selectors</a:t>
+            </a:r>
           </a:p>
         </p:txBody>
       </p:sp>
@@ -7315,7 +7730,7 @@
           <p:cNvPr id="3" name="Content Placeholder 2">
             <a:extLst>
               <a:ext uri="{FF2B5EF4-FFF2-40B4-BE49-F238E27FC236}">
-                <a16:creationId xmlns:a16="http://schemas.microsoft.com/office/drawing/2014/main" xmlns="" id="{844A3DC5-46BF-4BFF-8008-98FD467C4904}"/>
+                <a16:creationId xmlns:a16="http://schemas.microsoft.com/office/drawing/2014/main" id="{844A3DC5-46BF-4BFF-8008-98FD467C4904}"/>
               </a:ext>
             </a:extLst>
           </p:cNvPr>
@@ -7326,15 +7741,10 @@
             <p:ph idx="1"/>
           </p:nvPr>
         </p:nvSpPr>
-        <p:spPr>
-          <a:xfrm>
-            <a:off x="1066800" y="2317687"/>
-            <a:ext cx="10058400" cy="2598345"/>
-          </a:xfrm>
-        </p:spPr>
+        <p:spPr/>
         <p:txBody>
           <a:bodyPr>
-            <a:noAutofit/>
+            <a:normAutofit/>
           </a:bodyPr>
           <a:lstStyle/>
           <a:p>
@@ -7345,7 +7755,7 @@
               <a:rPr lang="en-US" sz="1800" dirty="0">
                 <a:cs typeface="Arial" pitchFamily="34" charset="0"/>
               </a:rPr>
-              <a:t>A CSS attribute selector selects elements with a specified attribute</a:t>
+              <a:t>See the following URL for a complete list of all CSS Selectors:</a:t>
             </a:r>
           </a:p>
           <a:p>
@@ -7355,99 +7765,16 @@
             <a:r>
               <a:rPr lang="en-US" sz="1800" dirty="0">
                 <a:cs typeface="Arial" pitchFamily="34" charset="0"/>
-              </a:rPr>
-              <a:t>Types:</a:t>
-            </a:r>
-          </a:p>
-          <a:p>
-            <a:pPr indent="0">
-              <a:buNone/>
-            </a:pPr>
+                <a:hlinkClick r:id="rId2"/>
+              </a:rPr>
+              <a:t>https://developer.mozilla.org/en-US/docs/CSS/CSS_Reference</a:t>
+            </a:r>
             <a:r>
               <a:rPr lang="en-US" sz="1800" dirty="0">
                 <a:cs typeface="Arial" pitchFamily="34" charset="0"/>
               </a:rPr>
-              <a:t>[attribute]</a:t>
-            </a:r>
-          </a:p>
-          <a:p>
-            <a:pPr indent="0">
-              <a:buNone/>
-            </a:pPr>
-            <a:r>
-              <a:rPr lang="en-US" sz="1800" dirty="0">
-                <a:cs typeface="Arial" pitchFamily="34" charset="0"/>
-              </a:rPr>
-              <a:t>[attribute=value]</a:t>
-            </a:r>
-          </a:p>
-          <a:p>
-            <a:pPr indent="0">
-              <a:buNone/>
-            </a:pPr>
-            <a:r>
-              <a:rPr lang="en-US" sz="1800" dirty="0">
-                <a:cs typeface="Arial" pitchFamily="34" charset="0"/>
-              </a:rPr>
-              <a:t>[attribute~=value]</a:t>
-            </a:r>
-          </a:p>
-          <a:p>
-            <a:pPr indent="0">
-              <a:buNone/>
-            </a:pPr>
-            <a:r>
-              <a:rPr lang="en-US" sz="1800" dirty="0">
-                <a:cs typeface="Arial" pitchFamily="34" charset="0"/>
-              </a:rPr>
-              <a:t>[attribute|=value]</a:t>
-            </a:r>
-            <a:endParaRPr lang="en-US" sz="1800" dirty="0">
-              <a:cs typeface="Arial" pitchFamily="34" charset="0"/>
-            </a:endParaRPr>
-          </a:p>
-        </p:txBody>
-      </p:sp>
-      <p:sp>
-        <p:nvSpPr>
-          <p:cNvPr id="4" name="Rectangle 3"/>
-          <p:cNvSpPr/>
-          <p:nvPr/>
-        </p:nvSpPr>
-        <p:spPr>
-          <a:xfrm>
-            <a:off x="983810" y="5420825"/>
-            <a:ext cx="7589822" cy="646331"/>
-          </a:xfrm>
-          <a:prstGeom prst="rect">
-            <a:avLst/>
-          </a:prstGeom>
-        </p:spPr>
-        <p:txBody>
-          <a:bodyPr wrap="square">
-            <a:spAutoFit/>
-          </a:bodyPr>
-          <a:lstStyle/>
-          <a:p>
-            <a:r>
-              <a:rPr lang="en-US" b="1" dirty="0"/>
-              <a:t>Source</a:t>
-            </a:r>
-          </a:p>
-          <a:p>
-            <a:r>
-              <a:rPr lang="en-US" dirty="0">
-                <a:solidFill>
-                  <a:srgbClr val="00B0F0"/>
-                </a:solidFill>
-              </a:rPr>
-              <a:t>https://www.w3schools.com/CSS/css_attribute_selectors.asp</a:t>
-            </a:r>
-            <a:endParaRPr lang="en-US" dirty="0">
-              <a:solidFill>
-                <a:srgbClr val="00B0F0"/>
-              </a:solidFill>
-            </a:endParaRPr>
+              <a:t> </a:t>
+            </a:r>
           </a:p>
         </p:txBody>
       </p:sp>
@@ -7477,20 +7804,13 @@
     </p:spTree>
     <p:extLst>
       <p:ext uri="{BB962C8B-B14F-4D97-AF65-F5344CB8AC3E}">
-        <p14:creationId xmlns:p14="http://schemas.microsoft.com/office/powerpoint/2010/main" val="712303477"/>
+        <p14:creationId xmlns:p14="http://schemas.microsoft.com/office/powerpoint/2010/main" val="984166339"/>
       </p:ext>
     </p:extLst>
   </p:cSld>
   <p:clrMapOvr>
     <a:masterClrMapping/>
   </p:clrMapOvr>
-  <p:timing>
-    <p:tnLst>
-      <p:par>
-        <p:cTn id="1" dur="indefinite" restart="never" nodeType="tmRoot"/>
-      </p:par>
-    </p:tnLst>
-  </p:timing>
 </p:sld>
 </file>
 
@@ -7516,7 +7836,7 @@
           <p:cNvPr id="2" name="Title 1">
             <a:extLst>
               <a:ext uri="{FF2B5EF4-FFF2-40B4-BE49-F238E27FC236}">
-                <a16:creationId xmlns:a16="http://schemas.microsoft.com/office/drawing/2014/main" xmlns="" id="{BDFAC13C-59B1-436E-B58F-C304E1C705CF}"/>
+                <a16:creationId xmlns:a16="http://schemas.microsoft.com/office/drawing/2014/main" id="{BDFAC13C-59B1-436E-B58F-C304E1C705CF}"/>
               </a:ext>
             </a:extLst>
           </p:cNvPr>
@@ -7527,12 +7847,7 @@
             <p:ph type="title"/>
           </p:nvPr>
         </p:nvSpPr>
-        <p:spPr>
-          <a:xfrm>
-            <a:off x="664233" y="733579"/>
-            <a:ext cx="6189239" cy="1371600"/>
-          </a:xfrm>
-        </p:spPr>
+        <p:spPr/>
         <p:txBody>
           <a:bodyPr>
             <a:normAutofit/>
@@ -7540,10 +7855,9 @@
           <a:lstStyle/>
           <a:p>
             <a:r>
-              <a:rPr lang="en-US" u="sng" dirty="0" smtClean="0"/>
-              <a:t>CSS Selector Categories</a:t>
-            </a:r>
-            <a:endParaRPr lang="en-US" u="sng" dirty="0"/>
+              <a:rPr lang="en-US" u="sng" dirty="0"/>
+              <a:t>CSS Class Selector</a:t>
+            </a:r>
           </a:p>
         </p:txBody>
       </p:sp>
@@ -7552,7 +7866,7 @@
           <p:cNvPr id="3" name="Content Placeholder 2">
             <a:extLst>
               <a:ext uri="{FF2B5EF4-FFF2-40B4-BE49-F238E27FC236}">
-                <a16:creationId xmlns:a16="http://schemas.microsoft.com/office/drawing/2014/main" xmlns="" id="{844A3DC5-46BF-4BFF-8008-98FD467C4904}"/>
+                <a16:creationId xmlns:a16="http://schemas.microsoft.com/office/drawing/2014/main" id="{844A3DC5-46BF-4BFF-8008-98FD467C4904}"/>
               </a:ext>
             </a:extLst>
           </p:cNvPr>
@@ -7563,15 +7877,10 @@
             <p:ph idx="1"/>
           </p:nvPr>
         </p:nvSpPr>
-        <p:spPr>
-          <a:xfrm>
-            <a:off x="1066800" y="2317687"/>
-            <a:ext cx="10058400" cy="2598345"/>
-          </a:xfrm>
-        </p:spPr>
+        <p:spPr/>
         <p:txBody>
           <a:bodyPr>
-            <a:noAutofit/>
+            <a:normAutofit fontScale="92500" lnSpcReduction="20000"/>
           </a:bodyPr>
           <a:lstStyle/>
           <a:p>
@@ -7582,18 +7891,19 @@
               <a:rPr lang="en-US" sz="1800" dirty="0">
                 <a:cs typeface="Arial" pitchFamily="34" charset="0"/>
               </a:rPr>
-              <a:t>A CSS attribute selector selects elements with a specified attribute</a:t>
-            </a:r>
-          </a:p>
-          <a:p>
-            <a:pPr indent="0">
-              <a:buNone/>
-            </a:pPr>
+              <a:t>The class attribute is used to point to a class name in a stylesheet. It can also be used by a JavaScript to access and manipulate element</a:t>
+            </a:r>
+            <a:r>
+              <a:rPr lang="en-US" sz="1800" b="1" dirty="0">
+                <a:cs typeface="Arial" pitchFamily="34" charset="0"/>
+              </a:rPr>
+              <a:t>s</a:t>
+            </a:r>
             <a:r>
               <a:rPr lang="en-US" sz="1800" dirty="0">
                 <a:cs typeface="Arial" pitchFamily="34" charset="0"/>
               </a:rPr>
-              <a:t>Types:</a:t>
+              <a:t> with that name</a:t>
             </a:r>
           </a:p>
           <a:p>
@@ -7604,7 +7914,7 @@
               <a:rPr lang="en-US" sz="1800" dirty="0">
                 <a:cs typeface="Arial" pitchFamily="34" charset="0"/>
               </a:rPr>
-              <a:t>[attribute^=value]</a:t>
+              <a:t>Example:</a:t>
             </a:r>
           </a:p>
           <a:p>
@@ -7612,10 +7922,11 @@
               <a:buNone/>
             </a:pPr>
             <a:r>
-              <a:rPr lang="en-US" sz="1800" dirty="0">
+              <a:rPr lang="en-US" sz="1400" dirty="0">
+                <a:latin typeface="Consolas" panose="020B0609020204030204" pitchFamily="49" charset="0"/>
                 <a:cs typeface="Arial" pitchFamily="34" charset="0"/>
               </a:rPr>
-              <a:t>[attribute$=value]</a:t>
+              <a:t>.red {color: red;} (in CSS):</a:t>
             </a:r>
           </a:p>
           <a:p>
@@ -7623,56 +7934,26 @@
               <a:buNone/>
             </a:pPr>
             <a:r>
-              <a:rPr lang="en-US" sz="1800" dirty="0">
+              <a:rPr lang="en-US" sz="1400" dirty="0">
+                <a:latin typeface="Consolas" panose="020B0609020204030204" pitchFamily="49" charset="0"/>
                 <a:cs typeface="Arial" pitchFamily="34" charset="0"/>
               </a:rPr>
-              <a:t>[attribute*=value]</a:t>
+              <a:t>&lt;p class="red"&gt;Red paragraph1&lt;/p&gt;</a:t>
+            </a:r>
+          </a:p>
+          <a:p>
+            <a:pPr indent="0">
+              <a:buNone/>
+            </a:pPr>
+            <a:r>
+              <a:rPr lang="en-US" sz="1400" dirty="0">
+                <a:latin typeface="Consolas" panose="020B0609020204030204" pitchFamily="49" charset="0"/>
+                <a:cs typeface="Arial" pitchFamily="34" charset="0"/>
+              </a:rPr>
+              <a:t>&lt;p class="red"&gt;Red paragraph2&lt;/p&gt;</a:t>
             </a:r>
             <a:endParaRPr lang="en-US" sz="1800" dirty="0">
-              <a:cs typeface="Arial" pitchFamily="34" charset="0"/>
-            </a:endParaRPr>
-          </a:p>
-        </p:txBody>
-      </p:sp>
-      <p:sp>
-        <p:nvSpPr>
-          <p:cNvPr id="4" name="Rectangle 3"/>
-          <p:cNvSpPr/>
-          <p:nvPr/>
-        </p:nvSpPr>
-        <p:spPr>
-          <a:xfrm>
-            <a:off x="983810" y="5420825"/>
-            <a:ext cx="7589822" cy="646331"/>
-          </a:xfrm>
-          <a:prstGeom prst="rect">
-            <a:avLst/>
-          </a:prstGeom>
-        </p:spPr>
-        <p:txBody>
-          <a:bodyPr wrap="square">
-            <a:spAutoFit/>
-          </a:bodyPr>
-          <a:lstStyle/>
-          <a:p>
-            <a:r>
-              <a:rPr lang="en-US" b="1" dirty="0"/>
-              <a:t>Source</a:t>
-            </a:r>
-          </a:p>
-          <a:p>
-            <a:r>
-              <a:rPr lang="en-US" dirty="0">
-                <a:solidFill>
-                  <a:srgbClr val="00B0F0"/>
-                </a:solidFill>
-              </a:rPr>
-              <a:t>https://www.w3schools.com/CSS/css_attribute_selectors.asp</a:t>
-            </a:r>
-            <a:endParaRPr lang="en-US" dirty="0">
-              <a:solidFill>
-                <a:srgbClr val="00B0F0"/>
-              </a:solidFill>
+              <a:latin typeface="Consolas" panose="020B0609020204030204" pitchFamily="49" charset="0"/>
             </a:endParaRPr>
           </a:p>
         </p:txBody>
@@ -7703,20 +7984,13 @@
     </p:spTree>
     <p:extLst>
       <p:ext uri="{BB962C8B-B14F-4D97-AF65-F5344CB8AC3E}">
-        <p14:creationId xmlns:p14="http://schemas.microsoft.com/office/powerpoint/2010/main" val="2938833223"/>
+        <p14:creationId xmlns:p14="http://schemas.microsoft.com/office/powerpoint/2010/main" val="2164745984"/>
       </p:ext>
     </p:extLst>
   </p:cSld>
   <p:clrMapOvr>
     <a:masterClrMapping/>
   </p:clrMapOvr>
-  <p:timing>
-    <p:tnLst>
-      <p:par>
-        <p:cTn id="1" dur="indefinite" restart="never" nodeType="tmRoot"/>
-      </p:par>
-    </p:tnLst>
-  </p:timing>
 </p:sld>
 </file>
 
@@ -7742,7 +8016,7 @@
           <p:cNvPr id="2" name="Title 1">
             <a:extLst>
               <a:ext uri="{FF2B5EF4-FFF2-40B4-BE49-F238E27FC236}">
-                <a16:creationId xmlns:a16="http://schemas.microsoft.com/office/drawing/2014/main" xmlns="" id="{BDFAC13C-59B1-436E-B58F-C304E1C705CF}"/>
+                <a16:creationId xmlns:a16="http://schemas.microsoft.com/office/drawing/2014/main" id="{BDFAC13C-59B1-436E-B58F-C304E1C705CF}"/>
               </a:ext>
             </a:extLst>
           </p:cNvPr>
@@ -7753,12 +8027,7 @@
             <p:ph type="title"/>
           </p:nvPr>
         </p:nvSpPr>
-        <p:spPr>
-          <a:xfrm>
-            <a:off x="664233" y="733579"/>
-            <a:ext cx="6189239" cy="1371600"/>
-          </a:xfrm>
-        </p:spPr>
+        <p:spPr/>
         <p:txBody>
           <a:bodyPr>
             <a:normAutofit/>
@@ -7766,10 +8035,9 @@
           <a:lstStyle/>
           <a:p>
             <a:r>
-              <a:rPr lang="en-US" u="sng" dirty="0" smtClean="0"/>
-              <a:t>CSS Colors</a:t>
-            </a:r>
-            <a:endParaRPr lang="en-US" u="sng" dirty="0"/>
+              <a:rPr lang="en-US" u="sng" dirty="0"/>
+              <a:t>CSS ID Selector</a:t>
+            </a:r>
           </a:p>
         </p:txBody>
       </p:sp>
@@ -7778,7 +8046,7 @@
           <p:cNvPr id="3" name="Content Placeholder 2">
             <a:extLst>
               <a:ext uri="{FF2B5EF4-FFF2-40B4-BE49-F238E27FC236}">
-                <a16:creationId xmlns:a16="http://schemas.microsoft.com/office/drawing/2014/main" xmlns="" id="{844A3DC5-46BF-4BFF-8008-98FD467C4904}"/>
+                <a16:creationId xmlns:a16="http://schemas.microsoft.com/office/drawing/2014/main" id="{844A3DC5-46BF-4BFF-8008-98FD467C4904}"/>
               </a:ext>
             </a:extLst>
           </p:cNvPr>
@@ -7789,15 +8057,10 @@
             <p:ph idx="1"/>
           </p:nvPr>
         </p:nvSpPr>
-        <p:spPr>
-          <a:xfrm>
-            <a:off x="1066800" y="2317687"/>
-            <a:ext cx="10058400" cy="2598345"/>
-          </a:xfrm>
-        </p:spPr>
+        <p:spPr/>
         <p:txBody>
           <a:bodyPr>
-            <a:noAutofit/>
+            <a:normAutofit lnSpcReduction="10000"/>
           </a:bodyPr>
           <a:lstStyle/>
           <a:p>
@@ -7808,48 +8071,45 @@
               <a:rPr lang="en-US" sz="1800" dirty="0">
                 <a:cs typeface="Arial" pitchFamily="34" charset="0"/>
               </a:rPr>
-              <a:t>CSS3 supports the "old" hexadecimal format for colors, and the rgb() (red, green, blue) format, and the built-in colors</a:t>
-            </a:r>
-          </a:p>
-          <a:p>
-            <a:pPr marL="0" indent="0">
+              <a:t>The id attribute is used to point to an element in a stylesheet. It can also be used by a JavaScript to access and manipulate an element with that name</a:t>
+            </a:r>
+          </a:p>
+          <a:p>
+            <a:pPr indent="0">
               <a:buNone/>
             </a:pPr>
             <a:r>
               <a:rPr lang="en-US" sz="1800" dirty="0">
                 <a:cs typeface="Arial" pitchFamily="34" charset="0"/>
               </a:rPr>
-              <a:t>In addition, CSS supports the following color options:</a:t>
-            </a:r>
-          </a:p>
-          <a:p>
-            <a:pPr marL="640080" indent="-457200"/>
+              <a:t>Example:</a:t>
+            </a:r>
+          </a:p>
+          <a:p>
+            <a:pPr indent="0">
+              <a:buNone/>
+            </a:pPr>
             <a:r>
               <a:rPr lang="en-US" sz="1800" dirty="0">
+                <a:latin typeface="Consolas" panose="020B0609020204030204" pitchFamily="49" charset="0"/>
                 <a:cs typeface="Arial" pitchFamily="34" charset="0"/>
               </a:rPr>
-              <a:t>RGBA</a:t>
-            </a:r>
-          </a:p>
-          <a:p>
-            <a:pPr marL="640080" indent="-457200"/>
+              <a:t>#red {color: red;} (in CSS):</a:t>
+            </a:r>
+          </a:p>
+          <a:p>
+            <a:pPr indent="0">
+              <a:buNone/>
+            </a:pPr>
             <a:r>
               <a:rPr lang="en-US" sz="1800" dirty="0">
+                <a:latin typeface="Consolas" panose="020B0609020204030204" pitchFamily="49" charset="0"/>
                 <a:cs typeface="Arial" pitchFamily="34" charset="0"/>
               </a:rPr>
-              <a:t>HSL </a:t>
-            </a:r>
-          </a:p>
-          <a:p>
-            <a:pPr marL="640080" indent="-457200"/>
-            <a:r>
-              <a:rPr lang="en-US" sz="1800" dirty="0">
-                <a:cs typeface="Arial" pitchFamily="34" charset="0"/>
-              </a:rPr>
-              <a:t>HSLA</a:t>
+              <a:t>&lt;p id="red"&gt;Red paragraph1&lt;/p&gt;</a:t>
             </a:r>
             <a:endParaRPr lang="en-US" sz="1800" dirty="0">
-              <a:cs typeface="Arial" pitchFamily="34" charset="0"/>
+              <a:latin typeface="Consolas" panose="020B0609020204030204" pitchFamily="49" charset="0"/>
             </a:endParaRPr>
           </a:p>
         </p:txBody>
@@ -7880,20 +8140,13 @@
     </p:spTree>
     <p:extLst>
       <p:ext uri="{BB962C8B-B14F-4D97-AF65-F5344CB8AC3E}">
-        <p14:creationId xmlns:p14="http://schemas.microsoft.com/office/powerpoint/2010/main" val="3495382657"/>
+        <p14:creationId xmlns:p14="http://schemas.microsoft.com/office/powerpoint/2010/main" val="992491101"/>
       </p:ext>
     </p:extLst>
   </p:cSld>
   <p:clrMapOvr>
     <a:masterClrMapping/>
   </p:clrMapOvr>
-  <p:timing>
-    <p:tnLst>
-      <p:par>
-        <p:cTn id="1" dur="indefinite" restart="never" nodeType="tmRoot"/>
-      </p:par>
-    </p:tnLst>
-  </p:timing>
 </p:sld>
 </file>
 
@@ -7919,7 +8172,7 @@
           <p:cNvPr id="2" name="Title 1">
             <a:extLst>
               <a:ext uri="{FF2B5EF4-FFF2-40B4-BE49-F238E27FC236}">
-                <a16:creationId xmlns:a16="http://schemas.microsoft.com/office/drawing/2014/main" xmlns="" id="{BDFAC13C-59B1-436E-B58F-C304E1C705CF}"/>
+                <a16:creationId xmlns:a16="http://schemas.microsoft.com/office/drawing/2014/main" id="{BDFAC13C-59B1-436E-B58F-C304E1C705CF}"/>
               </a:ext>
             </a:extLst>
           </p:cNvPr>
@@ -7930,12 +8183,7 @@
             <p:ph type="title"/>
           </p:nvPr>
         </p:nvSpPr>
-        <p:spPr>
-          <a:xfrm>
-            <a:off x="664233" y="733579"/>
-            <a:ext cx="6189239" cy="1371600"/>
-          </a:xfrm>
-        </p:spPr>
+        <p:spPr/>
         <p:txBody>
           <a:bodyPr>
             <a:normAutofit/>
@@ -7943,10 +8191,9 @@
           <a:lstStyle/>
           <a:p>
             <a:r>
-              <a:rPr lang="en-US" u="sng" dirty="0" smtClean="0"/>
-              <a:t>CSS Colors</a:t>
-            </a:r>
-            <a:endParaRPr lang="en-US" u="sng" dirty="0"/>
+              <a:rPr lang="en-US" u="sng" dirty="0"/>
+              <a:t>CSS Selector Categories</a:t>
+            </a:r>
           </a:p>
         </p:txBody>
       </p:sp>
@@ -7955,7 +8202,7 @@
           <p:cNvPr id="3" name="Content Placeholder 2">
             <a:extLst>
               <a:ext uri="{FF2B5EF4-FFF2-40B4-BE49-F238E27FC236}">
-                <a16:creationId xmlns:a16="http://schemas.microsoft.com/office/drawing/2014/main" xmlns="" id="{844A3DC5-46BF-4BFF-8008-98FD467C4904}"/>
+                <a16:creationId xmlns:a16="http://schemas.microsoft.com/office/drawing/2014/main" id="{844A3DC5-46BF-4BFF-8008-98FD467C4904}"/>
               </a:ext>
             </a:extLst>
           </p:cNvPr>
@@ -7966,15 +8213,10 @@
             <p:ph idx="1"/>
           </p:nvPr>
         </p:nvSpPr>
-        <p:spPr>
-          <a:xfrm>
-            <a:off x="1066800" y="2317687"/>
-            <a:ext cx="10058400" cy="2598345"/>
-          </a:xfrm>
-        </p:spPr>
+        <p:spPr/>
         <p:txBody>
           <a:bodyPr>
-            <a:noAutofit/>
+            <a:normAutofit fontScale="92500" lnSpcReduction="20000"/>
           </a:bodyPr>
           <a:lstStyle/>
           <a:p>
@@ -7982,10 +8224,10 @@
               <a:buNone/>
             </a:pPr>
             <a:r>
-              <a:rPr lang="en-US" sz="1800" dirty="0">
+              <a:rPr lang="en-US" sz="1900" dirty="0">
                 <a:cs typeface="Arial" pitchFamily="34" charset="0"/>
               </a:rPr>
-              <a:t>HSL stands for hue, saturation, and lightness. hsl() accepts three values:</a:t>
+              <a:t>Simple Selectors select based on element name, id, or class name</a:t>
             </a:r>
           </a:p>
           <a:p>
@@ -7993,10 +8235,10 @@
               <a:buNone/>
             </a:pPr>
             <a:r>
-              <a:rPr lang="en-US" sz="1800" dirty="0">
+              <a:rPr lang="en-US" sz="1900" dirty="0">
                 <a:cs typeface="Arial" pitchFamily="34" charset="0"/>
               </a:rPr>
-              <a:t>hue in degrees from 0 – 359</a:t>
+              <a:t>Example:</a:t>
             </a:r>
           </a:p>
           <a:p>
@@ -8004,10 +8246,11 @@
               <a:buNone/>
             </a:pPr>
             <a:r>
-              <a:rPr lang="en-US" sz="1800" dirty="0">
+              <a:rPr lang="en-US" sz="1900" dirty="0">
+                <a:latin typeface="Consolas" panose="020B0609020204030204" pitchFamily="49" charset="0"/>
                 <a:cs typeface="Arial" pitchFamily="34" charset="0"/>
               </a:rPr>
-              <a:t>saturation, as a % where 100% is full hue and 0% causes a shade of gray</a:t>
+              <a:t>p {</a:t>
             </a:r>
           </a:p>
           <a:p>
@@ -8015,20 +8258,36 @@
               <a:buNone/>
             </a:pPr>
             <a:r>
-              <a:rPr lang="en-US" sz="1800" dirty="0">
+              <a:rPr lang="en-US" sz="1900" dirty="0">
+                <a:latin typeface="Consolas" panose="020B0609020204030204" pitchFamily="49" charset="0"/>
                 <a:cs typeface="Arial" pitchFamily="34" charset="0"/>
               </a:rPr>
-              <a:t>percentage for lightness, where 100% is white, 0% is black, and 50% is the </a:t>
-            </a:r>
-            <a:r>
-              <a:rPr lang="en-US" sz="1800" dirty="0" smtClean="0">
+              <a:t>  text-align: center;</a:t>
+            </a:r>
+          </a:p>
+          <a:p>
+            <a:pPr indent="0">
+              <a:buNone/>
+            </a:pPr>
+            <a:r>
+              <a:rPr lang="en-US" sz="1900" dirty="0">
+                <a:latin typeface="Consolas" panose="020B0609020204030204" pitchFamily="49" charset="0"/>
                 <a:cs typeface="Arial" pitchFamily="34" charset="0"/>
               </a:rPr>
-              <a:t>norm</a:t>
-            </a:r>
-            <a:endParaRPr lang="en-US" sz="1800" dirty="0">
-              <a:cs typeface="Arial" pitchFamily="34" charset="0"/>
-            </a:endParaRPr>
+              <a:t>  color: red;</a:t>
+            </a:r>
+          </a:p>
+          <a:p>
+            <a:pPr indent="0">
+              <a:buNone/>
+            </a:pPr>
+            <a:r>
+              <a:rPr lang="en-US" sz="1900" dirty="0">
+                <a:latin typeface="Consolas" panose="020B0609020204030204" pitchFamily="49" charset="0"/>
+                <a:cs typeface="Arial" pitchFamily="34" charset="0"/>
+              </a:rPr>
+              <a:t>}</a:t>
+            </a:r>
           </a:p>
         </p:txBody>
       </p:sp>
@@ -8063,8 +8322,8 @@
         </p:nvSpPr>
         <p:spPr>
           <a:xfrm>
-            <a:off x="1066799" y="5128540"/>
-            <a:ext cx="7001933" cy="646331"/>
+            <a:off x="983810" y="5420825"/>
+            <a:ext cx="7589822" cy="646331"/>
           </a:xfrm>
           <a:prstGeom prst="rect">
             <a:avLst/>
@@ -8088,33 +8347,21 @@
                   <a:srgbClr val="00B0F0"/>
                 </a:solidFill>
               </a:rPr>
-              <a:t>https://www.w3schools.com/CSS/css_attribute_selectors.asp</a:t>
-            </a:r>
-            <a:endParaRPr lang="en-US" dirty="0">
-              <a:solidFill>
-                <a:srgbClr val="00B0F0"/>
-              </a:solidFill>
-            </a:endParaRPr>
+              <a:t>https://www.w3schools.com/CSS/css_selectors.asp</a:t>
+            </a:r>
           </a:p>
         </p:txBody>
       </p:sp>
     </p:spTree>
     <p:extLst>
       <p:ext uri="{BB962C8B-B14F-4D97-AF65-F5344CB8AC3E}">
-        <p14:creationId xmlns:p14="http://schemas.microsoft.com/office/powerpoint/2010/main" val="3900670291"/>
+        <p14:creationId xmlns:p14="http://schemas.microsoft.com/office/powerpoint/2010/main" val="1306118553"/>
       </p:ext>
     </p:extLst>
   </p:cSld>
   <p:clrMapOvr>
     <a:masterClrMapping/>
   </p:clrMapOvr>
-  <p:timing>
-    <p:tnLst>
-      <p:par>
-        <p:cTn id="1" dur="indefinite" restart="never" nodeType="tmRoot"/>
-      </p:par>
-    </p:tnLst>
-  </p:timing>
 </p:sld>
 </file>
 
@@ -8140,7 +8387,7 @@
           <p:cNvPr id="2" name="Title 1">
             <a:extLst>
               <a:ext uri="{FF2B5EF4-FFF2-40B4-BE49-F238E27FC236}">
-                <a16:creationId xmlns:a16="http://schemas.microsoft.com/office/drawing/2014/main" xmlns="" id="{BDFAC13C-59B1-436E-B58F-C304E1C705CF}"/>
+                <a16:creationId xmlns:a16="http://schemas.microsoft.com/office/drawing/2014/main" id="{BDFAC13C-59B1-436E-B58F-C304E1C705CF}"/>
               </a:ext>
             </a:extLst>
           </p:cNvPr>
@@ -8151,12 +8398,7 @@
             <p:ph type="title"/>
           </p:nvPr>
         </p:nvSpPr>
-        <p:spPr>
-          <a:xfrm>
-            <a:off x="664233" y="733579"/>
-            <a:ext cx="6189239" cy="1371600"/>
-          </a:xfrm>
-        </p:spPr>
+        <p:spPr/>
         <p:txBody>
           <a:bodyPr>
             <a:normAutofit/>
@@ -8164,10 +8406,9 @@
           <a:lstStyle/>
           <a:p>
             <a:r>
-              <a:rPr lang="en-US" u="sng" dirty="0" smtClean="0"/>
-              <a:t>CSS Box-Shadow</a:t>
-            </a:r>
-            <a:endParaRPr lang="en-US" u="sng" dirty="0"/>
+              <a:rPr lang="en-US" u="sng" dirty="0"/>
+              <a:t>CSS Selector Categories</a:t>
+            </a:r>
           </a:p>
         </p:txBody>
       </p:sp>
@@ -8176,7 +8417,7 @@
           <p:cNvPr id="3" name="Content Placeholder 2">
             <a:extLst>
               <a:ext uri="{FF2B5EF4-FFF2-40B4-BE49-F238E27FC236}">
-                <a16:creationId xmlns:a16="http://schemas.microsoft.com/office/drawing/2014/main" xmlns="" id="{844A3DC5-46BF-4BFF-8008-98FD467C4904}"/>
+                <a16:creationId xmlns:a16="http://schemas.microsoft.com/office/drawing/2014/main" id="{844A3DC5-46BF-4BFF-8008-98FD467C4904}"/>
               </a:ext>
             </a:extLst>
           </p:cNvPr>
@@ -8187,12 +8428,7 @@
             <p:ph idx="1"/>
           </p:nvPr>
         </p:nvSpPr>
-        <p:spPr>
-          <a:xfrm>
-            <a:off x="1066800" y="2317687"/>
-            <a:ext cx="10058400" cy="2598345"/>
-          </a:xfrm>
-        </p:spPr>
+        <p:spPr/>
         <p:txBody>
           <a:bodyPr>
             <a:noAutofit/>
@@ -8206,55 +8442,63 @@
               <a:rPr lang="en-US" sz="1800" dirty="0">
                 <a:cs typeface="Arial" pitchFamily="34" charset="0"/>
               </a:rPr>
-              <a:t>The CSS3 box-shadow property takes a comma-separated list of shadows as its value.  Each shadow includes a color and:</a:t>
-            </a:r>
-          </a:p>
-          <a:p>
-            <a:pPr indent="0">
+              <a:t>A combinator selects based upon the relationship between the selectors </a:t>
+            </a:r>
+          </a:p>
+          <a:p>
+            <a:pPr marL="91440" indent="0">
               <a:buNone/>
             </a:pPr>
             <a:r>
               <a:rPr lang="en-US" sz="1800" dirty="0">
                 <a:cs typeface="Arial" pitchFamily="34" charset="0"/>
               </a:rPr>
-              <a:t>The horizontal offset</a:t>
-            </a:r>
-          </a:p>
-          <a:p>
-            <a:pPr indent="0">
+              <a:t>Types:</a:t>
+            </a:r>
+          </a:p>
+          <a:p>
+            <a:pPr marL="91440" indent="0">
               <a:buNone/>
             </a:pPr>
             <a:r>
               <a:rPr lang="en-US" sz="1800" dirty="0">
                 <a:cs typeface="Arial" pitchFamily="34" charset="0"/>
               </a:rPr>
-              <a:t>The vertical offset</a:t>
-            </a:r>
-          </a:p>
-          <a:p>
-            <a:pPr indent="0">
+              <a:t>descendant selector (space)</a:t>
+            </a:r>
+          </a:p>
+          <a:p>
+            <a:pPr marL="91440" indent="0">
               <a:buNone/>
             </a:pPr>
             <a:r>
               <a:rPr lang="en-US" sz="1800" dirty="0">
                 <a:cs typeface="Arial" pitchFamily="34" charset="0"/>
               </a:rPr>
-              <a:t>The blur distance of the shadow</a:t>
-            </a:r>
-          </a:p>
-          <a:p>
-            <a:pPr indent="0">
+              <a:t>child selector (&gt;)</a:t>
+            </a:r>
+          </a:p>
+          <a:p>
+            <a:pPr marL="91440" indent="0">
               <a:buNone/>
             </a:pPr>
             <a:r>
               <a:rPr lang="en-US" sz="1800" dirty="0">
                 <a:cs typeface="Arial" pitchFamily="34" charset="0"/>
               </a:rPr>
-              <a:t>The spread distance of the shadow</a:t>
-            </a:r>
-            <a:endParaRPr lang="en-US" sz="1800" dirty="0">
-              <a:cs typeface="Arial" pitchFamily="34" charset="0"/>
-            </a:endParaRPr>
+              <a:t>adjacent sibling selector (+)</a:t>
+            </a:r>
+          </a:p>
+          <a:p>
+            <a:pPr marL="91440" indent="0">
+              <a:buNone/>
+            </a:pPr>
+            <a:r>
+              <a:rPr lang="en-US" sz="1800" dirty="0">
+                <a:cs typeface="Arial" pitchFamily="34" charset="0"/>
+              </a:rPr>
+              <a:t>general sibling selector (~)</a:t>
+            </a:r>
           </a:p>
         </p:txBody>
       </p:sp>
@@ -8289,8 +8533,8 @@
         </p:nvSpPr>
         <p:spPr>
           <a:xfrm>
-            <a:off x="1066799" y="5128540"/>
-            <a:ext cx="7001933" cy="646331"/>
+            <a:off x="983810" y="5420825"/>
+            <a:ext cx="7589822" cy="646331"/>
           </a:xfrm>
           <a:prstGeom prst="rect">
             <a:avLst/>
@@ -8314,33 +8558,21 @@
                   <a:srgbClr val="00B0F0"/>
                 </a:solidFill>
               </a:rPr>
-              <a:t>https://www.w3schools.com/CSSref/css3_pr_box-shadow.asp</a:t>
-            </a:r>
-            <a:endParaRPr lang="en-US" dirty="0">
-              <a:solidFill>
-                <a:srgbClr val="00B0F0"/>
-              </a:solidFill>
-            </a:endParaRPr>
+              <a:t>https://www.w3schools.com/CSS/css_combinators.asp</a:t>
+            </a:r>
           </a:p>
         </p:txBody>
       </p:sp>
     </p:spTree>
     <p:extLst>
       <p:ext uri="{BB962C8B-B14F-4D97-AF65-F5344CB8AC3E}">
-        <p14:creationId xmlns:p14="http://schemas.microsoft.com/office/powerpoint/2010/main" val="2233499891"/>
+        <p14:creationId xmlns:p14="http://schemas.microsoft.com/office/powerpoint/2010/main" val="703494318"/>
       </p:ext>
     </p:extLst>
   </p:cSld>
   <p:clrMapOvr>
     <a:masterClrMapping/>
   </p:clrMapOvr>
-  <p:timing>
-    <p:tnLst>
-      <p:par>
-        <p:cTn id="1" dur="indefinite" restart="never" nodeType="tmRoot"/>
-      </p:par>
-    </p:tnLst>
-  </p:timing>
 </p:sld>
 </file>
 
@@ -8366,7 +8598,7 @@
           <p:cNvPr id="2" name="Title 1">
             <a:extLst>
               <a:ext uri="{FF2B5EF4-FFF2-40B4-BE49-F238E27FC236}">
-                <a16:creationId xmlns:a16="http://schemas.microsoft.com/office/drawing/2014/main" xmlns="" id="{BDFAC13C-59B1-436E-B58F-C304E1C705CF}"/>
+                <a16:creationId xmlns:a16="http://schemas.microsoft.com/office/drawing/2014/main" id="{BDFAC13C-59B1-436E-B58F-C304E1C705CF}"/>
               </a:ext>
             </a:extLst>
           </p:cNvPr>
@@ -8377,12 +8609,7 @@
             <p:ph type="title"/>
           </p:nvPr>
         </p:nvSpPr>
-        <p:spPr>
-          <a:xfrm>
-            <a:off x="664233" y="733579"/>
-            <a:ext cx="6189239" cy="1371600"/>
-          </a:xfrm>
-        </p:spPr>
+        <p:spPr/>
         <p:txBody>
           <a:bodyPr>
             <a:normAutofit/>
@@ -8390,10 +8617,9 @@
           <a:lstStyle/>
           <a:p>
             <a:r>
-              <a:rPr lang="en-US" u="sng" dirty="0" smtClean="0"/>
-              <a:t>CSS Gradients</a:t>
-            </a:r>
-            <a:endParaRPr lang="en-US" u="sng" dirty="0"/>
+              <a:rPr lang="en-US" u="sng" dirty="0"/>
+              <a:t>CSS Selector Categories</a:t>
+            </a:r>
           </a:p>
         </p:txBody>
       </p:sp>
@@ -8402,7 +8628,7 @@
           <p:cNvPr id="3" name="Content Placeholder 2">
             <a:extLst>
               <a:ext uri="{FF2B5EF4-FFF2-40B4-BE49-F238E27FC236}">
-                <a16:creationId xmlns:a16="http://schemas.microsoft.com/office/drawing/2014/main" xmlns="" id="{844A3DC5-46BF-4BFF-8008-98FD467C4904}"/>
+                <a16:creationId xmlns:a16="http://schemas.microsoft.com/office/drawing/2014/main" id="{844A3DC5-46BF-4BFF-8008-98FD467C4904}"/>
               </a:ext>
             </a:extLst>
           </p:cNvPr>
@@ -8413,12 +8639,7 @@
             <p:ph idx="1"/>
           </p:nvPr>
         </p:nvSpPr>
-        <p:spPr>
-          <a:xfrm>
-            <a:off x="1066800" y="2317687"/>
-            <a:ext cx="10058400" cy="2598345"/>
-          </a:xfrm>
-        </p:spPr>
+        <p:spPr/>
         <p:txBody>
           <a:bodyPr>
             <a:noAutofit/>
@@ -8429,48 +8650,86 @@
               <a:buNone/>
             </a:pPr>
             <a:r>
+              <a:rPr lang="en-US" sz="2000" dirty="0">
+                <a:latin typeface="Arial" pitchFamily="34" charset="0"/>
+                <a:cs typeface="Arial" pitchFamily="34" charset="0"/>
+              </a:rPr>
+              <a:t>A pseudo-class selects based on a special state of an element </a:t>
+            </a:r>
+          </a:p>
+          <a:p>
+            <a:pPr indent="0">
+              <a:buNone/>
+            </a:pPr>
+            <a:r>
               <a:rPr lang="en-US" sz="1800" dirty="0">
+                <a:latin typeface="Arial" panose="020B0604020202020204" pitchFamily="34" charset="0"/>
                 <a:cs typeface="Arial" pitchFamily="34" charset="0"/>
               </a:rPr>
-              <a:t>CSS Radial Gradients are circular or elliptical gradients.   The colors blend out from a starting point in all directions</a:t>
-            </a:r>
-          </a:p>
-          <a:p>
-            <a:pPr marL="0" indent="0">
+              <a:t>Types (must be listed in this order to </a:t>
+            </a:r>
+            <a:r>
+              <a:rPr lang="en-US" sz="1800" i="1" dirty="0">
+                <a:latin typeface="Arial" panose="020B0604020202020204" pitchFamily="34" charset="0"/>
+                <a:cs typeface="Arial" pitchFamily="34" charset="0"/>
+              </a:rPr>
+              <a:t>work</a:t>
+            </a:r>
+            <a:r>
+              <a:rPr lang="en-US" sz="1800" dirty="0">
+                <a:latin typeface="Arial" panose="020B0604020202020204" pitchFamily="34" charset="0"/>
+                <a:cs typeface="Arial" pitchFamily="34" charset="0"/>
+              </a:rPr>
+              <a:t>):</a:t>
+            </a:r>
+          </a:p>
+          <a:p>
+            <a:pPr indent="0">
               <a:buNone/>
             </a:pPr>
             <a:r>
               <a:rPr lang="en-US" sz="1800" dirty="0">
+                <a:latin typeface="Arial" panose="020B0604020202020204" pitchFamily="34" charset="0"/>
                 <a:cs typeface="Arial" pitchFamily="34" charset="0"/>
               </a:rPr>
-              <a:t>CSS Linear Gradients are those where colors transition across a straight line, from top to bottom, left to right, or along any arbitrary </a:t>
-            </a:r>
-            <a:r>
-              <a:rPr lang="en-US" sz="1800" dirty="0" smtClean="0">
+              <a:t>link</a:t>
+            </a:r>
+          </a:p>
+          <a:p>
+            <a:pPr indent="0">
+              <a:buNone/>
+            </a:pPr>
+            <a:r>
+              <a:rPr lang="en-US" sz="1800" dirty="0">
+                <a:latin typeface="Arial" panose="020B0604020202020204" pitchFamily="34" charset="0"/>
                 <a:cs typeface="Arial" pitchFamily="34" charset="0"/>
               </a:rPr>
-              <a:t>axis</a:t>
-            </a:r>
-          </a:p>
-          <a:p>
-            <a:pPr marL="0" indent="0">
+              <a:t>visited</a:t>
+            </a:r>
+          </a:p>
+          <a:p>
+            <a:pPr indent="0">
               <a:buNone/>
             </a:pPr>
             <a:r>
               <a:rPr lang="en-US" sz="1800" dirty="0">
+                <a:latin typeface="Arial" panose="020B0604020202020204" pitchFamily="34" charset="0"/>
                 <a:cs typeface="Arial" pitchFamily="34" charset="0"/>
               </a:rPr>
-              <a:t>CSS Repeating Gradients provides both a repeating-linear-gradient and a repeating-radial-gradient </a:t>
-            </a:r>
-            <a:r>
-              <a:rPr lang="en-US" sz="1800" dirty="0" smtClean="0">
+              <a:t>hover</a:t>
+            </a:r>
+          </a:p>
+          <a:p>
+            <a:pPr indent="0">
+              <a:buNone/>
+            </a:pPr>
+            <a:r>
+              <a:rPr lang="en-US" sz="1800" dirty="0">
+                <a:latin typeface="Arial" panose="020B0604020202020204" pitchFamily="34" charset="0"/>
                 <a:cs typeface="Arial" pitchFamily="34" charset="0"/>
               </a:rPr>
-              <a:t>gradient</a:t>
-            </a:r>
-            <a:endParaRPr lang="en-US" sz="1800" dirty="0">
-              <a:cs typeface="Arial" pitchFamily="34" charset="0"/>
-            </a:endParaRPr>
+              <a:t>active</a:t>
+            </a:r>
           </a:p>
         </p:txBody>
       </p:sp>
@@ -8499,14 +8758,14 @@
       </p:sp>
       <p:sp>
         <p:nvSpPr>
-          <p:cNvPr id="6" name="Rectangle 5"/>
+          <p:cNvPr id="4" name="Rectangle 3"/>
           <p:cNvSpPr/>
           <p:nvPr/>
         </p:nvSpPr>
         <p:spPr>
           <a:xfrm>
-            <a:off x="1066799" y="5128540"/>
-            <a:ext cx="7349068" cy="646331"/>
+            <a:off x="983810" y="5420825"/>
+            <a:ext cx="7589822" cy="646331"/>
           </a:xfrm>
           <a:prstGeom prst="rect">
             <a:avLst/>
@@ -8526,37 +8785,25 @@
           <a:p>
             <a:r>
               <a:rPr lang="en-US" dirty="0">
-                <a:latin typeface="Arial" pitchFamily="34" charset="0"/>
-                <a:cs typeface="Arial" pitchFamily="34" charset="0"/>
-                <a:hlinkClick r:id="rId2"/>
-              </a:rPr>
-              <a:t>https://developer.mozilla.org/en-US/docs/CSS/Using_CSS_gradients</a:t>
-            </a:r>
-            <a:endParaRPr lang="en-US" dirty="0">
-              <a:solidFill>
-                <a:srgbClr val="00B0F0"/>
-              </a:solidFill>
-            </a:endParaRPr>
+                <a:solidFill>
+                  <a:srgbClr val="00B0F0"/>
+                </a:solidFill>
+              </a:rPr>
+              <a:t>https://www.w3schools.com/css/css_pseudo_classes.asp</a:t>
+            </a:r>
           </a:p>
         </p:txBody>
       </p:sp>
     </p:spTree>
     <p:extLst>
       <p:ext uri="{BB962C8B-B14F-4D97-AF65-F5344CB8AC3E}">
-        <p14:creationId xmlns:p14="http://schemas.microsoft.com/office/powerpoint/2010/main" val="930612635"/>
+        <p14:creationId xmlns:p14="http://schemas.microsoft.com/office/powerpoint/2010/main" val="1335222174"/>
       </p:ext>
     </p:extLst>
   </p:cSld>
   <p:clrMapOvr>
     <a:masterClrMapping/>
   </p:clrMapOvr>
-  <p:timing>
-    <p:tnLst>
-      <p:par>
-        <p:cTn id="1" dur="indefinite" restart="never" nodeType="tmRoot"/>
-      </p:par>
-    </p:tnLst>
-  </p:timing>
 </p:sld>
 </file>
 
@@ -8582,7 +8829,7 @@
           <p:cNvPr id="2" name="Title 1">
             <a:extLst>
               <a:ext uri="{FF2B5EF4-FFF2-40B4-BE49-F238E27FC236}">
-                <a16:creationId xmlns:a16="http://schemas.microsoft.com/office/drawing/2014/main" xmlns="" id="{BDFAC13C-59B1-436E-B58F-C304E1C705CF}"/>
+                <a16:creationId xmlns:a16="http://schemas.microsoft.com/office/drawing/2014/main" id="{BDFAC13C-59B1-436E-B58F-C304E1C705CF}"/>
               </a:ext>
             </a:extLst>
           </p:cNvPr>
@@ -8593,12 +8840,7 @@
             <p:ph type="title"/>
           </p:nvPr>
         </p:nvSpPr>
-        <p:spPr>
-          <a:xfrm>
-            <a:off x="664233" y="733579"/>
-            <a:ext cx="6189239" cy="1371600"/>
-          </a:xfrm>
-        </p:spPr>
+        <p:spPr/>
         <p:txBody>
           <a:bodyPr>
             <a:normAutofit/>
@@ -8606,10 +8848,9 @@
           <a:lstStyle/>
           <a:p>
             <a:r>
-              <a:rPr lang="en-US" u="sng" dirty="0" smtClean="0"/>
-              <a:t>CSS Transforms</a:t>
-            </a:r>
-            <a:endParaRPr lang="en-US" u="sng" dirty="0"/>
+              <a:rPr lang="en-US" u="sng" dirty="0"/>
+              <a:t>CSS Selector Categories</a:t>
+            </a:r>
           </a:p>
         </p:txBody>
       </p:sp>
@@ -8618,7 +8859,7 @@
           <p:cNvPr id="3" name="Content Placeholder 2">
             <a:extLst>
               <a:ext uri="{FF2B5EF4-FFF2-40B4-BE49-F238E27FC236}">
-                <a16:creationId xmlns:a16="http://schemas.microsoft.com/office/drawing/2014/main" xmlns="" id="{844A3DC5-46BF-4BFF-8008-98FD467C4904}"/>
+                <a16:creationId xmlns:a16="http://schemas.microsoft.com/office/drawing/2014/main" id="{844A3DC5-46BF-4BFF-8008-98FD467C4904}"/>
               </a:ext>
             </a:extLst>
           </p:cNvPr>
@@ -8629,12 +8870,7 @@
             <p:ph idx="1"/>
           </p:nvPr>
         </p:nvSpPr>
-        <p:spPr>
-          <a:xfrm>
-            <a:off x="1066800" y="2317687"/>
-            <a:ext cx="10058400" cy="2598345"/>
-          </a:xfrm>
-        </p:spPr>
+        <p:spPr/>
         <p:txBody>
           <a:bodyPr>
             <a:noAutofit/>
@@ -8648,7 +8884,73 @@
               <a:rPr lang="en-US" sz="1800" dirty="0">
                 <a:cs typeface="Arial" pitchFamily="34" charset="0"/>
               </a:rPr>
-              <a:t>The CSS transform property lets the user translate, rotate, scale, or skew an page element.  Translation functions let the user move elements left, right, up, or down</a:t>
+              <a:t>A CSS pseudo-element is used to style specified parts of an element</a:t>
+            </a:r>
+          </a:p>
+          <a:p>
+            <a:pPr indent="0">
+              <a:buNone/>
+            </a:pPr>
+            <a:r>
+              <a:rPr lang="en-US" sz="1800" dirty="0">
+                <a:cs typeface="Arial" pitchFamily="34" charset="0"/>
+              </a:rPr>
+              <a:t>Types:</a:t>
+            </a:r>
+          </a:p>
+          <a:p>
+            <a:pPr indent="0">
+              <a:buNone/>
+            </a:pPr>
+            <a:r>
+              <a:rPr lang="en-US" sz="1800" dirty="0">
+                <a:cs typeface="Arial" pitchFamily="34" charset="0"/>
+              </a:rPr>
+              <a:t>::after		Inserts after element</a:t>
+            </a:r>
+          </a:p>
+          <a:p>
+            <a:pPr indent="0">
+              <a:buNone/>
+            </a:pPr>
+            <a:r>
+              <a:rPr lang="en-US" sz="1800" dirty="0">
+                <a:cs typeface="Arial" pitchFamily="34" charset="0"/>
+              </a:rPr>
+              <a:t>::before   	Inserts before element</a:t>
+            </a:r>
+          </a:p>
+          <a:p>
+            <a:pPr indent="0">
+              <a:buNone/>
+            </a:pPr>
+            <a:r>
+              <a:rPr lang="en-US" sz="1800" dirty="0">
+                <a:cs typeface="Arial" pitchFamily="34" charset="0"/>
+              </a:rPr>
+              <a:t>::first-letter	Selects first letter</a:t>
+            </a:r>
+          </a:p>
+          <a:p>
+            <a:pPr indent="0">
+              <a:buNone/>
+            </a:pPr>
+            <a:r>
+              <a:rPr lang="en-US" sz="1800" dirty="0">
+                <a:cs typeface="Arial" pitchFamily="34" charset="0"/>
+              </a:rPr>
+              <a:t>::first-line 	Selects first line</a:t>
+            </a:r>
+          </a:p>
+          <a:p>
+            <a:pPr indent="0">
+              <a:buNone/>
+            </a:pPr>
+            <a:r>
+              <a:rPr lang="en-US" sz="1800" dirty="0">
+                <a:cs typeface="Arial" pitchFamily="34" charset="0"/>
+              </a:rPr>
+              <a:t>::selection	Selects portion of an element</a:t>
             </a:r>
           </a:p>
         </p:txBody>
@@ -8671,6 +8973,1416 @@
             <a:fld id="{34B7E4EF-A1BD-40F4-AB7B-04F084DD991D}" type="slidenum">
               <a:rPr lang="en-US" smtClean="0"/>
               <a:t>27</a:t>
+            </a:fld>
+            <a:endParaRPr lang="en-US" dirty="0"/>
+          </a:p>
+        </p:txBody>
+      </p:sp>
+      <p:sp>
+        <p:nvSpPr>
+          <p:cNvPr id="4" name="Rectangle 3"/>
+          <p:cNvSpPr/>
+          <p:nvPr/>
+        </p:nvSpPr>
+        <p:spPr>
+          <a:xfrm>
+            <a:off x="983810" y="5420825"/>
+            <a:ext cx="7589822" cy="646331"/>
+          </a:xfrm>
+          <a:prstGeom prst="rect">
+            <a:avLst/>
+          </a:prstGeom>
+        </p:spPr>
+        <p:txBody>
+          <a:bodyPr wrap="square">
+            <a:spAutoFit/>
+          </a:bodyPr>
+          <a:lstStyle/>
+          <a:p>
+            <a:r>
+              <a:rPr lang="en-US" b="1" dirty="0"/>
+              <a:t>Source</a:t>
+            </a:r>
+          </a:p>
+          <a:p>
+            <a:r>
+              <a:rPr lang="en-US" dirty="0">
+                <a:solidFill>
+                  <a:srgbClr val="00B0F0"/>
+                </a:solidFill>
+              </a:rPr>
+              <a:t>https://www.w3schools.com/CSS/css_pseudo_elements.asp</a:t>
+            </a:r>
+          </a:p>
+        </p:txBody>
+      </p:sp>
+    </p:spTree>
+    <p:extLst>
+      <p:ext uri="{BB962C8B-B14F-4D97-AF65-F5344CB8AC3E}">
+        <p14:creationId xmlns:p14="http://schemas.microsoft.com/office/powerpoint/2010/main" val="3683527146"/>
+      </p:ext>
+    </p:extLst>
+  </p:cSld>
+  <p:clrMapOvr>
+    <a:masterClrMapping/>
+  </p:clrMapOvr>
+</p:sld>
+</file>
+
+<file path=ppt/slides/slide28.xml><?xml version="1.0" encoding="utf-8"?>
+<p:sld xmlns:a="http://schemas.openxmlformats.org/drawingml/2006/main" xmlns:r="http://schemas.openxmlformats.org/officeDocument/2006/relationships" xmlns:p="http://schemas.openxmlformats.org/presentationml/2006/main">
+  <p:cSld>
+    <p:spTree>
+      <p:nvGrpSpPr>
+        <p:cNvPr id="1" name=""/>
+        <p:cNvGrpSpPr/>
+        <p:nvPr/>
+      </p:nvGrpSpPr>
+      <p:grpSpPr>
+        <a:xfrm>
+          <a:off x="0" y="0"/>
+          <a:ext cx="0" cy="0"/>
+          <a:chOff x="0" y="0"/>
+          <a:chExt cx="0" cy="0"/>
+        </a:xfrm>
+      </p:grpSpPr>
+      <p:sp>
+        <p:nvSpPr>
+          <p:cNvPr id="2" name="Title 1">
+            <a:extLst>
+              <a:ext uri="{FF2B5EF4-FFF2-40B4-BE49-F238E27FC236}">
+                <a16:creationId xmlns:a16="http://schemas.microsoft.com/office/drawing/2014/main" id="{BDFAC13C-59B1-436E-B58F-C304E1C705CF}"/>
+              </a:ext>
+            </a:extLst>
+          </p:cNvPr>
+          <p:cNvSpPr>
+            <a:spLocks noGrp="1"/>
+          </p:cNvSpPr>
+          <p:nvPr>
+            <p:ph type="title"/>
+          </p:nvPr>
+        </p:nvSpPr>
+        <p:spPr/>
+        <p:txBody>
+          <a:bodyPr>
+            <a:normAutofit/>
+          </a:bodyPr>
+          <a:lstStyle/>
+          <a:p>
+            <a:r>
+              <a:rPr lang="en-US" u="sng" dirty="0"/>
+              <a:t>CSS Selector Categories</a:t>
+            </a:r>
+          </a:p>
+        </p:txBody>
+      </p:sp>
+      <p:sp>
+        <p:nvSpPr>
+          <p:cNvPr id="3" name="Content Placeholder 2">
+            <a:extLst>
+              <a:ext uri="{FF2B5EF4-FFF2-40B4-BE49-F238E27FC236}">
+                <a16:creationId xmlns:a16="http://schemas.microsoft.com/office/drawing/2014/main" id="{844A3DC5-46BF-4BFF-8008-98FD467C4904}"/>
+              </a:ext>
+            </a:extLst>
+          </p:cNvPr>
+          <p:cNvSpPr>
+            <a:spLocks noGrp="1"/>
+          </p:cNvSpPr>
+          <p:nvPr>
+            <p:ph idx="1"/>
+          </p:nvPr>
+        </p:nvSpPr>
+        <p:spPr/>
+        <p:txBody>
+          <a:bodyPr>
+            <a:noAutofit/>
+          </a:bodyPr>
+          <a:lstStyle/>
+          <a:p>
+            <a:pPr marL="0" indent="0">
+              <a:buNone/>
+            </a:pPr>
+            <a:r>
+              <a:rPr lang="en-US" sz="1800" dirty="0">
+                <a:cs typeface="Arial" pitchFamily="34" charset="0"/>
+              </a:rPr>
+              <a:t>A CSS attribute selector selects elements with a specified attribute</a:t>
+            </a:r>
+          </a:p>
+          <a:p>
+            <a:pPr indent="0">
+              <a:buNone/>
+            </a:pPr>
+            <a:r>
+              <a:rPr lang="en-US" sz="1800" dirty="0">
+                <a:cs typeface="Arial" pitchFamily="34" charset="0"/>
+              </a:rPr>
+              <a:t>Types:</a:t>
+            </a:r>
+          </a:p>
+          <a:p>
+            <a:pPr indent="0">
+              <a:buNone/>
+            </a:pPr>
+            <a:r>
+              <a:rPr lang="en-US" sz="1800" dirty="0">
+                <a:cs typeface="Arial" pitchFamily="34" charset="0"/>
+              </a:rPr>
+              <a:t>[attribute]</a:t>
+            </a:r>
+          </a:p>
+          <a:p>
+            <a:pPr indent="0">
+              <a:buNone/>
+            </a:pPr>
+            <a:r>
+              <a:rPr lang="en-US" sz="1800" dirty="0">
+                <a:cs typeface="Arial" pitchFamily="34" charset="0"/>
+              </a:rPr>
+              <a:t>[attribute=value]</a:t>
+            </a:r>
+          </a:p>
+          <a:p>
+            <a:pPr indent="0">
+              <a:buNone/>
+            </a:pPr>
+            <a:r>
+              <a:rPr lang="en-US" sz="1800" dirty="0">
+                <a:cs typeface="Arial" pitchFamily="34" charset="0"/>
+              </a:rPr>
+              <a:t>[attribute~=value]</a:t>
+            </a:r>
+          </a:p>
+          <a:p>
+            <a:pPr indent="0">
+              <a:buNone/>
+            </a:pPr>
+            <a:r>
+              <a:rPr lang="en-US" sz="1800" dirty="0">
+                <a:cs typeface="Arial" pitchFamily="34" charset="0"/>
+              </a:rPr>
+              <a:t>[attribute|=value]</a:t>
+            </a:r>
+          </a:p>
+        </p:txBody>
+      </p:sp>
+      <p:sp>
+        <p:nvSpPr>
+          <p:cNvPr id="5" name="Slide Number Placeholder 4"/>
+          <p:cNvSpPr>
+            <a:spLocks noGrp="1"/>
+          </p:cNvSpPr>
+          <p:nvPr>
+            <p:ph type="sldNum" sz="quarter" idx="12"/>
+          </p:nvPr>
+        </p:nvSpPr>
+        <p:spPr/>
+        <p:txBody>
+          <a:bodyPr/>
+          <a:lstStyle/>
+          <a:p>
+            <a:fld id="{34B7E4EF-A1BD-40F4-AB7B-04F084DD991D}" type="slidenum">
+              <a:rPr lang="en-US" smtClean="0"/>
+              <a:t>28</a:t>
+            </a:fld>
+            <a:endParaRPr lang="en-US" dirty="0"/>
+          </a:p>
+        </p:txBody>
+      </p:sp>
+      <p:sp>
+        <p:nvSpPr>
+          <p:cNvPr id="4" name="Rectangle 3"/>
+          <p:cNvSpPr/>
+          <p:nvPr/>
+        </p:nvSpPr>
+        <p:spPr>
+          <a:xfrm>
+            <a:off x="983810" y="5420825"/>
+            <a:ext cx="7589822" cy="646331"/>
+          </a:xfrm>
+          <a:prstGeom prst="rect">
+            <a:avLst/>
+          </a:prstGeom>
+        </p:spPr>
+        <p:txBody>
+          <a:bodyPr wrap="square">
+            <a:spAutoFit/>
+          </a:bodyPr>
+          <a:lstStyle/>
+          <a:p>
+            <a:r>
+              <a:rPr lang="en-US" b="1" dirty="0"/>
+              <a:t>Source</a:t>
+            </a:r>
+          </a:p>
+          <a:p>
+            <a:r>
+              <a:rPr lang="en-US" dirty="0">
+                <a:solidFill>
+                  <a:srgbClr val="00B0F0"/>
+                </a:solidFill>
+              </a:rPr>
+              <a:t>https://www.w3schools.com/CSS/css_attribute_selectors.asp</a:t>
+            </a:r>
+          </a:p>
+        </p:txBody>
+      </p:sp>
+    </p:spTree>
+    <p:extLst>
+      <p:ext uri="{BB962C8B-B14F-4D97-AF65-F5344CB8AC3E}">
+        <p14:creationId xmlns:p14="http://schemas.microsoft.com/office/powerpoint/2010/main" val="712303477"/>
+      </p:ext>
+    </p:extLst>
+  </p:cSld>
+  <p:clrMapOvr>
+    <a:masterClrMapping/>
+  </p:clrMapOvr>
+</p:sld>
+</file>
+
+<file path=ppt/slides/slide29.xml><?xml version="1.0" encoding="utf-8"?>
+<p:sld xmlns:a="http://schemas.openxmlformats.org/drawingml/2006/main" xmlns:r="http://schemas.openxmlformats.org/officeDocument/2006/relationships" xmlns:p="http://schemas.openxmlformats.org/presentationml/2006/main">
+  <p:cSld>
+    <p:spTree>
+      <p:nvGrpSpPr>
+        <p:cNvPr id="1" name=""/>
+        <p:cNvGrpSpPr/>
+        <p:nvPr/>
+      </p:nvGrpSpPr>
+      <p:grpSpPr>
+        <a:xfrm>
+          <a:off x="0" y="0"/>
+          <a:ext cx="0" cy="0"/>
+          <a:chOff x="0" y="0"/>
+          <a:chExt cx="0" cy="0"/>
+        </a:xfrm>
+      </p:grpSpPr>
+      <p:sp>
+        <p:nvSpPr>
+          <p:cNvPr id="2" name="Title 1">
+            <a:extLst>
+              <a:ext uri="{FF2B5EF4-FFF2-40B4-BE49-F238E27FC236}">
+                <a16:creationId xmlns:a16="http://schemas.microsoft.com/office/drawing/2014/main" id="{BDFAC13C-59B1-436E-B58F-C304E1C705CF}"/>
+              </a:ext>
+            </a:extLst>
+          </p:cNvPr>
+          <p:cNvSpPr>
+            <a:spLocks noGrp="1"/>
+          </p:cNvSpPr>
+          <p:nvPr>
+            <p:ph type="title"/>
+          </p:nvPr>
+        </p:nvSpPr>
+        <p:spPr/>
+        <p:txBody>
+          <a:bodyPr>
+            <a:normAutofit/>
+          </a:bodyPr>
+          <a:lstStyle/>
+          <a:p>
+            <a:r>
+              <a:rPr lang="en-US" u="sng" dirty="0"/>
+              <a:t>CSS Selector Categories</a:t>
+            </a:r>
+          </a:p>
+        </p:txBody>
+      </p:sp>
+      <p:sp>
+        <p:nvSpPr>
+          <p:cNvPr id="3" name="Content Placeholder 2">
+            <a:extLst>
+              <a:ext uri="{FF2B5EF4-FFF2-40B4-BE49-F238E27FC236}">
+                <a16:creationId xmlns:a16="http://schemas.microsoft.com/office/drawing/2014/main" id="{844A3DC5-46BF-4BFF-8008-98FD467C4904}"/>
+              </a:ext>
+            </a:extLst>
+          </p:cNvPr>
+          <p:cNvSpPr>
+            <a:spLocks noGrp="1"/>
+          </p:cNvSpPr>
+          <p:nvPr>
+            <p:ph idx="1"/>
+          </p:nvPr>
+        </p:nvSpPr>
+        <p:spPr/>
+        <p:txBody>
+          <a:bodyPr>
+            <a:noAutofit/>
+          </a:bodyPr>
+          <a:lstStyle/>
+          <a:p>
+            <a:pPr marL="0" indent="0">
+              <a:buNone/>
+            </a:pPr>
+            <a:r>
+              <a:rPr lang="en-US" sz="1800" dirty="0">
+                <a:cs typeface="Arial" pitchFamily="34" charset="0"/>
+              </a:rPr>
+              <a:t>A CSS attribute selector selects elements with a specified attribute</a:t>
+            </a:r>
+          </a:p>
+          <a:p>
+            <a:pPr indent="0">
+              <a:buNone/>
+            </a:pPr>
+            <a:r>
+              <a:rPr lang="en-US" sz="1800" dirty="0">
+                <a:cs typeface="Arial" pitchFamily="34" charset="0"/>
+              </a:rPr>
+              <a:t>Types:</a:t>
+            </a:r>
+          </a:p>
+          <a:p>
+            <a:pPr indent="0">
+              <a:buNone/>
+            </a:pPr>
+            <a:r>
+              <a:rPr lang="en-US" sz="1800" dirty="0">
+                <a:cs typeface="Arial" pitchFamily="34" charset="0"/>
+              </a:rPr>
+              <a:t>[attribute^=value]</a:t>
+            </a:r>
+          </a:p>
+          <a:p>
+            <a:pPr indent="0">
+              <a:buNone/>
+            </a:pPr>
+            <a:r>
+              <a:rPr lang="en-US" sz="1800" dirty="0">
+                <a:cs typeface="Arial" pitchFamily="34" charset="0"/>
+              </a:rPr>
+              <a:t>[attribute$=value]</a:t>
+            </a:r>
+          </a:p>
+          <a:p>
+            <a:pPr indent="0">
+              <a:buNone/>
+            </a:pPr>
+            <a:r>
+              <a:rPr lang="en-US" sz="1800" dirty="0">
+                <a:cs typeface="Arial" pitchFamily="34" charset="0"/>
+              </a:rPr>
+              <a:t>[attribute*=value]</a:t>
+            </a:r>
+          </a:p>
+        </p:txBody>
+      </p:sp>
+      <p:sp>
+        <p:nvSpPr>
+          <p:cNvPr id="5" name="Slide Number Placeholder 4"/>
+          <p:cNvSpPr>
+            <a:spLocks noGrp="1"/>
+          </p:cNvSpPr>
+          <p:nvPr>
+            <p:ph type="sldNum" sz="quarter" idx="12"/>
+          </p:nvPr>
+        </p:nvSpPr>
+        <p:spPr/>
+        <p:txBody>
+          <a:bodyPr/>
+          <a:lstStyle/>
+          <a:p>
+            <a:fld id="{34B7E4EF-A1BD-40F4-AB7B-04F084DD991D}" type="slidenum">
+              <a:rPr lang="en-US" smtClean="0"/>
+              <a:t>29</a:t>
+            </a:fld>
+            <a:endParaRPr lang="en-US" dirty="0"/>
+          </a:p>
+        </p:txBody>
+      </p:sp>
+      <p:sp>
+        <p:nvSpPr>
+          <p:cNvPr id="4" name="Rectangle 3"/>
+          <p:cNvSpPr/>
+          <p:nvPr/>
+        </p:nvSpPr>
+        <p:spPr>
+          <a:xfrm>
+            <a:off x="983810" y="5420825"/>
+            <a:ext cx="7589822" cy="646331"/>
+          </a:xfrm>
+          <a:prstGeom prst="rect">
+            <a:avLst/>
+          </a:prstGeom>
+        </p:spPr>
+        <p:txBody>
+          <a:bodyPr wrap="square">
+            <a:spAutoFit/>
+          </a:bodyPr>
+          <a:lstStyle/>
+          <a:p>
+            <a:r>
+              <a:rPr lang="en-US" b="1" dirty="0"/>
+              <a:t>Source</a:t>
+            </a:r>
+          </a:p>
+          <a:p>
+            <a:r>
+              <a:rPr lang="en-US" dirty="0">
+                <a:solidFill>
+                  <a:srgbClr val="00B0F0"/>
+                </a:solidFill>
+              </a:rPr>
+              <a:t>https://www.w3schools.com/CSS/css_attribute_selectors.asp</a:t>
+            </a:r>
+          </a:p>
+        </p:txBody>
+      </p:sp>
+    </p:spTree>
+    <p:extLst>
+      <p:ext uri="{BB962C8B-B14F-4D97-AF65-F5344CB8AC3E}">
+        <p14:creationId xmlns:p14="http://schemas.microsoft.com/office/powerpoint/2010/main" val="2938833223"/>
+      </p:ext>
+    </p:extLst>
+  </p:cSld>
+  <p:clrMapOvr>
+    <a:masterClrMapping/>
+  </p:clrMapOvr>
+</p:sld>
+</file>
+
+<file path=ppt/slides/slide3.xml><?xml version="1.0" encoding="utf-8"?>
+<p:sld xmlns:a="http://schemas.openxmlformats.org/drawingml/2006/main" xmlns:r="http://schemas.openxmlformats.org/officeDocument/2006/relationships" xmlns:p="http://schemas.openxmlformats.org/presentationml/2006/main">
+  <p:cSld>
+    <p:spTree>
+      <p:nvGrpSpPr>
+        <p:cNvPr id="1" name=""/>
+        <p:cNvGrpSpPr/>
+        <p:nvPr/>
+      </p:nvGrpSpPr>
+      <p:grpSpPr>
+        <a:xfrm>
+          <a:off x="0" y="0"/>
+          <a:ext cx="0" cy="0"/>
+          <a:chOff x="0" y="0"/>
+          <a:chExt cx="0" cy="0"/>
+        </a:xfrm>
+      </p:grpSpPr>
+      <p:sp>
+        <p:nvSpPr>
+          <p:cNvPr id="5" name="Title 4">
+            <a:extLst>
+              <a:ext uri="{FF2B5EF4-FFF2-40B4-BE49-F238E27FC236}">
+                <a16:creationId xmlns:a16="http://schemas.microsoft.com/office/drawing/2014/main" id="{89DA77E3-31EF-47E3-B595-7B74647FDE88}"/>
+              </a:ext>
+            </a:extLst>
+          </p:cNvPr>
+          <p:cNvSpPr>
+            <a:spLocks noGrp="1"/>
+          </p:cNvSpPr>
+          <p:nvPr>
+            <p:ph type="title"/>
+          </p:nvPr>
+        </p:nvSpPr>
+        <p:spPr/>
+        <p:txBody>
+          <a:bodyPr/>
+          <a:lstStyle/>
+          <a:p>
+            <a:r>
+              <a:rPr lang="en-US" cap="none" dirty="0"/>
+              <a:t>Applying Styles</a:t>
+            </a:r>
+          </a:p>
+        </p:txBody>
+      </p:sp>
+      <p:sp>
+        <p:nvSpPr>
+          <p:cNvPr id="6" name="Text Placeholder 5">
+            <a:extLst>
+              <a:ext uri="{FF2B5EF4-FFF2-40B4-BE49-F238E27FC236}">
+                <a16:creationId xmlns:a16="http://schemas.microsoft.com/office/drawing/2014/main" id="{460EE982-E208-4B5A-9658-D27D265F5B07}"/>
+              </a:ext>
+            </a:extLst>
+          </p:cNvPr>
+          <p:cNvSpPr>
+            <a:spLocks noGrp="1"/>
+          </p:cNvSpPr>
+          <p:nvPr>
+            <p:ph type="body" idx="1"/>
+          </p:nvPr>
+        </p:nvSpPr>
+        <p:spPr/>
+        <p:txBody>
+          <a:bodyPr/>
+          <a:lstStyle/>
+          <a:p>
+            <a:r>
+              <a:rPr lang="en-US" dirty="0"/>
+              <a:t>Inline Styles, Embedded Stylesheets, and External Stylesheets</a:t>
+            </a:r>
+          </a:p>
+        </p:txBody>
+      </p:sp>
+      <p:sp>
+        <p:nvSpPr>
+          <p:cNvPr id="4" name="Slide Number Placeholder 3">
+            <a:extLst>
+              <a:ext uri="{FF2B5EF4-FFF2-40B4-BE49-F238E27FC236}">
+                <a16:creationId xmlns:a16="http://schemas.microsoft.com/office/drawing/2014/main" id="{F78313E1-DACA-4522-B8E2-EEA3155037D8}"/>
+              </a:ext>
+            </a:extLst>
+          </p:cNvPr>
+          <p:cNvSpPr>
+            <a:spLocks noGrp="1"/>
+          </p:cNvSpPr>
+          <p:nvPr>
+            <p:ph type="sldNum" sz="quarter" idx="12"/>
+          </p:nvPr>
+        </p:nvSpPr>
+        <p:spPr/>
+        <p:txBody>
+          <a:bodyPr/>
+          <a:lstStyle/>
+          <a:p>
+            <a:fld id="{34B7E4EF-A1BD-40F4-AB7B-04F084DD991D}" type="slidenum">
+              <a:rPr lang="en-US" smtClean="0"/>
+              <a:t>3</a:t>
+            </a:fld>
+            <a:endParaRPr lang="en-US" dirty="0"/>
+          </a:p>
+        </p:txBody>
+      </p:sp>
+    </p:spTree>
+    <p:extLst>
+      <p:ext uri="{BB962C8B-B14F-4D97-AF65-F5344CB8AC3E}">
+        <p14:creationId xmlns:p14="http://schemas.microsoft.com/office/powerpoint/2010/main" val="2652071584"/>
+      </p:ext>
+    </p:extLst>
+  </p:cSld>
+  <p:clrMapOvr>
+    <a:masterClrMapping/>
+  </p:clrMapOvr>
+</p:sld>
+</file>
+
+<file path=ppt/slides/slide30.xml><?xml version="1.0" encoding="utf-8"?>
+<p:sld xmlns:a="http://schemas.openxmlformats.org/drawingml/2006/main" xmlns:r="http://schemas.openxmlformats.org/officeDocument/2006/relationships" xmlns:p="http://schemas.openxmlformats.org/presentationml/2006/main">
+  <p:cSld>
+    <p:spTree>
+      <p:nvGrpSpPr>
+        <p:cNvPr id="1" name=""/>
+        <p:cNvGrpSpPr/>
+        <p:nvPr/>
+      </p:nvGrpSpPr>
+      <p:grpSpPr>
+        <a:xfrm>
+          <a:off x="0" y="0"/>
+          <a:ext cx="0" cy="0"/>
+          <a:chOff x="0" y="0"/>
+          <a:chExt cx="0" cy="0"/>
+        </a:xfrm>
+      </p:grpSpPr>
+      <p:sp>
+        <p:nvSpPr>
+          <p:cNvPr id="2" name="Title 1">
+            <a:extLst>
+              <a:ext uri="{FF2B5EF4-FFF2-40B4-BE49-F238E27FC236}">
+                <a16:creationId xmlns:a16="http://schemas.microsoft.com/office/drawing/2014/main" id="{BDFAC13C-59B1-436E-B58F-C304E1C705CF}"/>
+              </a:ext>
+            </a:extLst>
+          </p:cNvPr>
+          <p:cNvSpPr>
+            <a:spLocks noGrp="1"/>
+          </p:cNvSpPr>
+          <p:nvPr>
+            <p:ph type="title"/>
+          </p:nvPr>
+        </p:nvSpPr>
+        <p:spPr/>
+        <p:txBody>
+          <a:bodyPr>
+            <a:normAutofit/>
+          </a:bodyPr>
+          <a:lstStyle/>
+          <a:p>
+            <a:r>
+              <a:rPr lang="en-US" u="sng" dirty="0"/>
+              <a:t>CSS Colors</a:t>
+            </a:r>
+          </a:p>
+        </p:txBody>
+      </p:sp>
+      <p:sp>
+        <p:nvSpPr>
+          <p:cNvPr id="3" name="Content Placeholder 2">
+            <a:extLst>
+              <a:ext uri="{FF2B5EF4-FFF2-40B4-BE49-F238E27FC236}">
+                <a16:creationId xmlns:a16="http://schemas.microsoft.com/office/drawing/2014/main" id="{844A3DC5-46BF-4BFF-8008-98FD467C4904}"/>
+              </a:ext>
+            </a:extLst>
+          </p:cNvPr>
+          <p:cNvSpPr>
+            <a:spLocks noGrp="1"/>
+          </p:cNvSpPr>
+          <p:nvPr>
+            <p:ph idx="1"/>
+          </p:nvPr>
+        </p:nvSpPr>
+        <p:spPr/>
+        <p:txBody>
+          <a:bodyPr>
+            <a:noAutofit/>
+          </a:bodyPr>
+          <a:lstStyle/>
+          <a:p>
+            <a:pPr marL="0" indent="0">
+              <a:buNone/>
+            </a:pPr>
+            <a:r>
+              <a:rPr lang="en-US" sz="1800" dirty="0">
+                <a:cs typeface="Arial" pitchFamily="34" charset="0"/>
+              </a:rPr>
+              <a:t>CSS3 supports the "old" hexadecimal format for colors, and the rgb() (red, green, blue) format, and the built-in colors</a:t>
+            </a:r>
+          </a:p>
+          <a:p>
+            <a:pPr marL="0" indent="0">
+              <a:buNone/>
+            </a:pPr>
+            <a:r>
+              <a:rPr lang="en-US" sz="1800" dirty="0">
+                <a:cs typeface="Arial" pitchFamily="34" charset="0"/>
+              </a:rPr>
+              <a:t>In addition, CSS supports the following color options:</a:t>
+            </a:r>
+          </a:p>
+          <a:p>
+            <a:pPr marL="640080" indent="-457200"/>
+            <a:r>
+              <a:rPr lang="en-US" sz="1800" dirty="0">
+                <a:cs typeface="Arial" pitchFamily="34" charset="0"/>
+              </a:rPr>
+              <a:t>RGBA</a:t>
+            </a:r>
+          </a:p>
+          <a:p>
+            <a:pPr marL="640080" indent="-457200"/>
+            <a:r>
+              <a:rPr lang="en-US" sz="1800" dirty="0">
+                <a:cs typeface="Arial" pitchFamily="34" charset="0"/>
+              </a:rPr>
+              <a:t>HSL </a:t>
+            </a:r>
+          </a:p>
+          <a:p>
+            <a:pPr marL="640080" indent="-457200"/>
+            <a:r>
+              <a:rPr lang="en-US" sz="1800" dirty="0">
+                <a:cs typeface="Arial" pitchFamily="34" charset="0"/>
+              </a:rPr>
+              <a:t>HSLA</a:t>
+            </a:r>
+          </a:p>
+        </p:txBody>
+      </p:sp>
+      <p:sp>
+        <p:nvSpPr>
+          <p:cNvPr id="5" name="Slide Number Placeholder 4"/>
+          <p:cNvSpPr>
+            <a:spLocks noGrp="1"/>
+          </p:cNvSpPr>
+          <p:nvPr>
+            <p:ph type="sldNum" sz="quarter" idx="12"/>
+          </p:nvPr>
+        </p:nvSpPr>
+        <p:spPr/>
+        <p:txBody>
+          <a:bodyPr/>
+          <a:lstStyle/>
+          <a:p>
+            <a:fld id="{34B7E4EF-A1BD-40F4-AB7B-04F084DD991D}" type="slidenum">
+              <a:rPr lang="en-US" smtClean="0"/>
+              <a:t>30</a:t>
+            </a:fld>
+            <a:endParaRPr lang="en-US" dirty="0"/>
+          </a:p>
+        </p:txBody>
+      </p:sp>
+    </p:spTree>
+    <p:extLst>
+      <p:ext uri="{BB962C8B-B14F-4D97-AF65-F5344CB8AC3E}">
+        <p14:creationId xmlns:p14="http://schemas.microsoft.com/office/powerpoint/2010/main" val="3495382657"/>
+      </p:ext>
+    </p:extLst>
+  </p:cSld>
+  <p:clrMapOvr>
+    <a:masterClrMapping/>
+  </p:clrMapOvr>
+</p:sld>
+</file>
+
+<file path=ppt/slides/slide31.xml><?xml version="1.0" encoding="utf-8"?>
+<p:sld xmlns:a="http://schemas.openxmlformats.org/drawingml/2006/main" xmlns:r="http://schemas.openxmlformats.org/officeDocument/2006/relationships" xmlns:p="http://schemas.openxmlformats.org/presentationml/2006/main">
+  <p:cSld>
+    <p:spTree>
+      <p:nvGrpSpPr>
+        <p:cNvPr id="1" name=""/>
+        <p:cNvGrpSpPr/>
+        <p:nvPr/>
+      </p:nvGrpSpPr>
+      <p:grpSpPr>
+        <a:xfrm>
+          <a:off x="0" y="0"/>
+          <a:ext cx="0" cy="0"/>
+          <a:chOff x="0" y="0"/>
+          <a:chExt cx="0" cy="0"/>
+        </a:xfrm>
+      </p:grpSpPr>
+      <p:sp>
+        <p:nvSpPr>
+          <p:cNvPr id="2" name="Title 1">
+            <a:extLst>
+              <a:ext uri="{FF2B5EF4-FFF2-40B4-BE49-F238E27FC236}">
+                <a16:creationId xmlns:a16="http://schemas.microsoft.com/office/drawing/2014/main" id="{BDFAC13C-59B1-436E-B58F-C304E1C705CF}"/>
+              </a:ext>
+            </a:extLst>
+          </p:cNvPr>
+          <p:cNvSpPr>
+            <a:spLocks noGrp="1"/>
+          </p:cNvSpPr>
+          <p:nvPr>
+            <p:ph type="title"/>
+          </p:nvPr>
+        </p:nvSpPr>
+        <p:spPr/>
+        <p:txBody>
+          <a:bodyPr>
+            <a:normAutofit/>
+          </a:bodyPr>
+          <a:lstStyle/>
+          <a:p>
+            <a:r>
+              <a:rPr lang="en-US" u="sng" dirty="0"/>
+              <a:t>CSS Colors</a:t>
+            </a:r>
+          </a:p>
+        </p:txBody>
+      </p:sp>
+      <p:sp>
+        <p:nvSpPr>
+          <p:cNvPr id="3" name="Content Placeholder 2">
+            <a:extLst>
+              <a:ext uri="{FF2B5EF4-FFF2-40B4-BE49-F238E27FC236}">
+                <a16:creationId xmlns:a16="http://schemas.microsoft.com/office/drawing/2014/main" id="{844A3DC5-46BF-4BFF-8008-98FD467C4904}"/>
+              </a:ext>
+            </a:extLst>
+          </p:cNvPr>
+          <p:cNvSpPr>
+            <a:spLocks noGrp="1"/>
+          </p:cNvSpPr>
+          <p:nvPr>
+            <p:ph idx="1"/>
+          </p:nvPr>
+        </p:nvSpPr>
+        <p:spPr/>
+        <p:txBody>
+          <a:bodyPr>
+            <a:noAutofit/>
+          </a:bodyPr>
+          <a:lstStyle/>
+          <a:p>
+            <a:pPr marL="0" indent="0">
+              <a:buNone/>
+            </a:pPr>
+            <a:r>
+              <a:rPr lang="en-US" sz="1800" dirty="0">
+                <a:cs typeface="Arial" pitchFamily="34" charset="0"/>
+              </a:rPr>
+              <a:t>HSL stands for hue, saturation, and lightness. hsl() accepts three values:</a:t>
+            </a:r>
+          </a:p>
+          <a:p>
+            <a:pPr indent="0">
+              <a:buNone/>
+            </a:pPr>
+            <a:r>
+              <a:rPr lang="en-US" sz="1800" dirty="0">
+                <a:cs typeface="Arial" pitchFamily="34" charset="0"/>
+              </a:rPr>
+              <a:t>hue in degrees from 0 – 359</a:t>
+            </a:r>
+          </a:p>
+          <a:p>
+            <a:pPr indent="0">
+              <a:buNone/>
+            </a:pPr>
+            <a:r>
+              <a:rPr lang="en-US" sz="1800" dirty="0">
+                <a:cs typeface="Arial" pitchFamily="34" charset="0"/>
+              </a:rPr>
+              <a:t>saturation, as a % where 100% is full hue and 0% causes a shade of gray</a:t>
+            </a:r>
+          </a:p>
+          <a:p>
+            <a:pPr indent="0">
+              <a:buNone/>
+            </a:pPr>
+            <a:r>
+              <a:rPr lang="en-US" sz="1800" dirty="0">
+                <a:cs typeface="Arial" pitchFamily="34" charset="0"/>
+              </a:rPr>
+              <a:t>percentage for lightness, where 100% is white, 0% is black, and 50% is the norm</a:t>
+            </a:r>
+          </a:p>
+        </p:txBody>
+      </p:sp>
+      <p:sp>
+        <p:nvSpPr>
+          <p:cNvPr id="5" name="Slide Number Placeholder 4"/>
+          <p:cNvSpPr>
+            <a:spLocks noGrp="1"/>
+          </p:cNvSpPr>
+          <p:nvPr>
+            <p:ph type="sldNum" sz="quarter" idx="12"/>
+          </p:nvPr>
+        </p:nvSpPr>
+        <p:spPr/>
+        <p:txBody>
+          <a:bodyPr/>
+          <a:lstStyle/>
+          <a:p>
+            <a:fld id="{34B7E4EF-A1BD-40F4-AB7B-04F084DD991D}" type="slidenum">
+              <a:rPr lang="en-US" smtClean="0"/>
+              <a:t>31</a:t>
+            </a:fld>
+            <a:endParaRPr lang="en-US" dirty="0"/>
+          </a:p>
+        </p:txBody>
+      </p:sp>
+      <p:sp>
+        <p:nvSpPr>
+          <p:cNvPr id="4" name="Rectangle 3"/>
+          <p:cNvSpPr/>
+          <p:nvPr/>
+        </p:nvSpPr>
+        <p:spPr>
+          <a:xfrm>
+            <a:off x="1066799" y="5128540"/>
+            <a:ext cx="7001933" cy="646331"/>
+          </a:xfrm>
+          <a:prstGeom prst="rect">
+            <a:avLst/>
+          </a:prstGeom>
+        </p:spPr>
+        <p:txBody>
+          <a:bodyPr wrap="square">
+            <a:spAutoFit/>
+          </a:bodyPr>
+          <a:lstStyle/>
+          <a:p>
+            <a:r>
+              <a:rPr lang="en-US" b="1" dirty="0"/>
+              <a:t>Source</a:t>
+            </a:r>
+          </a:p>
+          <a:p>
+            <a:r>
+              <a:rPr lang="en-US" dirty="0">
+                <a:solidFill>
+                  <a:srgbClr val="00B0F0"/>
+                </a:solidFill>
+              </a:rPr>
+              <a:t>https://www.w3schools.com/CSS/css_attribute_selectors.asp</a:t>
+            </a:r>
+          </a:p>
+        </p:txBody>
+      </p:sp>
+    </p:spTree>
+    <p:extLst>
+      <p:ext uri="{BB962C8B-B14F-4D97-AF65-F5344CB8AC3E}">
+        <p14:creationId xmlns:p14="http://schemas.microsoft.com/office/powerpoint/2010/main" val="3900670291"/>
+      </p:ext>
+    </p:extLst>
+  </p:cSld>
+  <p:clrMapOvr>
+    <a:masterClrMapping/>
+  </p:clrMapOvr>
+</p:sld>
+</file>
+
+<file path=ppt/slides/slide32.xml><?xml version="1.0" encoding="utf-8"?>
+<p:sld xmlns:a="http://schemas.openxmlformats.org/drawingml/2006/main" xmlns:r="http://schemas.openxmlformats.org/officeDocument/2006/relationships" xmlns:p="http://schemas.openxmlformats.org/presentationml/2006/main">
+  <p:cSld>
+    <p:spTree>
+      <p:nvGrpSpPr>
+        <p:cNvPr id="1" name=""/>
+        <p:cNvGrpSpPr/>
+        <p:nvPr/>
+      </p:nvGrpSpPr>
+      <p:grpSpPr>
+        <a:xfrm>
+          <a:off x="0" y="0"/>
+          <a:ext cx="0" cy="0"/>
+          <a:chOff x="0" y="0"/>
+          <a:chExt cx="0" cy="0"/>
+        </a:xfrm>
+      </p:grpSpPr>
+      <p:sp>
+        <p:nvSpPr>
+          <p:cNvPr id="2" name="Title 1">
+            <a:extLst>
+              <a:ext uri="{FF2B5EF4-FFF2-40B4-BE49-F238E27FC236}">
+                <a16:creationId xmlns:a16="http://schemas.microsoft.com/office/drawing/2014/main" id="{BDFAC13C-59B1-436E-B58F-C304E1C705CF}"/>
+              </a:ext>
+            </a:extLst>
+          </p:cNvPr>
+          <p:cNvSpPr>
+            <a:spLocks noGrp="1"/>
+          </p:cNvSpPr>
+          <p:nvPr>
+            <p:ph type="title"/>
+          </p:nvPr>
+        </p:nvSpPr>
+        <p:spPr/>
+        <p:txBody>
+          <a:bodyPr>
+            <a:normAutofit/>
+          </a:bodyPr>
+          <a:lstStyle/>
+          <a:p>
+            <a:r>
+              <a:rPr lang="en-US" u="sng" dirty="0"/>
+              <a:t>CSS Box-Shadow</a:t>
+            </a:r>
+          </a:p>
+        </p:txBody>
+      </p:sp>
+      <p:sp>
+        <p:nvSpPr>
+          <p:cNvPr id="3" name="Content Placeholder 2">
+            <a:extLst>
+              <a:ext uri="{FF2B5EF4-FFF2-40B4-BE49-F238E27FC236}">
+                <a16:creationId xmlns:a16="http://schemas.microsoft.com/office/drawing/2014/main" id="{844A3DC5-46BF-4BFF-8008-98FD467C4904}"/>
+              </a:ext>
+            </a:extLst>
+          </p:cNvPr>
+          <p:cNvSpPr>
+            <a:spLocks noGrp="1"/>
+          </p:cNvSpPr>
+          <p:nvPr>
+            <p:ph idx="1"/>
+          </p:nvPr>
+        </p:nvSpPr>
+        <p:spPr/>
+        <p:txBody>
+          <a:bodyPr>
+            <a:noAutofit/>
+          </a:bodyPr>
+          <a:lstStyle/>
+          <a:p>
+            <a:pPr marL="0" indent="0">
+              <a:buNone/>
+            </a:pPr>
+            <a:r>
+              <a:rPr lang="en-US" sz="1800" dirty="0">
+                <a:cs typeface="Arial" pitchFamily="34" charset="0"/>
+              </a:rPr>
+              <a:t>The CSS3 box-shadow property takes a comma-separated list of shadows as its value.  Each shadow includes a color and:</a:t>
+            </a:r>
+          </a:p>
+          <a:p>
+            <a:pPr indent="0">
+              <a:buNone/>
+            </a:pPr>
+            <a:r>
+              <a:rPr lang="en-US" sz="1800" dirty="0">
+                <a:cs typeface="Arial" pitchFamily="34" charset="0"/>
+              </a:rPr>
+              <a:t>The horizontal offset</a:t>
+            </a:r>
+          </a:p>
+          <a:p>
+            <a:pPr indent="0">
+              <a:buNone/>
+            </a:pPr>
+            <a:r>
+              <a:rPr lang="en-US" sz="1800" dirty="0">
+                <a:cs typeface="Arial" pitchFamily="34" charset="0"/>
+              </a:rPr>
+              <a:t>The vertical offset</a:t>
+            </a:r>
+          </a:p>
+          <a:p>
+            <a:pPr indent="0">
+              <a:buNone/>
+            </a:pPr>
+            <a:r>
+              <a:rPr lang="en-US" sz="1800" dirty="0">
+                <a:cs typeface="Arial" pitchFamily="34" charset="0"/>
+              </a:rPr>
+              <a:t>The blur distance of the shadow</a:t>
+            </a:r>
+          </a:p>
+          <a:p>
+            <a:pPr indent="0">
+              <a:buNone/>
+            </a:pPr>
+            <a:r>
+              <a:rPr lang="en-US" sz="1800" dirty="0">
+                <a:cs typeface="Arial" pitchFamily="34" charset="0"/>
+              </a:rPr>
+              <a:t>The spread distance of the shadow</a:t>
+            </a:r>
+          </a:p>
+        </p:txBody>
+      </p:sp>
+      <p:sp>
+        <p:nvSpPr>
+          <p:cNvPr id="5" name="Slide Number Placeholder 4"/>
+          <p:cNvSpPr>
+            <a:spLocks noGrp="1"/>
+          </p:cNvSpPr>
+          <p:nvPr>
+            <p:ph type="sldNum" sz="quarter" idx="12"/>
+          </p:nvPr>
+        </p:nvSpPr>
+        <p:spPr/>
+        <p:txBody>
+          <a:bodyPr/>
+          <a:lstStyle/>
+          <a:p>
+            <a:fld id="{34B7E4EF-A1BD-40F4-AB7B-04F084DD991D}" type="slidenum">
+              <a:rPr lang="en-US" smtClean="0"/>
+              <a:t>32</a:t>
+            </a:fld>
+            <a:endParaRPr lang="en-US" dirty="0"/>
+          </a:p>
+        </p:txBody>
+      </p:sp>
+      <p:sp>
+        <p:nvSpPr>
+          <p:cNvPr id="4" name="Rectangle 3"/>
+          <p:cNvSpPr/>
+          <p:nvPr/>
+        </p:nvSpPr>
+        <p:spPr>
+          <a:xfrm>
+            <a:off x="1066799" y="5128540"/>
+            <a:ext cx="7001933" cy="646331"/>
+          </a:xfrm>
+          <a:prstGeom prst="rect">
+            <a:avLst/>
+          </a:prstGeom>
+        </p:spPr>
+        <p:txBody>
+          <a:bodyPr wrap="square">
+            <a:spAutoFit/>
+          </a:bodyPr>
+          <a:lstStyle/>
+          <a:p>
+            <a:r>
+              <a:rPr lang="en-US" b="1" dirty="0"/>
+              <a:t>Source</a:t>
+            </a:r>
+          </a:p>
+          <a:p>
+            <a:r>
+              <a:rPr lang="en-US" dirty="0">
+                <a:solidFill>
+                  <a:srgbClr val="00B0F0"/>
+                </a:solidFill>
+              </a:rPr>
+              <a:t>https://www.w3schools.com/CSSref/css3_pr_box-shadow.asp</a:t>
+            </a:r>
+          </a:p>
+        </p:txBody>
+      </p:sp>
+    </p:spTree>
+    <p:extLst>
+      <p:ext uri="{BB962C8B-B14F-4D97-AF65-F5344CB8AC3E}">
+        <p14:creationId xmlns:p14="http://schemas.microsoft.com/office/powerpoint/2010/main" val="2233499891"/>
+      </p:ext>
+    </p:extLst>
+  </p:cSld>
+  <p:clrMapOvr>
+    <a:masterClrMapping/>
+  </p:clrMapOvr>
+</p:sld>
+</file>
+
+<file path=ppt/slides/slide33.xml><?xml version="1.0" encoding="utf-8"?>
+<p:sld xmlns:a="http://schemas.openxmlformats.org/drawingml/2006/main" xmlns:r="http://schemas.openxmlformats.org/officeDocument/2006/relationships" xmlns:p="http://schemas.openxmlformats.org/presentationml/2006/main">
+  <p:cSld>
+    <p:spTree>
+      <p:nvGrpSpPr>
+        <p:cNvPr id="1" name=""/>
+        <p:cNvGrpSpPr/>
+        <p:nvPr/>
+      </p:nvGrpSpPr>
+      <p:grpSpPr>
+        <a:xfrm>
+          <a:off x="0" y="0"/>
+          <a:ext cx="0" cy="0"/>
+          <a:chOff x="0" y="0"/>
+          <a:chExt cx="0" cy="0"/>
+        </a:xfrm>
+      </p:grpSpPr>
+      <p:sp>
+        <p:nvSpPr>
+          <p:cNvPr id="2" name="Title 1">
+            <a:extLst>
+              <a:ext uri="{FF2B5EF4-FFF2-40B4-BE49-F238E27FC236}">
+                <a16:creationId xmlns:a16="http://schemas.microsoft.com/office/drawing/2014/main" id="{BDFAC13C-59B1-436E-B58F-C304E1C705CF}"/>
+              </a:ext>
+            </a:extLst>
+          </p:cNvPr>
+          <p:cNvSpPr>
+            <a:spLocks noGrp="1"/>
+          </p:cNvSpPr>
+          <p:nvPr>
+            <p:ph type="title"/>
+          </p:nvPr>
+        </p:nvSpPr>
+        <p:spPr/>
+        <p:txBody>
+          <a:bodyPr>
+            <a:normAutofit/>
+          </a:bodyPr>
+          <a:lstStyle/>
+          <a:p>
+            <a:r>
+              <a:rPr lang="en-US" u="sng" dirty="0"/>
+              <a:t>CSS Gradients</a:t>
+            </a:r>
+          </a:p>
+        </p:txBody>
+      </p:sp>
+      <p:sp>
+        <p:nvSpPr>
+          <p:cNvPr id="3" name="Content Placeholder 2">
+            <a:extLst>
+              <a:ext uri="{FF2B5EF4-FFF2-40B4-BE49-F238E27FC236}">
+                <a16:creationId xmlns:a16="http://schemas.microsoft.com/office/drawing/2014/main" id="{844A3DC5-46BF-4BFF-8008-98FD467C4904}"/>
+              </a:ext>
+            </a:extLst>
+          </p:cNvPr>
+          <p:cNvSpPr>
+            <a:spLocks noGrp="1"/>
+          </p:cNvSpPr>
+          <p:nvPr>
+            <p:ph idx="1"/>
+          </p:nvPr>
+        </p:nvSpPr>
+        <p:spPr/>
+        <p:txBody>
+          <a:bodyPr>
+            <a:noAutofit/>
+          </a:bodyPr>
+          <a:lstStyle/>
+          <a:p>
+            <a:pPr marL="0" indent="0">
+              <a:buNone/>
+            </a:pPr>
+            <a:r>
+              <a:rPr lang="en-US" sz="1800" dirty="0">
+                <a:cs typeface="Arial" pitchFamily="34" charset="0"/>
+              </a:rPr>
+              <a:t>CSS Radial Gradients are circular or elliptical gradients.   The colors blend out from a starting point in all directions</a:t>
+            </a:r>
+          </a:p>
+          <a:p>
+            <a:pPr marL="0" indent="0">
+              <a:buNone/>
+            </a:pPr>
+            <a:r>
+              <a:rPr lang="en-US" sz="1800" dirty="0">
+                <a:cs typeface="Arial" pitchFamily="34" charset="0"/>
+              </a:rPr>
+              <a:t>CSS Linear Gradients are those where colors transition across a straight line, from top to bottom, left to right, or along any arbitrary axis</a:t>
+            </a:r>
+          </a:p>
+          <a:p>
+            <a:pPr marL="0" indent="0">
+              <a:buNone/>
+            </a:pPr>
+            <a:r>
+              <a:rPr lang="en-US" sz="1800" dirty="0">
+                <a:cs typeface="Arial" pitchFamily="34" charset="0"/>
+              </a:rPr>
+              <a:t>CSS Repeating Gradients provides both a repeating-linear-gradient and a repeating-radial-gradient gradient</a:t>
+            </a:r>
+          </a:p>
+        </p:txBody>
+      </p:sp>
+      <p:sp>
+        <p:nvSpPr>
+          <p:cNvPr id="5" name="Slide Number Placeholder 4"/>
+          <p:cNvSpPr>
+            <a:spLocks noGrp="1"/>
+          </p:cNvSpPr>
+          <p:nvPr>
+            <p:ph type="sldNum" sz="quarter" idx="12"/>
+          </p:nvPr>
+        </p:nvSpPr>
+        <p:spPr/>
+        <p:txBody>
+          <a:bodyPr/>
+          <a:lstStyle/>
+          <a:p>
+            <a:fld id="{34B7E4EF-A1BD-40F4-AB7B-04F084DD991D}" type="slidenum">
+              <a:rPr lang="en-US" smtClean="0"/>
+              <a:t>33</a:t>
+            </a:fld>
+            <a:endParaRPr lang="en-US" dirty="0"/>
+          </a:p>
+        </p:txBody>
+      </p:sp>
+      <p:sp>
+        <p:nvSpPr>
+          <p:cNvPr id="6" name="Rectangle 5"/>
+          <p:cNvSpPr/>
+          <p:nvPr/>
+        </p:nvSpPr>
+        <p:spPr>
+          <a:xfrm>
+            <a:off x="1066799" y="5128540"/>
+            <a:ext cx="7349068" cy="646331"/>
+          </a:xfrm>
+          <a:prstGeom prst="rect">
+            <a:avLst/>
+          </a:prstGeom>
+        </p:spPr>
+        <p:txBody>
+          <a:bodyPr wrap="square">
+            <a:spAutoFit/>
+          </a:bodyPr>
+          <a:lstStyle/>
+          <a:p>
+            <a:r>
+              <a:rPr lang="en-US" b="1" dirty="0"/>
+              <a:t>Source</a:t>
+            </a:r>
+          </a:p>
+          <a:p>
+            <a:r>
+              <a:rPr lang="en-US" dirty="0">
+                <a:latin typeface="Arial" pitchFamily="34" charset="0"/>
+                <a:cs typeface="Arial" pitchFamily="34" charset="0"/>
+                <a:hlinkClick r:id="rId2"/>
+              </a:rPr>
+              <a:t>https://developer.mozilla.org/en-US/docs/CSS/Using_CSS_gradients</a:t>
+            </a:r>
+            <a:endParaRPr lang="en-US" dirty="0">
+              <a:solidFill>
+                <a:srgbClr val="00B0F0"/>
+              </a:solidFill>
+            </a:endParaRPr>
+          </a:p>
+        </p:txBody>
+      </p:sp>
+    </p:spTree>
+    <p:extLst>
+      <p:ext uri="{BB962C8B-B14F-4D97-AF65-F5344CB8AC3E}">
+        <p14:creationId xmlns:p14="http://schemas.microsoft.com/office/powerpoint/2010/main" val="930612635"/>
+      </p:ext>
+    </p:extLst>
+  </p:cSld>
+  <p:clrMapOvr>
+    <a:masterClrMapping/>
+  </p:clrMapOvr>
+</p:sld>
+</file>
+
+<file path=ppt/slides/slide34.xml><?xml version="1.0" encoding="utf-8"?>
+<p:sld xmlns:a="http://schemas.openxmlformats.org/drawingml/2006/main" xmlns:r="http://schemas.openxmlformats.org/officeDocument/2006/relationships" xmlns:p="http://schemas.openxmlformats.org/presentationml/2006/main">
+  <p:cSld>
+    <p:spTree>
+      <p:nvGrpSpPr>
+        <p:cNvPr id="1" name=""/>
+        <p:cNvGrpSpPr/>
+        <p:nvPr/>
+      </p:nvGrpSpPr>
+      <p:grpSpPr>
+        <a:xfrm>
+          <a:off x="0" y="0"/>
+          <a:ext cx="0" cy="0"/>
+          <a:chOff x="0" y="0"/>
+          <a:chExt cx="0" cy="0"/>
+        </a:xfrm>
+      </p:grpSpPr>
+      <p:sp>
+        <p:nvSpPr>
+          <p:cNvPr id="2" name="Title 1">
+            <a:extLst>
+              <a:ext uri="{FF2B5EF4-FFF2-40B4-BE49-F238E27FC236}">
+                <a16:creationId xmlns:a16="http://schemas.microsoft.com/office/drawing/2014/main" id="{BDFAC13C-59B1-436E-B58F-C304E1C705CF}"/>
+              </a:ext>
+            </a:extLst>
+          </p:cNvPr>
+          <p:cNvSpPr>
+            <a:spLocks noGrp="1"/>
+          </p:cNvSpPr>
+          <p:nvPr>
+            <p:ph type="title"/>
+          </p:nvPr>
+        </p:nvSpPr>
+        <p:spPr/>
+        <p:txBody>
+          <a:bodyPr>
+            <a:normAutofit/>
+          </a:bodyPr>
+          <a:lstStyle/>
+          <a:p>
+            <a:r>
+              <a:rPr lang="en-US" u="sng" dirty="0"/>
+              <a:t>CSS Transforms</a:t>
+            </a:r>
+          </a:p>
+        </p:txBody>
+      </p:sp>
+      <p:sp>
+        <p:nvSpPr>
+          <p:cNvPr id="3" name="Content Placeholder 2">
+            <a:extLst>
+              <a:ext uri="{FF2B5EF4-FFF2-40B4-BE49-F238E27FC236}">
+                <a16:creationId xmlns:a16="http://schemas.microsoft.com/office/drawing/2014/main" id="{844A3DC5-46BF-4BFF-8008-98FD467C4904}"/>
+              </a:ext>
+            </a:extLst>
+          </p:cNvPr>
+          <p:cNvSpPr>
+            <a:spLocks noGrp="1"/>
+          </p:cNvSpPr>
+          <p:nvPr>
+            <p:ph idx="1"/>
+          </p:nvPr>
+        </p:nvSpPr>
+        <p:spPr/>
+        <p:txBody>
+          <a:bodyPr>
+            <a:noAutofit/>
+          </a:bodyPr>
+          <a:lstStyle/>
+          <a:p>
+            <a:pPr marL="0" indent="0">
+              <a:buNone/>
+            </a:pPr>
+            <a:r>
+              <a:rPr lang="en-US" sz="1800" dirty="0">
+                <a:cs typeface="Arial" pitchFamily="34" charset="0"/>
+              </a:rPr>
+              <a:t>The CSS transform property lets the user translate, rotate, scale, or skew an page element.  Translation functions let the user move elements left, right, up, or down</a:t>
+            </a:r>
+          </a:p>
+        </p:txBody>
+      </p:sp>
+      <p:sp>
+        <p:nvSpPr>
+          <p:cNvPr id="5" name="Slide Number Placeholder 4"/>
+          <p:cNvSpPr>
+            <a:spLocks noGrp="1"/>
+          </p:cNvSpPr>
+          <p:nvPr>
+            <p:ph type="sldNum" sz="quarter" idx="12"/>
+          </p:nvPr>
+        </p:nvSpPr>
+        <p:spPr/>
+        <p:txBody>
+          <a:bodyPr/>
+          <a:lstStyle/>
+          <a:p>
+            <a:fld id="{34B7E4EF-A1BD-40F4-AB7B-04F084DD991D}" type="slidenum">
+              <a:rPr lang="en-US" smtClean="0"/>
+              <a:t>34</a:t>
             </a:fld>
             <a:endParaRPr lang="en-US" dirty="0"/>
           </a:p>
@@ -8753,17 +10465,10 @@
   <p:clrMapOvr>
     <a:masterClrMapping/>
   </p:clrMapOvr>
-  <p:timing>
-    <p:tnLst>
-      <p:par>
-        <p:cTn id="1" dur="indefinite" restart="never" nodeType="tmRoot"/>
-      </p:par>
-    </p:tnLst>
-  </p:timing>
 </p:sld>
 </file>
 
-<file path=ppt/slides/slide28.xml><?xml version="1.0" encoding="utf-8"?>
+<file path=ppt/slides/slide35.xml><?xml version="1.0" encoding="utf-8"?>
 <p:sld xmlns:a="http://schemas.openxmlformats.org/drawingml/2006/main" xmlns:r="http://schemas.openxmlformats.org/officeDocument/2006/relationships" xmlns:p="http://schemas.openxmlformats.org/presentationml/2006/main">
   <p:cSld>
     <p:spTree>
@@ -8785,7 +10490,7 @@
           <p:cNvPr id="2" name="Title 1">
             <a:extLst>
               <a:ext uri="{FF2B5EF4-FFF2-40B4-BE49-F238E27FC236}">
-                <a16:creationId xmlns:a16="http://schemas.microsoft.com/office/drawing/2014/main" xmlns="" id="{BDFAC13C-59B1-436E-B58F-C304E1C705CF}"/>
+                <a16:creationId xmlns:a16="http://schemas.microsoft.com/office/drawing/2014/main" id="{BDFAC13C-59B1-436E-B58F-C304E1C705CF}"/>
               </a:ext>
             </a:extLst>
           </p:cNvPr>
@@ -8796,12 +10501,7 @@
             <p:ph type="title"/>
           </p:nvPr>
         </p:nvSpPr>
-        <p:spPr>
-          <a:xfrm>
-            <a:off x="664233" y="733579"/>
-            <a:ext cx="6189239" cy="1371600"/>
-          </a:xfrm>
-        </p:spPr>
+        <p:spPr/>
         <p:txBody>
           <a:bodyPr>
             <a:normAutofit/>
@@ -8809,10 +10509,9 @@
           <a:lstStyle/>
           <a:p>
             <a:r>
-              <a:rPr lang="en-US" u="sng" dirty="0" smtClean="0"/>
+              <a:rPr lang="en-US" u="sng" dirty="0"/>
               <a:t>CSS Transitions</a:t>
             </a:r>
-            <a:endParaRPr lang="en-US" u="sng" dirty="0"/>
           </a:p>
         </p:txBody>
       </p:sp>
@@ -8821,7 +10520,7 @@
           <p:cNvPr id="3" name="Content Placeholder 2">
             <a:extLst>
               <a:ext uri="{FF2B5EF4-FFF2-40B4-BE49-F238E27FC236}">
-                <a16:creationId xmlns:a16="http://schemas.microsoft.com/office/drawing/2014/main" xmlns="" id="{844A3DC5-46BF-4BFF-8008-98FD467C4904}"/>
+                <a16:creationId xmlns:a16="http://schemas.microsoft.com/office/drawing/2014/main" id="{844A3DC5-46BF-4BFF-8008-98FD467C4904}"/>
               </a:ext>
             </a:extLst>
           </p:cNvPr>
@@ -8832,12 +10531,7 @@
             <p:ph idx="1"/>
           </p:nvPr>
         </p:nvSpPr>
-        <p:spPr>
-          <a:xfrm>
-            <a:off x="1066800" y="2317687"/>
-            <a:ext cx="10058400" cy="2598345"/>
-          </a:xfrm>
-        </p:spPr>
+        <p:spPr/>
         <p:txBody>
           <a:bodyPr>
             <a:noAutofit/>
@@ -8874,7 +10568,7 @@
           <a:p>
             <a:fld id="{34B7E4EF-A1BD-40F4-AB7B-04F084DD991D}" type="slidenum">
               <a:rPr lang="en-US" smtClean="0"/>
-              <a:t>28</a:t>
+              <a:t>35</a:t>
             </a:fld>
             <a:endParaRPr lang="en-US" dirty="0"/>
           </a:p>
@@ -8957,17 +10651,10 @@
   <p:clrMapOvr>
     <a:masterClrMapping/>
   </p:clrMapOvr>
-  <p:timing>
-    <p:tnLst>
-      <p:par>
-        <p:cTn id="1" dur="indefinite" restart="never" nodeType="tmRoot"/>
-      </p:par>
-    </p:tnLst>
-  </p:timing>
 </p:sld>
 </file>
 
-<file path=ppt/slides/slide29.xml><?xml version="1.0" encoding="utf-8"?>
+<file path=ppt/slides/slide36.xml><?xml version="1.0" encoding="utf-8"?>
 <p:sld xmlns:a="http://schemas.openxmlformats.org/drawingml/2006/main" xmlns:r="http://schemas.openxmlformats.org/officeDocument/2006/relationships" xmlns:p="http://schemas.openxmlformats.org/presentationml/2006/main">
   <p:cSld>
     <p:spTree>
@@ -8989,7 +10676,7 @@
           <p:cNvPr id="2" name="Title 1">
             <a:extLst>
               <a:ext uri="{FF2B5EF4-FFF2-40B4-BE49-F238E27FC236}">
-                <a16:creationId xmlns:a16="http://schemas.microsoft.com/office/drawing/2014/main" xmlns="" id="{BDFAC13C-59B1-436E-B58F-C304E1C705CF}"/>
+                <a16:creationId xmlns:a16="http://schemas.microsoft.com/office/drawing/2014/main" id="{BDFAC13C-59B1-436E-B58F-C304E1C705CF}"/>
               </a:ext>
             </a:extLst>
           </p:cNvPr>
@@ -9000,12 +10687,7 @@
             <p:ph type="title"/>
           </p:nvPr>
         </p:nvSpPr>
-        <p:spPr>
-          <a:xfrm>
-            <a:off x="664233" y="733579"/>
-            <a:ext cx="6189239" cy="1371600"/>
-          </a:xfrm>
-        </p:spPr>
+        <p:spPr/>
         <p:txBody>
           <a:bodyPr>
             <a:normAutofit/>
@@ -9013,10 +10695,9 @@
           <a:lstStyle/>
           <a:p>
             <a:r>
-              <a:rPr lang="en-US" u="sng" dirty="0" smtClean="0"/>
+              <a:rPr lang="en-US" u="sng" dirty="0"/>
               <a:t>CSS Animations</a:t>
             </a:r>
-            <a:endParaRPr lang="en-US" u="sng" dirty="0"/>
           </a:p>
         </p:txBody>
       </p:sp>
@@ -9025,7 +10706,7 @@
           <p:cNvPr id="3" name="Content Placeholder 2">
             <a:extLst>
               <a:ext uri="{FF2B5EF4-FFF2-40B4-BE49-F238E27FC236}">
-                <a16:creationId xmlns:a16="http://schemas.microsoft.com/office/drawing/2014/main" xmlns="" id="{844A3DC5-46BF-4BFF-8008-98FD467C4904}"/>
+                <a16:creationId xmlns:a16="http://schemas.microsoft.com/office/drawing/2014/main" id="{844A3DC5-46BF-4BFF-8008-98FD467C4904}"/>
               </a:ext>
             </a:extLst>
           </p:cNvPr>
@@ -9036,12 +10717,7 @@
             <p:ph idx="1"/>
           </p:nvPr>
         </p:nvSpPr>
-        <p:spPr>
-          <a:xfrm>
-            <a:off x="1066800" y="2317687"/>
-            <a:ext cx="10058400" cy="2598345"/>
-          </a:xfrm>
-        </p:spPr>
+        <p:spPr/>
         <p:txBody>
           <a:bodyPr>
             <a:noAutofit/>
@@ -9085,7 +10761,7 @@
           <a:p>
             <a:fld id="{34B7E4EF-A1BD-40F4-AB7B-04F084DD991D}" type="slidenum">
               <a:rPr lang="en-US" smtClean="0"/>
-              <a:t>29</a:t>
+              <a:t>36</a:t>
             </a:fld>
             <a:endParaRPr lang="en-US" dirty="0"/>
           </a:p>
@@ -9168,17 +10844,10 @@
   <p:clrMapOvr>
     <a:masterClrMapping/>
   </p:clrMapOvr>
-  <p:timing>
-    <p:tnLst>
-      <p:par>
-        <p:cTn id="1" dur="indefinite" restart="never" nodeType="tmRoot"/>
-      </p:par>
-    </p:tnLst>
-  </p:timing>
 </p:sld>
 </file>
 
-<file path=ppt/slides/slide3.xml><?xml version="1.0" encoding="utf-8"?>
+<file path=ppt/slides/slide37.xml><?xml version="1.0" encoding="utf-8"?>
 <p:sld xmlns:a="http://schemas.openxmlformats.org/drawingml/2006/main" xmlns:r="http://schemas.openxmlformats.org/officeDocument/2006/relationships" xmlns:p="http://schemas.openxmlformats.org/presentationml/2006/main">
   <p:cSld>
     <p:spTree>
@@ -9200,7 +10869,7 @@
           <p:cNvPr id="2" name="Title 1">
             <a:extLst>
               <a:ext uri="{FF2B5EF4-FFF2-40B4-BE49-F238E27FC236}">
-                <a16:creationId xmlns:a16="http://schemas.microsoft.com/office/drawing/2014/main" xmlns="" id="{BDFAC13C-59B1-436E-B58F-C304E1C705CF}"/>
+                <a16:creationId xmlns:a16="http://schemas.microsoft.com/office/drawing/2014/main" id="{BDFAC13C-59B1-436E-B58F-C304E1C705CF}"/>
               </a:ext>
             </a:extLst>
           </p:cNvPr>
@@ -9211,12 +10880,7 @@
             <p:ph type="title"/>
           </p:nvPr>
         </p:nvSpPr>
-        <p:spPr>
-          <a:xfrm>
-            <a:off x="664234" y="733579"/>
-            <a:ext cx="5077520" cy="1371600"/>
-          </a:xfrm>
-        </p:spPr>
+        <p:spPr/>
         <p:txBody>
           <a:bodyPr>
             <a:normAutofit/>
@@ -9224,10 +10888,9 @@
           <a:lstStyle/>
           <a:p>
             <a:r>
-              <a:rPr lang="en-US" u="sng" dirty="0" smtClean="0"/>
-              <a:t>Objectives</a:t>
-            </a:r>
-            <a:endParaRPr lang="en-US" u="sng" dirty="0"/>
+              <a:rPr lang="en-US" u="sng" dirty="0"/>
+              <a:t>What We Covered</a:t>
+            </a:r>
           </a:p>
         </p:txBody>
       </p:sp>
@@ -9236,7 +10899,7 @@
           <p:cNvPr id="3" name="Content Placeholder 2">
             <a:extLst>
               <a:ext uri="{FF2B5EF4-FFF2-40B4-BE49-F238E27FC236}">
-                <a16:creationId xmlns:a16="http://schemas.microsoft.com/office/drawing/2014/main" xmlns="" id="{844A3DC5-46BF-4BFF-8008-98FD467C4904}"/>
+                <a16:creationId xmlns:a16="http://schemas.microsoft.com/office/drawing/2014/main" id="{844A3DC5-46BF-4BFF-8008-98FD467C4904}"/>
               </a:ext>
             </a:extLst>
           </p:cNvPr>
@@ -9247,15 +10910,10 @@
             <p:ph idx="1"/>
           </p:nvPr>
         </p:nvSpPr>
-        <p:spPr>
-          <a:xfrm>
-            <a:off x="1066800" y="2733472"/>
-            <a:ext cx="10058400" cy="1919267"/>
-          </a:xfrm>
-        </p:spPr>
+        <p:spPr/>
         <p:txBody>
           <a:bodyPr>
-            <a:noAutofit/>
+            <a:normAutofit/>
           </a:bodyPr>
           <a:lstStyle/>
           <a:p>
@@ -9263,7 +10921,7 @@
               <a:rPr lang="en-US" sz="1800" dirty="0">
                 <a:cs typeface="Arial" panose="020B0604020202020204" pitchFamily="34" charset="0"/>
               </a:rPr>
-              <a:t>Review The Use Of CSS3 and Colors</a:t>
+              <a:t>The 3 CSS Types</a:t>
             </a:r>
           </a:p>
           <a:p>
@@ -9271,7 +10929,7 @@
               <a:rPr lang="en-US" sz="1800" dirty="0">
                 <a:cs typeface="Arial" panose="020B0604020202020204" pitchFamily="34" charset="0"/>
               </a:rPr>
-              <a:t>Review CSS3 Gradients</a:t>
+              <a:t>The CSS Box Model</a:t>
             </a:r>
           </a:p>
           <a:p>
@@ -9279,7 +10937,7 @@
               <a:rPr lang="en-US" sz="1800" dirty="0">
                 <a:cs typeface="Arial" panose="020B0604020202020204" pitchFamily="34" charset="0"/>
               </a:rPr>
-              <a:t>Review CSS3 Transforms</a:t>
+              <a:t>CSS Flexbox</a:t>
             </a:r>
           </a:p>
           <a:p>
@@ -9287,7 +10945,7 @@
               <a:rPr lang="en-US" sz="1800" dirty="0">
                 <a:cs typeface="Arial" panose="020B0604020202020204" pitchFamily="34" charset="0"/>
               </a:rPr>
-              <a:t>Review CSS3 Transitions</a:t>
+              <a:t>CSS Grid Layout</a:t>
             </a:r>
           </a:p>
           <a:p>
@@ -9295,11 +10953,17 @@
               <a:rPr lang="en-US" sz="1800" dirty="0">
                 <a:cs typeface="Arial" panose="020B0604020202020204" pitchFamily="34" charset="0"/>
               </a:rPr>
-              <a:t>Review CSS3 Animations</a:t>
-            </a:r>
-            <a:endParaRPr lang="en-US" sz="1800" dirty="0">
-              <a:cs typeface="Arial" panose="020B0604020202020204" pitchFamily="34" charset="0"/>
-            </a:endParaRPr>
+              <a:t>The Main CSS Selectors</a:t>
+            </a:r>
+          </a:p>
+          <a:p>
+            <a:r>
+              <a:rPr lang="en-US" sz="1800" dirty="0">
+                <a:cs typeface="Arial" panose="020B0604020202020204" pitchFamily="34" charset="0"/>
+              </a:rPr>
+              <a:t>The CSS Relational Selector</a:t>
+            </a:r>
+            <a:endParaRPr lang="en-US" sz="1800" dirty="0"/>
           </a:p>
         </p:txBody>
       </p:sp>
@@ -9320,7 +10984,7 @@
           <a:p>
             <a:fld id="{34B7E4EF-A1BD-40F4-AB7B-04F084DD991D}" type="slidenum">
               <a:rPr lang="en-US" smtClean="0"/>
-              <a:t>3</a:t>
+              <a:t>37</a:t>
             </a:fld>
             <a:endParaRPr lang="en-US" dirty="0"/>
           </a:p>
@@ -9329,24 +10993,17 @@
     </p:spTree>
     <p:extLst>
       <p:ext uri="{BB962C8B-B14F-4D97-AF65-F5344CB8AC3E}">
-        <p14:creationId xmlns:p14="http://schemas.microsoft.com/office/powerpoint/2010/main" val="3054052255"/>
+        <p14:creationId xmlns:p14="http://schemas.microsoft.com/office/powerpoint/2010/main" val="2820098090"/>
       </p:ext>
     </p:extLst>
   </p:cSld>
   <p:clrMapOvr>
     <a:masterClrMapping/>
   </p:clrMapOvr>
-  <p:timing>
-    <p:tnLst>
-      <p:par>
-        <p:cTn id="1" dur="indefinite" restart="never" nodeType="tmRoot"/>
-      </p:par>
-    </p:tnLst>
-  </p:timing>
 </p:sld>
 </file>
 
-<file path=ppt/slides/slide30.xml><?xml version="1.0" encoding="utf-8"?>
+<file path=ppt/slides/slide38.xml><?xml version="1.0" encoding="utf-8"?>
 <p:sld xmlns:a="http://schemas.openxmlformats.org/drawingml/2006/main" xmlns:r="http://schemas.openxmlformats.org/officeDocument/2006/relationships" xmlns:p="http://schemas.openxmlformats.org/presentationml/2006/main">
   <p:cSld>
     <p:spTree>
@@ -9368,7 +11025,7 @@
           <p:cNvPr id="2" name="Title 1">
             <a:extLst>
               <a:ext uri="{FF2B5EF4-FFF2-40B4-BE49-F238E27FC236}">
-                <a16:creationId xmlns:a16="http://schemas.microsoft.com/office/drawing/2014/main" xmlns="" id="{BDFAC13C-59B1-436E-B58F-C304E1C705CF}"/>
+                <a16:creationId xmlns:a16="http://schemas.microsoft.com/office/drawing/2014/main" id="{BDFAC13C-59B1-436E-B58F-C304E1C705CF}"/>
               </a:ext>
             </a:extLst>
           </p:cNvPr>
@@ -9379,12 +11036,7 @@
             <p:ph type="title"/>
           </p:nvPr>
         </p:nvSpPr>
-        <p:spPr>
-          <a:xfrm>
-            <a:off x="664234" y="733579"/>
-            <a:ext cx="5077520" cy="1371600"/>
-          </a:xfrm>
-        </p:spPr>
+        <p:spPr/>
         <p:txBody>
           <a:bodyPr>
             <a:normAutofit/>
@@ -9392,10 +11044,9 @@
           <a:lstStyle/>
           <a:p>
             <a:r>
-              <a:rPr lang="en-US" u="sng" dirty="0" smtClean="0"/>
+              <a:rPr lang="en-US" u="sng" dirty="0"/>
               <a:t>What We Covered</a:t>
             </a:r>
-            <a:endParaRPr lang="en-US" u="sng" dirty="0"/>
           </a:p>
         </p:txBody>
       </p:sp>
@@ -9404,7 +11055,7 @@
           <p:cNvPr id="3" name="Content Placeholder 2">
             <a:extLst>
               <a:ext uri="{FF2B5EF4-FFF2-40B4-BE49-F238E27FC236}">
-                <a16:creationId xmlns:a16="http://schemas.microsoft.com/office/drawing/2014/main" xmlns="" id="{844A3DC5-46BF-4BFF-8008-98FD467C4904}"/>
+                <a16:creationId xmlns:a16="http://schemas.microsoft.com/office/drawing/2014/main" id="{844A3DC5-46BF-4BFF-8008-98FD467C4904}"/>
               </a:ext>
             </a:extLst>
           </p:cNvPr>
@@ -9415,12 +11066,7 @@
             <p:ph idx="1"/>
           </p:nvPr>
         </p:nvSpPr>
-        <p:spPr>
-          <a:xfrm>
-            <a:off x="1066800" y="2733472"/>
-            <a:ext cx="10058400" cy="2943051"/>
-          </a:xfrm>
-        </p:spPr>
+        <p:spPr/>
         <p:txBody>
           <a:bodyPr>
             <a:normAutofit/>
@@ -9431,7 +11077,7 @@
               <a:rPr lang="en-US" sz="1800" dirty="0">
                 <a:cs typeface="Arial" panose="020B0604020202020204" pitchFamily="34" charset="0"/>
               </a:rPr>
-              <a:t>The 3 CSS Types</a:t>
+              <a:t>The Use Of CSS3 and Colors</a:t>
             </a:r>
           </a:p>
           <a:p>
@@ -9439,7 +11085,7 @@
               <a:rPr lang="en-US" sz="1800" dirty="0">
                 <a:cs typeface="Arial" panose="020B0604020202020204" pitchFamily="34" charset="0"/>
               </a:rPr>
-              <a:t>The CSS Box Model</a:t>
+              <a:t>CSS3 Box-Shadow</a:t>
             </a:r>
           </a:p>
           <a:p>
@@ -9447,7 +11093,7 @@
               <a:rPr lang="en-US" sz="1800" dirty="0">
                 <a:cs typeface="Arial" panose="020B0604020202020204" pitchFamily="34" charset="0"/>
               </a:rPr>
-              <a:t>CSS Flexbox</a:t>
+              <a:t>CSS3 Gradients</a:t>
             </a:r>
           </a:p>
           <a:p>
@@ -9455,7 +11101,7 @@
               <a:rPr lang="en-US" sz="1800" dirty="0">
                 <a:cs typeface="Arial" panose="020B0604020202020204" pitchFamily="34" charset="0"/>
               </a:rPr>
-              <a:t>CSS Grid Layout</a:t>
+              <a:t>CSS3 Transforms</a:t>
             </a:r>
           </a:p>
           <a:p>
@@ -9463,7 +11109,7 @@
               <a:rPr lang="en-US" sz="1800" dirty="0">
                 <a:cs typeface="Arial" panose="020B0604020202020204" pitchFamily="34" charset="0"/>
               </a:rPr>
-              <a:t>The Main CSS Selectors</a:t>
+              <a:t>CSS3 Transitions</a:t>
             </a:r>
           </a:p>
           <a:p>
@@ -9471,9 +11117,8 @@
               <a:rPr lang="en-US" sz="1800" dirty="0">
                 <a:cs typeface="Arial" panose="020B0604020202020204" pitchFamily="34" charset="0"/>
               </a:rPr>
-              <a:t>The CSS Relational Selector</a:t>
-            </a:r>
-            <a:endParaRPr lang="en-US" sz="1800" dirty="0"/>
+              <a:t>CSS3 Animations</a:t>
+            </a:r>
           </a:p>
         </p:txBody>
       </p:sp>
@@ -9494,7 +11139,7 @@
           <a:p>
             <a:fld id="{34B7E4EF-A1BD-40F4-AB7B-04F084DD991D}" type="slidenum">
               <a:rPr lang="en-US" smtClean="0"/>
-              <a:t>30</a:t>
+              <a:t>38</a:t>
             </a:fld>
             <a:endParaRPr lang="en-US" dirty="0"/>
           </a:p>
@@ -9503,24 +11148,17 @@
     </p:spTree>
     <p:extLst>
       <p:ext uri="{BB962C8B-B14F-4D97-AF65-F5344CB8AC3E}">
-        <p14:creationId xmlns:p14="http://schemas.microsoft.com/office/powerpoint/2010/main" val="2820098090"/>
+        <p14:creationId xmlns:p14="http://schemas.microsoft.com/office/powerpoint/2010/main" val="3347166809"/>
       </p:ext>
     </p:extLst>
   </p:cSld>
   <p:clrMapOvr>
     <a:masterClrMapping/>
   </p:clrMapOvr>
-  <p:timing>
-    <p:tnLst>
-      <p:par>
-        <p:cTn id="1" dur="indefinite" restart="never" nodeType="tmRoot"/>
-      </p:par>
-    </p:tnLst>
-  </p:timing>
 </p:sld>
 </file>
 
-<file path=ppt/slides/slide31.xml><?xml version="1.0" encoding="utf-8"?>
+<file path=ppt/slides/slide39.xml><?xml version="1.0" encoding="utf-8"?>
 <p:sld xmlns:a="http://schemas.openxmlformats.org/drawingml/2006/main" xmlns:r="http://schemas.openxmlformats.org/officeDocument/2006/relationships" xmlns:p="http://schemas.openxmlformats.org/presentationml/2006/main">
   <p:cSld>
     <p:spTree>
@@ -9542,7 +11180,7 @@
           <p:cNvPr id="2" name="Title 1">
             <a:extLst>
               <a:ext uri="{FF2B5EF4-FFF2-40B4-BE49-F238E27FC236}">
-                <a16:creationId xmlns:a16="http://schemas.microsoft.com/office/drawing/2014/main" xmlns="" id="{BDFAC13C-59B1-436E-B58F-C304E1C705CF}"/>
+                <a16:creationId xmlns:a16="http://schemas.microsoft.com/office/drawing/2014/main" id="{BDFAC13C-59B1-436E-B58F-C304E1C705CF}"/>
               </a:ext>
             </a:extLst>
           </p:cNvPr>
@@ -9553,12 +11191,7 @@
             <p:ph type="title"/>
           </p:nvPr>
         </p:nvSpPr>
-        <p:spPr>
-          <a:xfrm>
-            <a:off x="664234" y="733579"/>
-            <a:ext cx="5077520" cy="1371600"/>
-          </a:xfrm>
-        </p:spPr>
+        <p:spPr/>
         <p:txBody>
           <a:bodyPr>
             <a:normAutofit/>
@@ -9566,10 +11199,9 @@
           <a:lstStyle/>
           <a:p>
             <a:r>
-              <a:rPr lang="en-US" u="sng" dirty="0" smtClean="0"/>
-              <a:t>What We Covered</a:t>
-            </a:r>
-            <a:endParaRPr lang="en-US" u="sng" dirty="0"/>
+              <a:rPr lang="en-US" u="sng" dirty="0"/>
+              <a:t>Some Useful URLs</a:t>
+            </a:r>
           </a:p>
         </p:txBody>
       </p:sp>
@@ -9578,7 +11210,7 @@
           <p:cNvPr id="3" name="Content Placeholder 2">
             <a:extLst>
               <a:ext uri="{FF2B5EF4-FFF2-40B4-BE49-F238E27FC236}">
-                <a16:creationId xmlns:a16="http://schemas.microsoft.com/office/drawing/2014/main" xmlns="" id="{844A3DC5-46BF-4BFF-8008-98FD467C4904}"/>
+                <a16:creationId xmlns:a16="http://schemas.microsoft.com/office/drawing/2014/main" id="{844A3DC5-46BF-4BFF-8008-98FD467C4904}"/>
               </a:ext>
             </a:extLst>
           </p:cNvPr>
@@ -9589,188 +11221,7 @@
             <p:ph idx="1"/>
           </p:nvPr>
         </p:nvSpPr>
-        <p:spPr>
-          <a:xfrm>
-            <a:off x="1066800" y="2733472"/>
-            <a:ext cx="10058400" cy="2943051"/>
-          </a:xfrm>
-        </p:spPr>
-        <p:txBody>
-          <a:bodyPr>
-            <a:normAutofit/>
-          </a:bodyPr>
-          <a:lstStyle/>
-          <a:p>
-            <a:r>
-              <a:rPr lang="en-US" sz="1800" dirty="0">
-                <a:cs typeface="Arial" panose="020B0604020202020204" pitchFamily="34" charset="0"/>
-              </a:rPr>
-              <a:t>The Use Of CSS3 and Colors</a:t>
-            </a:r>
-          </a:p>
-          <a:p>
-            <a:r>
-              <a:rPr lang="en-US" sz="1800" dirty="0">
-                <a:cs typeface="Arial" panose="020B0604020202020204" pitchFamily="34" charset="0"/>
-              </a:rPr>
-              <a:t>CSS3 Box-Shadow</a:t>
-            </a:r>
-          </a:p>
-          <a:p>
-            <a:r>
-              <a:rPr lang="en-US" sz="1800" dirty="0">
-                <a:cs typeface="Arial" panose="020B0604020202020204" pitchFamily="34" charset="0"/>
-              </a:rPr>
-              <a:t>CSS3 Gradients</a:t>
-            </a:r>
-          </a:p>
-          <a:p>
-            <a:r>
-              <a:rPr lang="en-US" sz="1800" dirty="0">
-                <a:cs typeface="Arial" panose="020B0604020202020204" pitchFamily="34" charset="0"/>
-              </a:rPr>
-              <a:t>CSS3 Transforms</a:t>
-            </a:r>
-          </a:p>
-          <a:p>
-            <a:r>
-              <a:rPr lang="en-US" sz="1800" dirty="0">
-                <a:cs typeface="Arial" panose="020B0604020202020204" pitchFamily="34" charset="0"/>
-              </a:rPr>
-              <a:t>CSS3 Transitions</a:t>
-            </a:r>
-          </a:p>
-          <a:p>
-            <a:r>
-              <a:rPr lang="en-US" sz="1800" dirty="0">
-                <a:cs typeface="Arial" panose="020B0604020202020204" pitchFamily="34" charset="0"/>
-              </a:rPr>
-              <a:t>CSS3 Animations</a:t>
-            </a:r>
-            <a:endParaRPr lang="en-US" sz="1800" dirty="0">
-              <a:cs typeface="Arial" panose="020B0604020202020204" pitchFamily="34" charset="0"/>
-            </a:endParaRPr>
-          </a:p>
-        </p:txBody>
-      </p:sp>
-      <p:sp>
-        <p:nvSpPr>
-          <p:cNvPr id="5" name="Slide Number Placeholder 4"/>
-          <p:cNvSpPr>
-            <a:spLocks noGrp="1"/>
-          </p:cNvSpPr>
-          <p:nvPr>
-            <p:ph type="sldNum" sz="quarter" idx="12"/>
-          </p:nvPr>
-        </p:nvSpPr>
-        <p:spPr/>
-        <p:txBody>
-          <a:bodyPr/>
-          <a:lstStyle/>
-          <a:p>
-            <a:fld id="{34B7E4EF-A1BD-40F4-AB7B-04F084DD991D}" type="slidenum">
-              <a:rPr lang="en-US" smtClean="0"/>
-              <a:t>31</a:t>
-            </a:fld>
-            <a:endParaRPr lang="en-US" dirty="0"/>
-          </a:p>
-        </p:txBody>
-      </p:sp>
-    </p:spTree>
-    <p:extLst>
-      <p:ext uri="{BB962C8B-B14F-4D97-AF65-F5344CB8AC3E}">
-        <p14:creationId xmlns:p14="http://schemas.microsoft.com/office/powerpoint/2010/main" val="3347166809"/>
-      </p:ext>
-    </p:extLst>
-  </p:cSld>
-  <p:clrMapOvr>
-    <a:masterClrMapping/>
-  </p:clrMapOvr>
-  <p:timing>
-    <p:tnLst>
-      <p:par>
-        <p:cTn id="1" dur="indefinite" restart="never" nodeType="tmRoot"/>
-      </p:par>
-    </p:tnLst>
-  </p:timing>
-</p:sld>
-</file>
-
-<file path=ppt/slides/slide32.xml><?xml version="1.0" encoding="utf-8"?>
-<p:sld xmlns:a="http://schemas.openxmlformats.org/drawingml/2006/main" xmlns:r="http://schemas.openxmlformats.org/officeDocument/2006/relationships" xmlns:p="http://schemas.openxmlformats.org/presentationml/2006/main">
-  <p:cSld>
-    <p:spTree>
-      <p:nvGrpSpPr>
-        <p:cNvPr id="1" name=""/>
-        <p:cNvGrpSpPr/>
-        <p:nvPr/>
-      </p:nvGrpSpPr>
-      <p:grpSpPr>
-        <a:xfrm>
-          <a:off x="0" y="0"/>
-          <a:ext cx="0" cy="0"/>
-          <a:chOff x="0" y="0"/>
-          <a:chExt cx="0" cy="0"/>
-        </a:xfrm>
-      </p:grpSpPr>
-      <p:sp>
-        <p:nvSpPr>
-          <p:cNvPr id="2" name="Title 1">
-            <a:extLst>
-              <a:ext uri="{FF2B5EF4-FFF2-40B4-BE49-F238E27FC236}">
-                <a16:creationId xmlns:a16="http://schemas.microsoft.com/office/drawing/2014/main" xmlns="" id="{BDFAC13C-59B1-436E-B58F-C304E1C705CF}"/>
-              </a:ext>
-            </a:extLst>
-          </p:cNvPr>
-          <p:cNvSpPr>
-            <a:spLocks noGrp="1"/>
-          </p:cNvSpPr>
-          <p:nvPr>
-            <p:ph type="title"/>
-          </p:nvPr>
-        </p:nvSpPr>
-        <p:spPr>
-          <a:xfrm>
-            <a:off x="664234" y="733579"/>
-            <a:ext cx="5077520" cy="1371600"/>
-          </a:xfrm>
-        </p:spPr>
-        <p:txBody>
-          <a:bodyPr>
-            <a:normAutofit/>
-          </a:bodyPr>
-          <a:lstStyle/>
-          <a:p>
-            <a:r>
-              <a:rPr lang="en-US" u="sng" dirty="0" smtClean="0"/>
-              <a:t>Some Useful URLs</a:t>
-            </a:r>
-            <a:endParaRPr lang="en-US" u="sng" dirty="0"/>
-          </a:p>
-        </p:txBody>
-      </p:sp>
-      <p:sp>
-        <p:nvSpPr>
-          <p:cNvPr id="3" name="Content Placeholder 2">
-            <a:extLst>
-              <a:ext uri="{FF2B5EF4-FFF2-40B4-BE49-F238E27FC236}">
-                <a16:creationId xmlns:a16="http://schemas.microsoft.com/office/drawing/2014/main" xmlns="" id="{844A3DC5-46BF-4BFF-8008-98FD467C4904}"/>
-              </a:ext>
-            </a:extLst>
-          </p:cNvPr>
-          <p:cNvSpPr>
-            <a:spLocks noGrp="1"/>
-          </p:cNvSpPr>
-          <p:nvPr>
-            <p:ph idx="1"/>
-          </p:nvPr>
-        </p:nvSpPr>
-        <p:spPr>
-          <a:xfrm>
-            <a:off x="1066800" y="2733472"/>
-            <a:ext cx="10058400" cy="3078853"/>
-          </a:xfrm>
-        </p:spPr>
+        <p:spPr/>
         <p:txBody>
           <a:bodyPr>
             <a:normAutofit/>
@@ -9839,7 +11290,7 @@
           <a:p>
             <a:fld id="{34B7E4EF-A1BD-40F4-AB7B-04F084DD991D}" type="slidenum">
               <a:rPr lang="en-US" smtClean="0"/>
-              <a:t>32</a:t>
+              <a:t>39</a:t>
             </a:fld>
             <a:endParaRPr lang="en-US" dirty="0"/>
           </a:p>
@@ -9855,13 +11306,6 @@
   <p:clrMapOvr>
     <a:masterClrMapping/>
   </p:clrMapOvr>
-  <p:timing>
-    <p:tnLst>
-      <p:par>
-        <p:cTn id="1" dur="indefinite" restart="never" nodeType="tmRoot"/>
-      </p:par>
-    </p:tnLst>
-  </p:timing>
 </p:sld>
 </file>
 
@@ -9887,7 +11331,7 @@
           <p:cNvPr id="2" name="Title 1">
             <a:extLst>
               <a:ext uri="{FF2B5EF4-FFF2-40B4-BE49-F238E27FC236}">
-                <a16:creationId xmlns:a16="http://schemas.microsoft.com/office/drawing/2014/main" xmlns="" id="{BDFAC13C-59B1-436E-B58F-C304E1C705CF}"/>
+                <a16:creationId xmlns:a16="http://schemas.microsoft.com/office/drawing/2014/main" id="{BDFAC13C-59B1-436E-B58F-C304E1C705CF}"/>
               </a:ext>
             </a:extLst>
           </p:cNvPr>
@@ -9898,12 +11342,7 @@
             <p:ph type="title"/>
           </p:nvPr>
         </p:nvSpPr>
-        <p:spPr>
-          <a:xfrm>
-            <a:off x="664234" y="733579"/>
-            <a:ext cx="5077520" cy="1371600"/>
-          </a:xfrm>
-        </p:spPr>
+        <p:spPr/>
         <p:txBody>
           <a:bodyPr>
             <a:normAutofit/>
@@ -9911,10 +11350,9 @@
           <a:lstStyle/>
           <a:p>
             <a:r>
-              <a:rPr lang="en-US" u="sng" dirty="0" smtClean="0"/>
-              <a:t>Inline CSS</a:t>
-            </a:r>
-            <a:endParaRPr lang="en-US" u="sng" dirty="0"/>
+              <a:rPr lang="en-US" u="sng" dirty="0"/>
+              <a:t>Inline Styles</a:t>
+            </a:r>
           </a:p>
         </p:txBody>
       </p:sp>
@@ -9923,7 +11361,7 @@
           <p:cNvPr id="3" name="Content Placeholder 2">
             <a:extLst>
               <a:ext uri="{FF2B5EF4-FFF2-40B4-BE49-F238E27FC236}">
-                <a16:creationId xmlns:a16="http://schemas.microsoft.com/office/drawing/2014/main" xmlns="" id="{844A3DC5-46BF-4BFF-8008-98FD467C4904}"/>
+                <a16:creationId xmlns:a16="http://schemas.microsoft.com/office/drawing/2014/main" id="{844A3DC5-46BF-4BFF-8008-98FD467C4904}"/>
               </a:ext>
             </a:extLst>
           </p:cNvPr>
@@ -9934,41 +11372,56 @@
             <p:ph idx="1"/>
           </p:nvPr>
         </p:nvSpPr>
-        <p:spPr>
-          <a:xfrm>
-            <a:off x="1066800" y="2733472"/>
-            <a:ext cx="10058400" cy="1919267"/>
-          </a:xfrm>
-        </p:spPr>
+        <p:spPr/>
         <p:txBody>
           <a:bodyPr>
-            <a:normAutofit lnSpcReduction="10000"/>
+            <a:noAutofit/>
           </a:bodyPr>
           <a:lstStyle/>
           <a:p>
             <a:pPr marL="0" indent="0">
-              <a:buNone/>
-            </a:pPr>
-            <a:r>
-              <a:rPr lang="en-US" sz="1900" dirty="0">
-                <a:cs typeface="Arial" pitchFamily="34" charset="0"/>
-              </a:rPr>
-              <a:t>Inline CSS normally styles an individual element</a:t>
-            </a:r>
-          </a:p>
-          <a:p>
-            <a:pPr indent="0">
+              <a:spcBef>
+                <a:spcPts val="0"/>
+              </a:spcBef>
               <a:buNone/>
             </a:pPr>
             <a:r>
               <a:rPr lang="en-US" sz="1800" dirty="0">
                 <a:cs typeface="Arial" pitchFamily="34" charset="0"/>
               </a:rPr>
-              <a:t>Example (in body section):</a:t>
-            </a:r>
-          </a:p>
-          <a:p>
-            <a:pPr indent="0">
+              <a:t>Applies styles directly to an individual element.</a:t>
+            </a:r>
+          </a:p>
+          <a:p>
+            <a:pPr marL="0" indent="0">
+              <a:spcBef>
+                <a:spcPts val="0"/>
+              </a:spcBef>
+              <a:buNone/>
+            </a:pPr>
+            <a:endParaRPr lang="en-US" sz="1800" dirty="0">
+              <a:cs typeface="Arial" pitchFamily="34" charset="0"/>
+            </a:endParaRPr>
+          </a:p>
+          <a:p>
+            <a:pPr marL="0" indent="0">
+              <a:spcBef>
+                <a:spcPts val="0"/>
+              </a:spcBef>
+              <a:buNone/>
+            </a:pPr>
+            <a:r>
+              <a:rPr lang="en-US" sz="1800" b="1" u="sng" dirty="0">
+                <a:cs typeface="Arial" pitchFamily="34" charset="0"/>
+              </a:rPr>
+              <a:t>Example</a:t>
+            </a:r>
+          </a:p>
+          <a:p>
+            <a:pPr marL="0" indent="0">
+              <a:spcBef>
+                <a:spcPts val="0"/>
+              </a:spcBef>
               <a:buNone/>
             </a:pPr>
             <a:r>
@@ -9976,27 +11429,139 @@
                 <a:latin typeface="Consolas" panose="020B0609020204030204" pitchFamily="49" charset="0"/>
                 <a:cs typeface="Arial" pitchFamily="34" charset="0"/>
               </a:rPr>
-              <a:t>&lt;h1 style="color=blue;"&gt;Blue h1&lt;/h1&gt;</a:t>
-            </a:r>
-          </a:p>
-          <a:p>
-            <a:pPr marL="182880" lvl="1" indent="0">
+              <a:t>&lt;h1 style="color: blue;"&gt;Blue h1&lt;/h1&gt;</a:t>
+            </a:r>
+          </a:p>
+          <a:p>
+            <a:pPr marL="0" indent="0">
+              <a:spcBef>
+                <a:spcPts val="0"/>
+              </a:spcBef>
               <a:buNone/>
             </a:pPr>
-            <a:endParaRPr lang="en-US" dirty="0">
-              <a:latin typeface="Arial" pitchFamily="34" charset="0"/>
+            <a:endParaRPr lang="en-US" sz="1800" dirty="0">
               <a:cs typeface="Arial" pitchFamily="34" charset="0"/>
             </a:endParaRPr>
           </a:p>
           <a:p>
-            <a:pPr indent="0">
+            <a:pPr marL="0" indent="0">
+              <a:spcBef>
+                <a:spcPts val="0"/>
+              </a:spcBef>
               <a:buNone/>
             </a:pPr>
             <a:r>
-              <a:rPr lang="en-US" sz="1800" dirty="0">
+              <a:rPr lang="en-US" sz="1800" b="1" dirty="0">
+                <a:solidFill>
+                  <a:srgbClr val="FF0000"/>
+                </a:solidFill>
+                <a:highlight>
+                  <a:srgbClr val="FCF7F1"/>
+                </a:highlight>
                 <a:cs typeface="Arial" pitchFamily="34" charset="0"/>
               </a:rPr>
-              <a:t>NOTE: This is considered poor style and should be avoided at all times</a:t>
+              <a:t>However, this is very poor style and should be avoided at all costs.</a:t>
+            </a:r>
+          </a:p>
+          <a:p>
+            <a:pPr marL="0" indent="0">
+              <a:spcBef>
+                <a:spcPts val="0"/>
+              </a:spcBef>
+              <a:buNone/>
+            </a:pPr>
+            <a:endParaRPr lang="en-US" sz="1800" b="1" dirty="0">
+              <a:solidFill>
+                <a:srgbClr val="FF0000"/>
+              </a:solidFill>
+              <a:highlight>
+                <a:srgbClr val="FCF7F1"/>
+              </a:highlight>
+              <a:cs typeface="Arial" pitchFamily="34" charset="0"/>
+            </a:endParaRPr>
+          </a:p>
+          <a:p>
+            <a:pPr marL="342900" indent="-342900">
+              <a:spcBef>
+                <a:spcPts val="0"/>
+              </a:spcBef>
+              <a:buFont typeface="+mj-lt"/>
+              <a:buAutoNum type="arabicPeriod"/>
+            </a:pPr>
+            <a:r>
+              <a:rPr lang="en-US" sz="1800" b="1" dirty="0">
+                <a:solidFill>
+                  <a:srgbClr val="FF0000"/>
+                </a:solidFill>
+                <a:highlight>
+                  <a:srgbClr val="FCF7F1"/>
+                </a:highlight>
+                <a:cs typeface="Arial" pitchFamily="34" charset="0"/>
+              </a:rPr>
+              <a:t>These styles have the highest precedence possible and cannot be overridden with a stylesheet.</a:t>
+            </a:r>
+          </a:p>
+          <a:p>
+            <a:pPr marL="342900" indent="-342900">
+              <a:spcBef>
+                <a:spcPts val="0"/>
+              </a:spcBef>
+              <a:buFont typeface="+mj-lt"/>
+              <a:buAutoNum type="arabicPeriod"/>
+            </a:pPr>
+            <a:r>
+              <a:rPr lang="en-US" sz="1800" b="1" dirty="0">
+                <a:solidFill>
+                  <a:srgbClr val="FF0000"/>
+                </a:solidFill>
+                <a:highlight>
+                  <a:srgbClr val="FCF7F1"/>
+                </a:highlight>
+                <a:cs typeface="Arial" pitchFamily="34" charset="0"/>
+              </a:rPr>
+              <a:t>They cannot be overridden responsively using media queries. (See first point.)</a:t>
+            </a:r>
+          </a:p>
+          <a:p>
+            <a:pPr marL="342900" indent="-342900">
+              <a:spcBef>
+                <a:spcPts val="0"/>
+              </a:spcBef>
+              <a:buFont typeface="+mj-lt"/>
+              <a:buAutoNum type="arabicPeriod"/>
+            </a:pPr>
+            <a:r>
+              <a:rPr lang="en-US" sz="1800" b="1" dirty="0">
+                <a:solidFill>
+                  <a:srgbClr val="FF0000"/>
+                </a:solidFill>
+                <a:highlight>
+                  <a:srgbClr val="FCF7F1"/>
+                </a:highlight>
+                <a:cs typeface="Arial" pitchFamily="34" charset="0"/>
+              </a:rPr>
+              <a:t>They cannot be re-themed. (See first point.)</a:t>
+            </a:r>
+          </a:p>
+          <a:p>
+            <a:pPr marL="342900" indent="-342900">
+              <a:spcBef>
+                <a:spcPts val="0"/>
+              </a:spcBef>
+              <a:buFont typeface="+mj-lt"/>
+              <a:buAutoNum type="arabicPeriod"/>
+            </a:pPr>
+            <a:r>
+              <a:rPr lang="en-US" sz="1800" b="1" dirty="0">
+                <a:solidFill>
+                  <a:srgbClr val="FF0000"/>
+                </a:solidFill>
+                <a:highlight>
+                  <a:srgbClr val="FCF7F1"/>
+                </a:highlight>
+                <a:cs typeface="Arial" pitchFamily="34" charset="0"/>
+              </a:rPr>
+              <a:t>They cause styling data to be scattered and duplicated across the application.</a:t>
             </a:r>
           </a:p>
         </p:txBody>
@@ -10034,13 +11599,6 @@
   <p:clrMapOvr>
     <a:masterClrMapping/>
   </p:clrMapOvr>
-  <p:timing>
-    <p:tnLst>
-      <p:par>
-        <p:cTn id="1" dur="indefinite" restart="never" nodeType="tmRoot"/>
-      </p:par>
-    </p:tnLst>
-  </p:timing>
 </p:sld>
 </file>
 
@@ -10066,7 +11624,7 @@
           <p:cNvPr id="2" name="Title 1">
             <a:extLst>
               <a:ext uri="{FF2B5EF4-FFF2-40B4-BE49-F238E27FC236}">
-                <a16:creationId xmlns:a16="http://schemas.microsoft.com/office/drawing/2014/main" xmlns="" id="{BDFAC13C-59B1-436E-B58F-C304E1C705CF}"/>
+                <a16:creationId xmlns:a16="http://schemas.microsoft.com/office/drawing/2014/main" id="{BDFAC13C-59B1-436E-B58F-C304E1C705CF}"/>
               </a:ext>
             </a:extLst>
           </p:cNvPr>
@@ -10077,12 +11635,7 @@
             <p:ph type="title"/>
           </p:nvPr>
         </p:nvSpPr>
-        <p:spPr>
-          <a:xfrm>
-            <a:off x="664234" y="733579"/>
-            <a:ext cx="5077520" cy="1371600"/>
-          </a:xfrm>
-        </p:spPr>
+        <p:spPr/>
         <p:txBody>
           <a:bodyPr>
             <a:normAutofit/>
@@ -10090,10 +11643,9 @@
           <a:lstStyle/>
           <a:p>
             <a:r>
-              <a:rPr lang="en-US" u="sng" dirty="0" smtClean="0"/>
-              <a:t>Internal CSS</a:t>
-            </a:r>
-            <a:endParaRPr lang="en-US" u="sng" dirty="0"/>
+              <a:rPr lang="en-US" u="sng" dirty="0"/>
+              <a:t>Embedded Stylesheets</a:t>
+            </a:r>
           </a:p>
         </p:txBody>
       </p:sp>
@@ -10102,7 +11654,7 @@
           <p:cNvPr id="3" name="Content Placeholder 2">
             <a:extLst>
               <a:ext uri="{FF2B5EF4-FFF2-40B4-BE49-F238E27FC236}">
-                <a16:creationId xmlns:a16="http://schemas.microsoft.com/office/drawing/2014/main" xmlns="" id="{844A3DC5-46BF-4BFF-8008-98FD467C4904}"/>
+                <a16:creationId xmlns:a16="http://schemas.microsoft.com/office/drawing/2014/main" id="{844A3DC5-46BF-4BFF-8008-98FD467C4904}"/>
               </a:ext>
             </a:extLst>
           </p:cNvPr>
@@ -10113,12 +11665,7 @@
             <p:ph idx="1"/>
           </p:nvPr>
         </p:nvSpPr>
-        <p:spPr>
-          <a:xfrm>
-            <a:off x="1066800" y="2733472"/>
-            <a:ext cx="10058400" cy="2318362"/>
-          </a:xfrm>
-        </p:spPr>
+        <p:spPr/>
         <p:txBody>
           <a:bodyPr>
             <a:normAutofit fontScale="92500" lnSpcReduction="20000"/>
@@ -10126,28 +11673,73 @@
           <a:lstStyle/>
           <a:p>
             <a:pPr marL="0" indent="0">
+              <a:lnSpc>
+                <a:spcPct val="120000"/>
+              </a:lnSpc>
+              <a:spcBef>
+                <a:spcPts val="0"/>
+              </a:spcBef>
               <a:buNone/>
             </a:pPr>
             <a:r>
               <a:rPr lang="en-US" sz="2300" dirty="0">
                 <a:cs typeface="Arial" pitchFamily="34" charset="0"/>
               </a:rPr>
-              <a:t>Internal CSS normally styles on an individual HTML Page</a:t>
-            </a:r>
-          </a:p>
-          <a:p>
-            <a:pPr indent="0">
-              <a:buNone/>
-            </a:pPr>
+              <a:t>Embedded stylesheets are generally placed in the </a:t>
+            </a:r>
+            <a:r>
+              <a:rPr lang="en-US" sz="2300" b="1" dirty="0">
+                <a:latin typeface="Consolas" panose="020B0609020204030204" pitchFamily="49" charset="0"/>
+                <a:cs typeface="Arial" pitchFamily="34" charset="0"/>
+              </a:rPr>
+              <a:t>&lt;head&gt;</a:t>
+            </a:r>
             <a:r>
               <a:rPr lang="en-US" sz="2300" dirty="0">
                 <a:cs typeface="Arial" pitchFamily="34" charset="0"/>
               </a:rPr>
-              <a:t>Example (in head section):</a:t>
-            </a:r>
-          </a:p>
-          <a:p>
-            <a:pPr marL="227013" lvl="1" indent="0">
+              <a:t> of the HTML document and are used to apply styles to a particular page.</a:t>
+            </a:r>
+          </a:p>
+          <a:p>
+            <a:pPr marL="0" indent="0">
+              <a:lnSpc>
+                <a:spcPct val="120000"/>
+              </a:lnSpc>
+              <a:spcBef>
+                <a:spcPts val="0"/>
+              </a:spcBef>
+              <a:buNone/>
+            </a:pPr>
+            <a:endParaRPr lang="en-US" sz="2300" dirty="0">
+              <a:cs typeface="Arial" pitchFamily="34" charset="0"/>
+            </a:endParaRPr>
+          </a:p>
+          <a:p>
+            <a:pPr marL="0" indent="0">
+              <a:lnSpc>
+                <a:spcPct val="120000"/>
+              </a:lnSpc>
+              <a:spcBef>
+                <a:spcPts val="0"/>
+              </a:spcBef>
+              <a:buNone/>
+            </a:pPr>
+            <a:r>
+              <a:rPr lang="en-US" sz="2300" b="1" u="sng" dirty="0">
+                <a:cs typeface="Arial" pitchFamily="34" charset="0"/>
+              </a:rPr>
+              <a:t>Example</a:t>
+            </a:r>
+          </a:p>
+          <a:p>
+            <a:pPr marL="0" lvl="1" indent="0">
+              <a:lnSpc>
+                <a:spcPct val="120000"/>
+              </a:lnSpc>
+              <a:spcBef>
+                <a:spcPts val="0"/>
+              </a:spcBef>
               <a:buNone/>
             </a:pPr>
             <a:r>
@@ -10159,7 +11751,13 @@
             </a:r>
           </a:p>
           <a:p>
-            <a:pPr marL="227013" lvl="1" indent="0">
+            <a:pPr marL="0" lvl="1" indent="0">
+              <a:lnSpc>
+                <a:spcPct val="120000"/>
+              </a:lnSpc>
+              <a:spcBef>
+                <a:spcPts val="0"/>
+              </a:spcBef>
               <a:buNone/>
             </a:pPr>
             <a:r>
@@ -10167,35 +11765,17 @@
                 <a:latin typeface="Consolas" panose="020B0609020204030204" pitchFamily="49" charset="0"/>
                 <a:cs typeface="Arial" pitchFamily="34" charset="0"/>
               </a:rPr>
-              <a:t>  h1 {</a:t>
-            </a:r>
-          </a:p>
-          <a:p>
-            <a:pPr marL="227013" lvl="1" indent="0">
-              <a:buNone/>
-            </a:pPr>
-            <a:r>
-              <a:rPr lang="en-US" sz="1900" dirty="0">
-                <a:latin typeface="Consolas" panose="020B0609020204030204" pitchFamily="49" charset="0"/>
-                <a:cs typeface="Arial" pitchFamily="34" charset="0"/>
-              </a:rPr>
-              <a:t>    color: "blue";</a:t>
-            </a:r>
-          </a:p>
-          <a:p>
-            <a:pPr marL="227013" lvl="1" indent="0">
-              <a:buNone/>
-            </a:pPr>
-            <a:r>
-              <a:rPr lang="en-US" sz="1900" dirty="0">
-                <a:latin typeface="Consolas" panose="020B0609020204030204" pitchFamily="49" charset="0"/>
-                <a:cs typeface="Arial" pitchFamily="34" charset="0"/>
-              </a:rPr>
-              <a:t>  }</a:t>
-            </a:r>
-          </a:p>
-          <a:p>
-            <a:pPr marL="227013" lvl="1" indent="0">
+              <a:t>  h1 { color: blue; }</a:t>
+            </a:r>
+          </a:p>
+          <a:p>
+            <a:pPr marL="0" lvl="1" indent="0">
+              <a:lnSpc>
+                <a:spcPct val="120000"/>
+              </a:lnSpc>
+              <a:spcBef>
+                <a:spcPts val="0"/>
+              </a:spcBef>
               <a:buNone/>
             </a:pPr>
             <a:r>
@@ -10241,13 +11821,6 @@
   <p:clrMapOvr>
     <a:masterClrMapping/>
   </p:clrMapOvr>
-  <p:timing>
-    <p:tnLst>
-      <p:par>
-        <p:cTn id="1" dur="indefinite" restart="never" nodeType="tmRoot"/>
-      </p:par>
-    </p:tnLst>
-  </p:timing>
 </p:sld>
 </file>
 
@@ -10273,7 +11846,7 @@
           <p:cNvPr id="2" name="Title 1">
             <a:extLst>
               <a:ext uri="{FF2B5EF4-FFF2-40B4-BE49-F238E27FC236}">
-                <a16:creationId xmlns:a16="http://schemas.microsoft.com/office/drawing/2014/main" xmlns="" id="{BDFAC13C-59B1-436E-B58F-C304E1C705CF}"/>
+                <a16:creationId xmlns:a16="http://schemas.microsoft.com/office/drawing/2014/main" id="{BDFAC13C-59B1-436E-B58F-C304E1C705CF}"/>
               </a:ext>
             </a:extLst>
           </p:cNvPr>
@@ -10284,12 +11857,7 @@
             <p:ph type="title"/>
           </p:nvPr>
         </p:nvSpPr>
-        <p:spPr>
-          <a:xfrm>
-            <a:off x="664234" y="733579"/>
-            <a:ext cx="5077520" cy="1371600"/>
-          </a:xfrm>
-        </p:spPr>
+        <p:spPr/>
         <p:txBody>
           <a:bodyPr>
             <a:normAutofit/>
@@ -10297,14 +11865,9 @@
           <a:lstStyle/>
           <a:p>
             <a:r>
-              <a:rPr lang="en-US" u="sng" dirty="0" smtClean="0"/>
-              <a:t>Ex</a:t>
-            </a:r>
-            <a:r>
-              <a:rPr lang="en-US" u="sng" dirty="0" smtClean="0"/>
-              <a:t>ternal CSS</a:t>
-            </a:r>
-            <a:endParaRPr lang="en-US" u="sng" dirty="0"/>
+              <a:rPr lang="en-US" u="sng" dirty="0"/>
+              <a:t>External Stylesheets</a:t>
+            </a:r>
           </a:p>
         </p:txBody>
       </p:sp>
@@ -10313,7 +11876,7 @@
           <p:cNvPr id="3" name="Content Placeholder 2">
             <a:extLst>
               <a:ext uri="{FF2B5EF4-FFF2-40B4-BE49-F238E27FC236}">
-                <a16:creationId xmlns:a16="http://schemas.microsoft.com/office/drawing/2014/main" xmlns="" id="{844A3DC5-46BF-4BFF-8008-98FD467C4904}"/>
+                <a16:creationId xmlns:a16="http://schemas.microsoft.com/office/drawing/2014/main" id="{844A3DC5-46BF-4BFF-8008-98FD467C4904}"/>
               </a:ext>
             </a:extLst>
           </p:cNvPr>
@@ -10324,12 +11887,7 @@
             <p:ph idx="1"/>
           </p:nvPr>
         </p:nvSpPr>
-        <p:spPr>
-          <a:xfrm>
-            <a:off x="1066800" y="2733472"/>
-            <a:ext cx="10058400" cy="3301568"/>
-          </a:xfrm>
-        </p:spPr>
+        <p:spPr/>
         <p:txBody>
           <a:bodyPr>
             <a:normAutofit/>
@@ -10343,22 +11901,48 @@
               <a:rPr lang="en-US" sz="1800" dirty="0">
                 <a:cs typeface="Arial" pitchFamily="34" charset="0"/>
               </a:rPr>
-              <a:t>External CSS normally styles an entire HTML Website</a:t>
-            </a:r>
-          </a:p>
-          <a:p>
-            <a:pPr indent="0">
+              <a:t>External stylesheets are generally placed in a folder named </a:t>
+            </a:r>
+            <a:r>
+              <a:rPr lang="en-US" sz="1800" b="1" dirty="0">
+                <a:latin typeface="Consolas" panose="020B0609020204030204" pitchFamily="49" charset="0"/>
+                <a:cs typeface="Arial" pitchFamily="34" charset="0"/>
+              </a:rPr>
+              <a:t>css.</a:t>
+            </a:r>
+          </a:p>
+          <a:p>
+            <a:pPr marL="0" indent="0">
               <a:buNone/>
             </a:pPr>
             <a:r>
               <a:rPr lang="en-US" sz="1800" dirty="0">
                 <a:cs typeface="Arial" pitchFamily="34" charset="0"/>
               </a:rPr>
-              <a:t>Example (in file style.css, folder ccs ):</a:t>
-            </a:r>
-          </a:p>
-          <a:p>
-            <a:pPr indent="0">
+              <a:t>They are used to apply styles to an entire website.</a:t>
+            </a:r>
+          </a:p>
+          <a:p>
+            <a:pPr marL="0" indent="0">
+              <a:buNone/>
+            </a:pPr>
+            <a:endParaRPr lang="en-US" sz="1800" dirty="0">
+              <a:cs typeface="Arial" pitchFamily="34" charset="0"/>
+            </a:endParaRPr>
+          </a:p>
+          <a:p>
+            <a:pPr marL="0" indent="0">
+              <a:buNone/>
+            </a:pPr>
+            <a:r>
+              <a:rPr lang="en-US" sz="1800" b="1" u="sng" dirty="0">
+                <a:cs typeface="Arial" pitchFamily="34" charset="0"/>
+              </a:rPr>
+              <a:t>In &lt;head&gt; of HTML document:</a:t>
+            </a:r>
+          </a:p>
+          <a:p>
+            <a:pPr marL="0" indent="0">
               <a:buNone/>
             </a:pPr>
             <a:r>
@@ -10366,11 +11950,22 @@
                 <a:latin typeface="Consolas" panose="020B0609020204030204" pitchFamily="49" charset="0"/>
                 <a:cs typeface="Arial" pitchFamily="34" charset="0"/>
               </a:rPr>
-              <a:t>h1 {</a:t>
-            </a:r>
-          </a:p>
-          <a:p>
-            <a:pPr indent="0">
+              <a:t>&lt;link rel="stylesheet" href="/css/main.css"&gt;</a:t>
+            </a:r>
+          </a:p>
+          <a:p>
+            <a:pPr marL="0" indent="0">
+              <a:buNone/>
+            </a:pPr>
+            <a:r>
+              <a:rPr lang="en-US" sz="1800" b="1" u="sng" dirty="0">
+                <a:cs typeface="Arial" pitchFamily="34" charset="0"/>
+              </a:rPr>
+              <a:t>In css/main.css:</a:t>
+            </a:r>
+          </a:p>
+          <a:p>
+            <a:pPr marL="0" indent="0">
               <a:buNone/>
             </a:pPr>
             <a:r>
@@ -10378,31 +11973,7 @@
                 <a:latin typeface="Consolas" panose="020B0609020204030204" pitchFamily="49" charset="0"/>
                 <a:cs typeface="Arial" pitchFamily="34" charset="0"/>
               </a:rPr>
-              <a:t>  color: "blue";</a:t>
-            </a:r>
-          </a:p>
-          <a:p>
-            <a:pPr indent="0">
-              <a:buNone/>
-            </a:pPr>
-            <a:r>
-              <a:rPr lang="en-US" sz="1800" dirty="0">
-                <a:latin typeface="Consolas" panose="020B0609020204030204" pitchFamily="49" charset="0"/>
-                <a:cs typeface="Arial" pitchFamily="34" charset="0"/>
-              </a:rPr>
-              <a:t>}</a:t>
-            </a:r>
-          </a:p>
-          <a:p>
-            <a:pPr marL="171450" indent="0">
-              <a:buNone/>
-            </a:pPr>
-            <a:r>
-              <a:rPr lang="en-US" sz="1800" dirty="0">
-                <a:latin typeface="Consolas" panose="020B0609020204030204" pitchFamily="49" charset="0"/>
-                <a:cs typeface="Arial" pitchFamily="34" charset="0"/>
-              </a:rPr>
-              <a:t>&lt;link rel="stylesheet" href="css/style.css"&gt;</a:t>
+              <a:t>h1 { color: blue; }</a:t>
             </a:r>
           </a:p>
         </p:txBody>
@@ -10440,13 +12011,6 @@
   <p:clrMapOvr>
     <a:masterClrMapping/>
   </p:clrMapOvr>
-  <p:timing>
-    <p:tnLst>
-      <p:par>
-        <p:cTn id="1" dur="indefinite" restart="never" nodeType="tmRoot"/>
-      </p:par>
-    </p:tnLst>
-  </p:timing>
 </p:sld>
 </file>
 
@@ -10469,10 +12033,10 @@
       </p:grpSpPr>
       <p:sp>
         <p:nvSpPr>
-          <p:cNvPr id="2" name="Title 1">
+          <p:cNvPr id="5" name="Title 4">
             <a:extLst>
               <a:ext uri="{FF2B5EF4-FFF2-40B4-BE49-F238E27FC236}">
-                <a16:creationId xmlns:a16="http://schemas.microsoft.com/office/drawing/2014/main" xmlns="" id="{BDFAC13C-59B1-436E-B58F-C304E1C705CF}"/>
+                <a16:creationId xmlns:a16="http://schemas.microsoft.com/office/drawing/2014/main" id="{89DA77E3-31EF-47E3-B595-7B74647FDE88}"/>
               </a:ext>
             </a:extLst>
           </p:cNvPr>
@@ -10483,32 +12047,24 @@
             <p:ph type="title"/>
           </p:nvPr>
         </p:nvSpPr>
-        <p:spPr>
-          <a:xfrm>
-            <a:off x="664234" y="733579"/>
-            <a:ext cx="5077520" cy="1371600"/>
-          </a:xfrm>
-        </p:spPr>
-        <p:txBody>
-          <a:bodyPr>
-            <a:normAutofit/>
-          </a:bodyPr>
-          <a:lstStyle/>
-          <a:p>
-            <a:r>
-              <a:rPr lang="en-US" u="sng" dirty="0" smtClean="0"/>
-              <a:t>CSS Box Model</a:t>
-            </a:r>
-            <a:endParaRPr lang="en-US" u="sng" dirty="0"/>
-          </a:p>
-        </p:txBody>
-      </p:sp>
-      <p:sp>
-        <p:nvSpPr>
-          <p:cNvPr id="3" name="Content Placeholder 2">
+        <p:spPr/>
+        <p:txBody>
+          <a:bodyPr/>
+          <a:lstStyle/>
+          <a:p>
+            <a:r>
+              <a:rPr lang="en-US" cap="none" dirty="0"/>
+              <a:t>Box Model</a:t>
+            </a:r>
+          </a:p>
+        </p:txBody>
+      </p:sp>
+      <p:sp>
+        <p:nvSpPr>
+          <p:cNvPr id="6" name="Text Placeholder 5">
             <a:extLst>
               <a:ext uri="{FF2B5EF4-FFF2-40B4-BE49-F238E27FC236}">
-                <a16:creationId xmlns:a16="http://schemas.microsoft.com/office/drawing/2014/main" xmlns="" id="{844A3DC5-46BF-4BFF-8008-98FD467C4904}"/>
+                <a16:creationId xmlns:a16="http://schemas.microsoft.com/office/drawing/2014/main" id="{460EE982-E208-4B5A-9658-D27D265F5B07}"/>
               </a:ext>
             </a:extLst>
           </p:cNvPr>
@@ -10516,34 +12072,30 @@
             <a:spLocks noGrp="1"/>
           </p:cNvSpPr>
           <p:nvPr>
-            <p:ph idx="1"/>
-          </p:nvPr>
-        </p:nvSpPr>
-        <p:spPr>
-          <a:xfrm>
-            <a:off x="1066800" y="2733472"/>
-            <a:ext cx="10058400" cy="1919267"/>
-          </a:xfrm>
-        </p:spPr>
-        <p:txBody>
-          <a:bodyPr>
-            <a:normAutofit/>
-          </a:bodyPr>
-          <a:lstStyle/>
-          <a:p>
-            <a:pPr indent="0">
-              <a:buNone/>
-            </a:pPr>
-            <a:endParaRPr lang="en-US" sz="1800" dirty="0">
-              <a:latin typeface="Arial" panose="020B0604020202020204" pitchFamily="34" charset="0"/>
-              <a:cs typeface="Arial" panose="020B0604020202020204" pitchFamily="34" charset="0"/>
-            </a:endParaRPr>
-          </a:p>
-        </p:txBody>
-      </p:sp>
-      <p:sp>
-        <p:nvSpPr>
-          <p:cNvPr id="5" name="Slide Number Placeholder 4"/>
+            <p:ph type="body" idx="1"/>
+          </p:nvPr>
+        </p:nvSpPr>
+        <p:spPr/>
+        <p:txBody>
+          <a:bodyPr/>
+          <a:lstStyle/>
+          <a:p>
+            <a:r>
+              <a:rPr lang="en-US" dirty="0"/>
+              <a:t>Understanding the CSS box model.</a:t>
+            </a:r>
+          </a:p>
+        </p:txBody>
+      </p:sp>
+      <p:sp>
+        <p:nvSpPr>
+          <p:cNvPr id="4" name="Slide Number Placeholder 3">
+            <a:extLst>
+              <a:ext uri="{FF2B5EF4-FFF2-40B4-BE49-F238E27FC236}">
+                <a16:creationId xmlns:a16="http://schemas.microsoft.com/office/drawing/2014/main" id="{F78313E1-DACA-4522-B8E2-EEA3155037D8}"/>
+              </a:ext>
+            </a:extLst>
+          </p:cNvPr>
           <p:cNvSpPr>
             <a:spLocks noGrp="1"/>
           </p:cNvSpPr>
@@ -10564,47 +12116,16 @@
           </a:p>
         </p:txBody>
       </p:sp>
-      <p:pic>
-        <p:nvPicPr>
-          <p:cNvPr id="6" name="Content Placeholder 6"/>
-          <p:cNvPicPr>
-            <a:picLocks noChangeAspect="1"/>
-          </p:cNvPicPr>
-          <p:nvPr/>
-        </p:nvPicPr>
-        <p:blipFill>
-          <a:blip r:embed="rId2"/>
-          <a:stretch>
-            <a:fillRect/>
-          </a:stretch>
-        </p:blipFill>
-        <p:spPr>
-          <a:xfrm>
-            <a:off x="2109787" y="2057400"/>
-            <a:ext cx="4924425" cy="3019425"/>
-          </a:xfrm>
-          <a:prstGeom prst="rect">
-            <a:avLst/>
-          </a:prstGeom>
-        </p:spPr>
-      </p:pic>
     </p:spTree>
     <p:extLst>
       <p:ext uri="{BB962C8B-B14F-4D97-AF65-F5344CB8AC3E}">
-        <p14:creationId xmlns:p14="http://schemas.microsoft.com/office/powerpoint/2010/main" val="3217085756"/>
+        <p14:creationId xmlns:p14="http://schemas.microsoft.com/office/powerpoint/2010/main" val="1134345726"/>
       </p:ext>
     </p:extLst>
   </p:cSld>
   <p:clrMapOvr>
     <a:masterClrMapping/>
   </p:clrMapOvr>
-  <p:timing>
-    <p:tnLst>
-      <p:par>
-        <p:cTn id="1" dur="indefinite" restart="never" nodeType="tmRoot"/>
-      </p:par>
-    </p:tnLst>
-  </p:timing>
 </p:sld>
 </file>
 
@@ -10630,7 +12151,7 @@
           <p:cNvPr id="2" name="Title 1">
             <a:extLst>
               <a:ext uri="{FF2B5EF4-FFF2-40B4-BE49-F238E27FC236}">
-                <a16:creationId xmlns:a16="http://schemas.microsoft.com/office/drawing/2014/main" xmlns="" id="{BDFAC13C-59B1-436E-B58F-C304E1C705CF}"/>
+                <a16:creationId xmlns:a16="http://schemas.microsoft.com/office/drawing/2014/main" id="{BDFAC13C-59B1-436E-B58F-C304E1C705CF}"/>
               </a:ext>
             </a:extLst>
           </p:cNvPr>
@@ -10643,8 +12164,8 @@
         </p:nvSpPr>
         <p:spPr>
           <a:xfrm>
-            <a:off x="664234" y="733579"/>
-            <a:ext cx="5077520" cy="1371600"/>
+            <a:off x="1066800" y="325376"/>
+            <a:ext cx="10058400" cy="1371600"/>
           </a:xfrm>
         </p:spPr>
         <p:txBody>
@@ -10653,116 +12174,12 @@
           </a:bodyPr>
           <a:lstStyle/>
           <a:p>
-            <a:r>
-              <a:rPr lang="en-US" u="sng" dirty="0" smtClean="0"/>
+            <a:pPr algn="ctr"/>
+            <a:r>
+              <a:rPr lang="en-US" u="sng"/>
               <a:t>CSS Box Model</a:t>
             </a:r>
             <a:endParaRPr lang="en-US" u="sng" dirty="0"/>
-          </a:p>
-        </p:txBody>
-      </p:sp>
-      <p:sp>
-        <p:nvSpPr>
-          <p:cNvPr id="3" name="Content Placeholder 2">
-            <a:extLst>
-              <a:ext uri="{FF2B5EF4-FFF2-40B4-BE49-F238E27FC236}">
-                <a16:creationId xmlns:a16="http://schemas.microsoft.com/office/drawing/2014/main" xmlns="" id="{844A3DC5-46BF-4BFF-8008-98FD467C4904}"/>
-              </a:ext>
-            </a:extLst>
-          </p:cNvPr>
-          <p:cNvSpPr>
-            <a:spLocks noGrp="1"/>
-          </p:cNvSpPr>
-          <p:nvPr>
-            <p:ph idx="1"/>
-          </p:nvPr>
-        </p:nvSpPr>
-        <p:spPr>
-          <a:xfrm>
-            <a:off x="1066800" y="2733472"/>
-            <a:ext cx="10058400" cy="3151280"/>
-          </a:xfrm>
-        </p:spPr>
-        <p:txBody>
-          <a:bodyPr>
-            <a:normAutofit/>
-          </a:bodyPr>
-          <a:lstStyle/>
-          <a:p>
-            <a:pPr marL="0" indent="0">
-              <a:buNone/>
-            </a:pPr>
-            <a:r>
-              <a:rPr lang="en-US" sz="1800" b="1" dirty="0">
-                <a:cs typeface="Arial" panose="020B0604020202020204" pitchFamily="34" charset="0"/>
-              </a:rPr>
-              <a:t>Content</a:t>
-            </a:r>
-            <a:r>
-              <a:rPr lang="en-US" sz="1800" dirty="0">
-                <a:cs typeface="Arial" panose="020B0604020202020204" pitchFamily="34" charset="0"/>
-              </a:rPr>
-              <a:t> - The content of the box, where text and images appear</a:t>
-            </a:r>
-          </a:p>
-          <a:p>
-            <a:pPr marL="0" indent="0">
-              <a:buNone/>
-            </a:pPr>
-            <a:r>
-              <a:rPr lang="en-US" sz="1800" b="1" dirty="0">
-                <a:cs typeface="Arial" panose="020B0604020202020204" pitchFamily="34" charset="0"/>
-              </a:rPr>
-              <a:t>Padding</a:t>
-            </a:r>
-            <a:r>
-              <a:rPr lang="en-US" sz="1800" dirty="0">
-                <a:cs typeface="Arial" panose="020B0604020202020204" pitchFamily="34" charset="0"/>
-              </a:rPr>
-              <a:t> - Clears an area around the content. The padding is transparent</a:t>
-            </a:r>
-          </a:p>
-          <a:p>
-            <a:pPr marL="0" indent="0">
-              <a:buNone/>
-            </a:pPr>
-            <a:r>
-              <a:rPr lang="en-US" sz="1800" b="1" dirty="0">
-                <a:cs typeface="Arial" panose="020B0604020202020204" pitchFamily="34" charset="0"/>
-              </a:rPr>
-              <a:t>Border</a:t>
-            </a:r>
-            <a:r>
-              <a:rPr lang="en-US" sz="1800" dirty="0">
-                <a:cs typeface="Arial" panose="020B0604020202020204" pitchFamily="34" charset="0"/>
-              </a:rPr>
-              <a:t> - A border that goes around the padding and content</a:t>
-            </a:r>
-          </a:p>
-          <a:p>
-            <a:pPr marL="0" indent="0">
-              <a:buNone/>
-            </a:pPr>
-            <a:r>
-              <a:rPr lang="en-US" sz="1800" b="1" dirty="0">
-                <a:cs typeface="Arial" panose="020B0604020202020204" pitchFamily="34" charset="0"/>
-              </a:rPr>
-              <a:t>Margin</a:t>
-            </a:r>
-            <a:r>
-              <a:rPr lang="en-US" sz="1800" dirty="0">
-                <a:cs typeface="Arial" panose="020B0604020202020204" pitchFamily="34" charset="0"/>
-              </a:rPr>
-              <a:t> - Clears an area outside the border. The margin is transparent</a:t>
-            </a:r>
-          </a:p>
-          <a:p>
-            <a:pPr indent="0">
-              <a:buNone/>
-            </a:pPr>
-            <a:endParaRPr lang="en-US" sz="1800" dirty="0">
-              <a:cs typeface="Arial" panose="020B0604020202020204" pitchFamily="34" charset="0"/>
-            </a:endParaRPr>
           </a:p>
         </p:txBody>
       </p:sp>
@@ -10789,23 +12206,40 @@
           </a:p>
         </p:txBody>
       </p:sp>
+      <p:pic>
+        <p:nvPicPr>
+          <p:cNvPr id="6" name="Content Placeholder 6"/>
+          <p:cNvPicPr>
+            <a:picLocks noChangeAspect="1"/>
+          </p:cNvPicPr>
+          <p:nvPr/>
+        </p:nvPicPr>
+        <p:blipFill>
+          <a:blip r:embed="rId2"/>
+          <a:stretch>
+            <a:fillRect/>
+          </a:stretch>
+        </p:blipFill>
+        <p:spPr>
+          <a:xfrm>
+            <a:off x="2123790" y="1430437"/>
+            <a:ext cx="7944420" cy="4871143"/>
+          </a:xfrm>
+          <a:prstGeom prst="rect">
+            <a:avLst/>
+          </a:prstGeom>
+        </p:spPr>
+      </p:pic>
     </p:spTree>
     <p:extLst>
       <p:ext uri="{BB962C8B-B14F-4D97-AF65-F5344CB8AC3E}">
-        <p14:creationId xmlns:p14="http://schemas.microsoft.com/office/powerpoint/2010/main" val="3021436047"/>
+        <p14:creationId xmlns:p14="http://schemas.microsoft.com/office/powerpoint/2010/main" val="3217085756"/>
       </p:ext>
     </p:extLst>
   </p:cSld>
   <p:clrMapOvr>
     <a:masterClrMapping/>
   </p:clrMapOvr>
-  <p:timing>
-    <p:tnLst>
-      <p:par>
-        <p:cTn id="1" dur="indefinite" restart="never" nodeType="tmRoot"/>
-      </p:par>
-    </p:tnLst>
-  </p:timing>
 </p:sld>
 </file>
 
@@ -10831,7 +12265,7 @@
           <p:cNvPr id="2" name="Title 1">
             <a:extLst>
               <a:ext uri="{FF2B5EF4-FFF2-40B4-BE49-F238E27FC236}">
-                <a16:creationId xmlns:a16="http://schemas.microsoft.com/office/drawing/2014/main" xmlns="" id="{BDFAC13C-59B1-436E-B58F-C304E1C705CF}"/>
+                <a16:creationId xmlns:a16="http://schemas.microsoft.com/office/drawing/2014/main" id="{BDFAC13C-59B1-436E-B58F-C304E1C705CF}"/>
               </a:ext>
             </a:extLst>
           </p:cNvPr>
@@ -10842,12 +12276,7 @@
             <p:ph type="title"/>
           </p:nvPr>
         </p:nvSpPr>
-        <p:spPr>
-          <a:xfrm>
-            <a:off x="664234" y="733579"/>
-            <a:ext cx="5077520" cy="1371600"/>
-          </a:xfrm>
-        </p:spPr>
+        <p:spPr/>
         <p:txBody>
           <a:bodyPr>
             <a:normAutofit/>
@@ -10855,8 +12284,8 @@
           <a:lstStyle/>
           <a:p>
             <a:r>
-              <a:rPr lang="en-US" u="sng" dirty="0" smtClean="0"/>
-              <a:t>CSS Box Model</a:t>
+              <a:rPr lang="en-US" u="sng"/>
+              <a:t>Definitions</a:t>
             </a:r>
             <a:endParaRPr lang="en-US" u="sng" dirty="0"/>
           </a:p>
@@ -10867,7 +12296,7 @@
           <p:cNvPr id="3" name="Content Placeholder 2">
             <a:extLst>
               <a:ext uri="{FF2B5EF4-FFF2-40B4-BE49-F238E27FC236}">
-                <a16:creationId xmlns:a16="http://schemas.microsoft.com/office/drawing/2014/main" xmlns="" id="{844A3DC5-46BF-4BFF-8008-98FD467C4904}"/>
+                <a16:creationId xmlns:a16="http://schemas.microsoft.com/office/drawing/2014/main" id="{844A3DC5-46BF-4BFF-8008-98FD467C4904}"/>
               </a:ext>
             </a:extLst>
           </p:cNvPr>
@@ -10878,12 +12307,7 @@
             <p:ph idx="1"/>
           </p:nvPr>
         </p:nvSpPr>
-        <p:spPr>
-          <a:xfrm>
-            <a:off x="1066800" y="2733472"/>
-            <a:ext cx="10058400" cy="2381736"/>
-          </a:xfrm>
-        </p:spPr>
+        <p:spPr/>
         <p:txBody>
           <a:bodyPr>
             <a:normAutofit/>
@@ -10891,21 +12315,135 @@
           <a:lstStyle/>
           <a:p>
             <a:pPr marL="0" indent="0">
+              <a:lnSpc>
+                <a:spcPct val="200000"/>
+              </a:lnSpc>
+              <a:spcBef>
+                <a:spcPts val="0"/>
+              </a:spcBef>
               <a:buNone/>
             </a:pPr>
             <a:r>
               <a:rPr lang="en-US" sz="1800" b="1" dirty="0">
                 <a:cs typeface="Arial" panose="020B0604020202020204" pitchFamily="34" charset="0"/>
               </a:rPr>
-              <a:t>Padding</a:t>
+              <a:t>Margin</a:t>
             </a:r>
             <a:r>
               <a:rPr lang="en-US" sz="1800" dirty="0">
                 <a:cs typeface="Arial" panose="020B0604020202020204" pitchFamily="34" charset="0"/>
               </a:rPr>
-              <a:t> - The padding CSS property sets the padding area on all four sides of an element. It is a shorthand for padding-top, padding-right, padding-bottom, and padding-left</a:t>
-            </a:r>
-            <a:endParaRPr lang="en-US" sz="1800" dirty="0"/>
+              <a:t> - Clears an area outside the border. The margin is always transparent.</a:t>
+            </a:r>
+          </a:p>
+          <a:p>
+            <a:pPr marL="0" indent="0">
+              <a:lnSpc>
+                <a:spcPct val="200000"/>
+              </a:lnSpc>
+              <a:spcBef>
+                <a:spcPts val="0"/>
+              </a:spcBef>
+              <a:buNone/>
+            </a:pPr>
+            <a:r>
+              <a:rPr lang="en-US" sz="1800" b="1" dirty="0">
+                <a:cs typeface="Arial" panose="020B0604020202020204" pitchFamily="34" charset="0"/>
+              </a:rPr>
+              <a:t>Border</a:t>
+            </a:r>
+            <a:r>
+              <a:rPr lang="en-US" sz="1800" dirty="0">
+                <a:cs typeface="Arial" panose="020B0604020202020204" pitchFamily="34" charset="0"/>
+              </a:rPr>
+              <a:t> - A border that goes around the content.</a:t>
+            </a:r>
+          </a:p>
+          <a:p>
+            <a:pPr marL="0" indent="0">
+              <a:lnSpc>
+                <a:spcPct val="200000"/>
+              </a:lnSpc>
+              <a:spcBef>
+                <a:spcPts val="0"/>
+              </a:spcBef>
+              <a:buNone/>
+            </a:pPr>
+            <a:r>
+              <a:rPr lang="en-US" sz="1800" b="1" dirty="0">
+                <a:cs typeface="Arial" panose="020B0604020202020204" pitchFamily="34" charset="0"/>
+              </a:rPr>
+              <a:t>Padding</a:t>
+            </a:r>
+            <a:r>
+              <a:rPr lang="en-US" sz="1800" dirty="0">
+                <a:cs typeface="Arial" panose="020B0604020202020204" pitchFamily="34" charset="0"/>
+              </a:rPr>
+              <a:t> - Clears an area between the border and the content.</a:t>
+            </a:r>
+          </a:p>
+          <a:p>
+            <a:pPr marL="0" indent="0">
+              <a:lnSpc>
+                <a:spcPct val="200000"/>
+              </a:lnSpc>
+              <a:spcBef>
+                <a:spcPts val="0"/>
+              </a:spcBef>
+              <a:buNone/>
+            </a:pPr>
+            <a:r>
+              <a:rPr lang="en-US" sz="1800" b="1" dirty="0">
+                <a:cs typeface="Arial" panose="020B0604020202020204" pitchFamily="34" charset="0"/>
+              </a:rPr>
+              <a:t>Content</a:t>
+            </a:r>
+            <a:r>
+              <a:rPr lang="en-US" sz="1800" dirty="0">
+                <a:cs typeface="Arial" panose="020B0604020202020204" pitchFamily="34" charset="0"/>
+              </a:rPr>
+              <a:t> - The content of the box, where text and images appear.</a:t>
+            </a:r>
+            <a:endParaRPr lang="en-US" sz="1800" b="1" dirty="0">
+              <a:highlight>
+                <a:srgbClr val="FCF7F1"/>
+              </a:highlight>
+              <a:cs typeface="Arial" panose="020B0604020202020204" pitchFamily="34" charset="0"/>
+            </a:endParaRPr>
+          </a:p>
+          <a:p>
+            <a:pPr marL="0" indent="0">
+              <a:lnSpc>
+                <a:spcPct val="200000"/>
+              </a:lnSpc>
+              <a:spcBef>
+                <a:spcPts val="0"/>
+              </a:spcBef>
+              <a:buNone/>
+            </a:pPr>
+            <a:endParaRPr lang="en-US" sz="1800" dirty="0">
+              <a:cs typeface="Arial" panose="020B0604020202020204" pitchFamily="34" charset="0"/>
+            </a:endParaRPr>
+          </a:p>
+          <a:p>
+            <a:pPr marL="0" indent="0">
+              <a:lnSpc>
+                <a:spcPct val="200000"/>
+              </a:lnSpc>
+              <a:spcBef>
+                <a:spcPts val="0"/>
+              </a:spcBef>
+              <a:buNone/>
+            </a:pPr>
+            <a:r>
+              <a:rPr lang="en-US" sz="1800" dirty="0">
+                <a:highlight>
+                  <a:srgbClr val="FCF7F1"/>
+                </a:highlight>
+                <a:cs typeface="Arial" panose="020B0604020202020204" pitchFamily="34" charset="0"/>
+              </a:rPr>
+              <a:t>NOTE: Any background applied to the element is bounded to the border.</a:t>
+            </a:r>
           </a:p>
         </p:txBody>
       </p:sp>
@@ -10932,90 +12470,16 @@
           </a:p>
         </p:txBody>
       </p:sp>
-      <p:sp>
-        <p:nvSpPr>
-          <p:cNvPr id="6" name="Rectangle 5"/>
-          <p:cNvSpPr/>
-          <p:nvPr/>
-        </p:nvSpPr>
-        <p:spPr>
-          <a:xfrm>
-            <a:off x="983810" y="5420825"/>
-            <a:ext cx="7282004" cy="646331"/>
-          </a:xfrm>
-          <a:prstGeom prst="rect">
-            <a:avLst/>
-          </a:prstGeom>
-        </p:spPr>
-        <p:txBody>
-          <a:bodyPr wrap="square">
-            <a:spAutoFit/>
-          </a:bodyPr>
-          <a:lstStyle/>
-          <a:p>
-            <a:r>
-              <a:rPr lang="en-US" b="1" dirty="0"/>
-              <a:t>Source</a:t>
-            </a:r>
-          </a:p>
-          <a:p>
-            <a:r>
-              <a:rPr lang="en-US" dirty="0">
-                <a:solidFill>
-                  <a:srgbClr val="00B0F0"/>
-                </a:solidFill>
-              </a:rPr>
-              <a:t>https://developer.mozilla.org/en-US/docs/Web/CSS/padding</a:t>
-            </a:r>
-            <a:endParaRPr lang="en-US" dirty="0">
-              <a:solidFill>
-                <a:srgbClr val="00B0F0"/>
-              </a:solidFill>
-            </a:endParaRPr>
-          </a:p>
-        </p:txBody>
-      </p:sp>
-      <p:pic>
-        <p:nvPicPr>
-          <p:cNvPr id="7" name="Picture 6"/>
-          <p:cNvPicPr>
-            <a:picLocks noChangeAspect="1"/>
-          </p:cNvPicPr>
-          <p:nvPr/>
-        </p:nvPicPr>
-        <p:blipFill>
-          <a:blip r:embed="rId2"/>
-          <a:stretch>
-            <a:fillRect/>
-          </a:stretch>
-        </p:blipFill>
-        <p:spPr>
-          <a:xfrm>
-            <a:off x="3388919" y="3610667"/>
-            <a:ext cx="3933825" cy="1657350"/>
-          </a:xfrm>
-          <a:prstGeom prst="rect">
-            <a:avLst/>
-          </a:prstGeom>
-        </p:spPr>
-      </p:pic>
     </p:spTree>
     <p:extLst>
       <p:ext uri="{BB962C8B-B14F-4D97-AF65-F5344CB8AC3E}">
-        <p14:creationId xmlns:p14="http://schemas.microsoft.com/office/powerpoint/2010/main" val="3895788004"/>
+        <p14:creationId xmlns:p14="http://schemas.microsoft.com/office/powerpoint/2010/main" val="3021436047"/>
       </p:ext>
     </p:extLst>
   </p:cSld>
   <p:clrMapOvr>
     <a:masterClrMapping/>
   </p:clrMapOvr>
-  <p:timing>
-    <p:tnLst>
-      <p:par>
-        <p:cTn id="1" dur="indefinite" restart="never" nodeType="tmRoot"/>
-      </p:par>
-    </p:tnLst>
-  </p:timing>
 </p:sld>
 </file>
 
@@ -11778,21 +13242,21 @@
 </file>
 
 <file path=customXml/item2.xml><?xml version="1.0" encoding="utf-8"?>
+<p:properties xmlns:p="http://schemas.microsoft.com/office/2006/metadata/properties" xmlns:xsi="http://www.w3.org/2001/XMLSchema-instance" xmlns:pc="http://schemas.microsoft.com/office/infopath/2007/PartnerControls">
+  <documentManagement>
+    <Status xmlns="71af3243-3dd4-4a8d-8c0d-dd76da1f02a5">Not started</Status>
+    <MediaServiceKeyPoints xmlns="71af3243-3dd4-4a8d-8c0d-dd76da1f02a5" xsi:nil="true"/>
+  </documentManagement>
+</p:properties>
+</file>
+
+<file path=customXml/item3.xml><?xml version="1.0" encoding="utf-8"?>
 <?mso-contentType ?>
 <FormTemplates xmlns="http://schemas.microsoft.com/sharepoint/v3/contenttype/forms">
   <Display>DocumentLibraryForm</Display>
   <Edit>DocumentLibraryForm</Edit>
   <New>DocumentLibraryForm</New>
 </FormTemplates>
-</file>
-
-<file path=customXml/item3.xml><?xml version="1.0" encoding="utf-8"?>
-<p:properties xmlns:p="http://schemas.microsoft.com/office/2006/metadata/properties" xmlns:xsi="http://www.w3.org/2001/XMLSchema-instance" xmlns:pc="http://schemas.microsoft.com/office/infopath/2007/PartnerControls">
-  <documentManagement>
-    <Status xmlns="71af3243-3dd4-4a8d-8c0d-dd76da1f02a5">Not started</Status>
-    <MediaServiceKeyPoints xmlns="71af3243-3dd4-4a8d-8c0d-dd76da1f02a5" xsi:nil="true"/>
-  </documentManagement>
-</p:properties>
 </file>
 
 <file path=customXml/itemProps1.xml><?xml version="1.0" encoding="utf-8"?>
@@ -11815,14 +13279,6 @@
 </file>
 
 <file path=customXml/itemProps2.xml><?xml version="1.0" encoding="utf-8"?>
-<ds:datastoreItem xmlns:ds="http://schemas.openxmlformats.org/officeDocument/2006/customXml" ds:itemID="{CDB58277-F8DF-46FF-84EC-EF41B835E69F}">
-  <ds:schemaRefs>
-    <ds:schemaRef ds:uri="http://schemas.microsoft.com/sharepoint/v3/contenttype/forms"/>
-  </ds:schemaRefs>
-</ds:datastoreItem>
-</file>
-
-<file path=customXml/itemProps3.xml><?xml version="1.0" encoding="utf-8"?>
 <ds:datastoreItem xmlns:ds="http://schemas.openxmlformats.org/officeDocument/2006/customXml" ds:itemID="{137651BA-F45C-4845-9AB3-E0A65B39F5E1}">
   <ds:schemaRefs>
     <ds:schemaRef ds:uri="http://schemas.microsoft.com/office/2006/documentManagement/types"/>
@@ -11837,4 +13293,12 @@
     <ds:schemaRef ds:uri="http://www.w3.org/XML/1998/namespace"/>
   </ds:schemaRefs>
 </ds:datastoreItem>
+</file>
+
+<file path=customXml/itemProps3.xml><?xml version="1.0" encoding="utf-8"?>
+<ds:datastoreItem xmlns:ds="http://schemas.openxmlformats.org/officeDocument/2006/customXml" ds:itemID="{CDB58277-F8DF-46FF-84EC-EF41B835E69F}">
+  <ds:schemaRefs>
+    <ds:schemaRef ds:uri="http://schemas.microsoft.com/sharepoint/v3/contenttype/forms"/>
+  </ds:schemaRefs>
+</ds:datastoreItem>
 </file>